--- a/slides/WebAppsReImagined.pptx
+++ b/slides/WebAppsReImagined.pptx
@@ -5,7 +5,7 @@
     <p:sldMasterId id="2147483660" r:id="rId1"/>
   </p:sldMasterIdLst>
   <p:notesMasterIdLst>
-    <p:notesMasterId r:id="rId52"/>
+    <p:notesMasterId r:id="rId53"/>
   </p:notesMasterIdLst>
   <p:sldIdLst>
     <p:sldId id="256" r:id="rId2"/>
@@ -23,41 +23,42 @@
     <p:sldId id="277" r:id="rId14"/>
     <p:sldId id="279" r:id="rId15"/>
     <p:sldId id="278" r:id="rId16"/>
-    <p:sldId id="262" r:id="rId17"/>
-    <p:sldId id="264" r:id="rId18"/>
-    <p:sldId id="273" r:id="rId19"/>
-    <p:sldId id="267" r:id="rId20"/>
-    <p:sldId id="302" r:id="rId21"/>
-    <p:sldId id="296" r:id="rId22"/>
-    <p:sldId id="304" r:id="rId23"/>
-    <p:sldId id="280" r:id="rId24"/>
-    <p:sldId id="268" r:id="rId25"/>
-    <p:sldId id="269" r:id="rId26"/>
-    <p:sldId id="270" r:id="rId27"/>
-    <p:sldId id="271" r:id="rId28"/>
-    <p:sldId id="275" r:id="rId29"/>
-    <p:sldId id="272" r:id="rId30"/>
-    <p:sldId id="274" r:id="rId31"/>
-    <p:sldId id="285" r:id="rId32"/>
-    <p:sldId id="286" r:id="rId33"/>
-    <p:sldId id="293" r:id="rId34"/>
-    <p:sldId id="283" r:id="rId35"/>
-    <p:sldId id="284" r:id="rId36"/>
-    <p:sldId id="287" r:id="rId37"/>
-    <p:sldId id="289" r:id="rId38"/>
-    <p:sldId id="290" r:id="rId39"/>
-    <p:sldId id="308" r:id="rId40"/>
-    <p:sldId id="310" r:id="rId41"/>
-    <p:sldId id="309" r:id="rId42"/>
-    <p:sldId id="311" r:id="rId43"/>
-    <p:sldId id="312" r:id="rId44"/>
-    <p:sldId id="288" r:id="rId45"/>
-    <p:sldId id="291" r:id="rId46"/>
-    <p:sldId id="292" r:id="rId47"/>
-    <p:sldId id="294" r:id="rId48"/>
-    <p:sldId id="295" r:id="rId49"/>
-    <p:sldId id="297" r:id="rId50"/>
-    <p:sldId id="307" r:id="rId51"/>
+    <p:sldId id="313" r:id="rId17"/>
+    <p:sldId id="262" r:id="rId18"/>
+    <p:sldId id="264" r:id="rId19"/>
+    <p:sldId id="273" r:id="rId20"/>
+    <p:sldId id="267" r:id="rId21"/>
+    <p:sldId id="302" r:id="rId22"/>
+    <p:sldId id="296" r:id="rId23"/>
+    <p:sldId id="304" r:id="rId24"/>
+    <p:sldId id="280" r:id="rId25"/>
+    <p:sldId id="268" r:id="rId26"/>
+    <p:sldId id="269" r:id="rId27"/>
+    <p:sldId id="270" r:id="rId28"/>
+    <p:sldId id="271" r:id="rId29"/>
+    <p:sldId id="275" r:id="rId30"/>
+    <p:sldId id="272" r:id="rId31"/>
+    <p:sldId id="274" r:id="rId32"/>
+    <p:sldId id="285" r:id="rId33"/>
+    <p:sldId id="286" r:id="rId34"/>
+    <p:sldId id="293" r:id="rId35"/>
+    <p:sldId id="283" r:id="rId36"/>
+    <p:sldId id="284" r:id="rId37"/>
+    <p:sldId id="287" r:id="rId38"/>
+    <p:sldId id="289" r:id="rId39"/>
+    <p:sldId id="290" r:id="rId40"/>
+    <p:sldId id="308" r:id="rId41"/>
+    <p:sldId id="310" r:id="rId42"/>
+    <p:sldId id="309" r:id="rId43"/>
+    <p:sldId id="311" r:id="rId44"/>
+    <p:sldId id="312" r:id="rId45"/>
+    <p:sldId id="288" r:id="rId46"/>
+    <p:sldId id="291" r:id="rId47"/>
+    <p:sldId id="292" r:id="rId48"/>
+    <p:sldId id="294" r:id="rId49"/>
+    <p:sldId id="295" r:id="rId50"/>
+    <p:sldId id="297" r:id="rId51"/>
+    <p:sldId id="307" r:id="rId52"/>
   </p:sldIdLst>
   <p:sldSz cx="9144000" cy="6858000" type="screen4x3"/>
   <p:notesSz cx="6858000" cy="9144000"/>
@@ -1224,404 +1225,6 @@
       <dsp:cNvGrpSpPr/>
     </dsp:nvGrpSpPr>
     <dsp:grpSpPr/>
-    <dsp:sp modelId="{D88C0EE2-567E-4AEC-BB24-9A5F45F1D9AE}">
-      <dsp:nvSpPr>
-        <dsp:cNvPr id="0" name=""/>
-        <dsp:cNvSpPr/>
-      </dsp:nvSpPr>
-      <dsp:spPr>
-        <a:xfrm>
-          <a:off x="0" y="0"/>
-          <a:ext cx="6703695" cy="1305401"/>
-        </a:xfrm>
-        <a:prstGeom prst="roundRect">
-          <a:avLst>
-            <a:gd name="adj" fmla="val 10000"/>
-          </a:avLst>
-        </a:prstGeom>
-        <a:solidFill>
-          <a:schemeClr val="accent1">
-            <a:hueOff val="0"/>
-            <a:satOff val="0"/>
-            <a:lumOff val="0"/>
-            <a:alphaOff val="0"/>
-          </a:schemeClr>
-        </a:solidFill>
-        <a:ln w="12700" cap="flat" cmpd="sng" algn="ctr">
-          <a:solidFill>
-            <a:schemeClr val="lt1">
-              <a:hueOff val="0"/>
-              <a:satOff val="0"/>
-              <a:lumOff val="0"/>
-              <a:alphaOff val="0"/>
-            </a:schemeClr>
-          </a:solidFill>
-          <a:prstDash val="solid"/>
-          <a:miter lim="800000"/>
-        </a:ln>
-        <a:effectLst/>
-      </dsp:spPr>
-      <dsp:style>
-        <a:lnRef idx="2">
-          <a:scrgbClr r="0" g="0" b="0"/>
-        </a:lnRef>
-        <a:fillRef idx="1">
-          <a:scrgbClr r="0" g="0" b="0"/>
-        </a:fillRef>
-        <a:effectRef idx="0">
-          <a:scrgbClr r="0" g="0" b="0"/>
-        </a:effectRef>
-        <a:fontRef idx="minor">
-          <a:schemeClr val="lt1"/>
-        </a:fontRef>
-      </dsp:style>
-      <dsp:txBody>
-        <a:bodyPr spcFirstLastPara="0" vert="horz" wrap="square" lIns="205740" tIns="205740" rIns="205740" bIns="205740" numCol="1" spcCol="1270" anchor="ctr" anchorCtr="0">
-          <a:noAutofit/>
-        </a:bodyPr>
-        <a:lstStyle/>
-        <a:p>
-          <a:pPr lvl="0" algn="l" defTabSz="2400300" rtl="0">
-            <a:lnSpc>
-              <a:spcPct val="90000"/>
-            </a:lnSpc>
-            <a:spcBef>
-              <a:spcPct val="0"/>
-            </a:spcBef>
-            <a:spcAft>
-              <a:spcPct val="35000"/>
-            </a:spcAft>
-          </a:pPr>
-          <a:r>
-            <a:rPr lang="en-US" sz="5400" kern="1200" dirty="0" smtClean="0"/>
-            <a:t>Web UI</a:t>
-          </a:r>
-          <a:endParaRPr lang="en-US" sz="5400" kern="1200" dirty="0"/>
-        </a:p>
-      </dsp:txBody>
-      <dsp:txXfrm>
-        <a:off x="38234" y="38234"/>
-        <a:ext cx="5295064" cy="1228933"/>
-      </dsp:txXfrm>
-    </dsp:sp>
-    <dsp:sp modelId="{D17AC1BF-566E-4F34-AD9A-24367C1BDD29}">
-      <dsp:nvSpPr>
-        <dsp:cNvPr id="0" name=""/>
-        <dsp:cNvSpPr/>
-      </dsp:nvSpPr>
-      <dsp:spPr>
-        <a:xfrm>
-          <a:off x="591502" y="1522968"/>
-          <a:ext cx="6703695" cy="1305401"/>
-        </a:xfrm>
-        <a:prstGeom prst="roundRect">
-          <a:avLst>
-            <a:gd name="adj" fmla="val 10000"/>
-          </a:avLst>
-        </a:prstGeom>
-        <a:solidFill>
-          <a:schemeClr val="accent1">
-            <a:hueOff val="0"/>
-            <a:satOff val="0"/>
-            <a:lumOff val="0"/>
-            <a:alphaOff val="0"/>
-          </a:schemeClr>
-        </a:solidFill>
-        <a:ln w="12700" cap="flat" cmpd="sng" algn="ctr">
-          <a:solidFill>
-            <a:schemeClr val="lt1">
-              <a:hueOff val="0"/>
-              <a:satOff val="0"/>
-              <a:lumOff val="0"/>
-              <a:alphaOff val="0"/>
-            </a:schemeClr>
-          </a:solidFill>
-          <a:prstDash val="solid"/>
-          <a:miter lim="800000"/>
-        </a:ln>
-        <a:effectLst/>
-      </dsp:spPr>
-      <dsp:style>
-        <a:lnRef idx="2">
-          <a:scrgbClr r="0" g="0" b="0"/>
-        </a:lnRef>
-        <a:fillRef idx="1">
-          <a:scrgbClr r="0" g="0" b="0"/>
-        </a:fillRef>
-        <a:effectRef idx="0">
-          <a:scrgbClr r="0" g="0" b="0"/>
-        </a:effectRef>
-        <a:fontRef idx="minor">
-          <a:schemeClr val="lt1"/>
-        </a:fontRef>
-      </dsp:style>
-      <dsp:txBody>
-        <a:bodyPr spcFirstLastPara="0" vert="horz" wrap="square" lIns="205740" tIns="205740" rIns="205740" bIns="205740" numCol="1" spcCol="1270" anchor="ctr" anchorCtr="0">
-          <a:noAutofit/>
-        </a:bodyPr>
-        <a:lstStyle/>
-        <a:p>
-          <a:pPr lvl="0" algn="l" defTabSz="2400300" rtl="0">
-            <a:lnSpc>
-              <a:spcPct val="90000"/>
-            </a:lnSpc>
-            <a:spcBef>
-              <a:spcPct val="0"/>
-            </a:spcBef>
-            <a:spcAft>
-              <a:spcPct val="35000"/>
-            </a:spcAft>
-          </a:pPr>
-          <a:r>
-            <a:rPr lang="en-US" sz="5400" kern="1200" dirty="0" smtClean="0"/>
-            <a:t>REST API</a:t>
-          </a:r>
-          <a:endParaRPr lang="en-US" sz="5400" kern="1200" dirty="0"/>
-        </a:p>
-      </dsp:txBody>
-      <dsp:txXfrm>
-        <a:off x="629736" y="1561202"/>
-        <a:ext cx="5187213" cy="1228933"/>
-      </dsp:txXfrm>
-    </dsp:sp>
-    <dsp:sp modelId="{F6DB8695-4A9B-45F2-940F-89F23482B0E2}">
-      <dsp:nvSpPr>
-        <dsp:cNvPr id="0" name=""/>
-        <dsp:cNvSpPr/>
-      </dsp:nvSpPr>
-      <dsp:spPr>
-        <a:xfrm>
-          <a:off x="1183004" y="3045936"/>
-          <a:ext cx="6703695" cy="1305401"/>
-        </a:xfrm>
-        <a:prstGeom prst="roundRect">
-          <a:avLst>
-            <a:gd name="adj" fmla="val 10000"/>
-          </a:avLst>
-        </a:prstGeom>
-        <a:solidFill>
-          <a:schemeClr val="accent1">
-            <a:hueOff val="0"/>
-            <a:satOff val="0"/>
-            <a:lumOff val="0"/>
-            <a:alphaOff val="0"/>
-          </a:schemeClr>
-        </a:solidFill>
-        <a:ln w="12700" cap="flat" cmpd="sng" algn="ctr">
-          <a:solidFill>
-            <a:schemeClr val="lt1">
-              <a:hueOff val="0"/>
-              <a:satOff val="0"/>
-              <a:lumOff val="0"/>
-              <a:alphaOff val="0"/>
-            </a:schemeClr>
-          </a:solidFill>
-          <a:prstDash val="solid"/>
-          <a:miter lim="800000"/>
-        </a:ln>
-        <a:effectLst/>
-      </dsp:spPr>
-      <dsp:style>
-        <a:lnRef idx="2">
-          <a:scrgbClr r="0" g="0" b="0"/>
-        </a:lnRef>
-        <a:fillRef idx="1">
-          <a:scrgbClr r="0" g="0" b="0"/>
-        </a:fillRef>
-        <a:effectRef idx="0">
-          <a:scrgbClr r="0" g="0" b="0"/>
-        </a:effectRef>
-        <a:fontRef idx="minor">
-          <a:schemeClr val="lt1"/>
-        </a:fontRef>
-      </dsp:style>
-      <dsp:txBody>
-        <a:bodyPr spcFirstLastPara="0" vert="horz" wrap="square" lIns="205740" tIns="205740" rIns="205740" bIns="205740" numCol="1" spcCol="1270" anchor="ctr" anchorCtr="0">
-          <a:noAutofit/>
-        </a:bodyPr>
-        <a:lstStyle/>
-        <a:p>
-          <a:pPr lvl="0" algn="l" defTabSz="2400300" rtl="0">
-            <a:lnSpc>
-              <a:spcPct val="90000"/>
-            </a:lnSpc>
-            <a:spcBef>
-              <a:spcPct val="0"/>
-            </a:spcBef>
-            <a:spcAft>
-              <a:spcPct val="35000"/>
-            </a:spcAft>
-          </a:pPr>
-          <a:r>
-            <a:rPr lang="en-US" sz="5400" kern="1200" dirty="0" smtClean="0"/>
-            <a:t>Windows Service</a:t>
-          </a:r>
-          <a:endParaRPr lang="en-US" sz="5400" kern="1200" dirty="0"/>
-        </a:p>
-      </dsp:txBody>
-      <dsp:txXfrm>
-        <a:off x="1221238" y="3084170"/>
-        <a:ext cx="5187213" cy="1228933"/>
-      </dsp:txXfrm>
-    </dsp:sp>
-    <dsp:sp modelId="{86695C5A-06EA-485E-ACC8-75734A588F87}">
-      <dsp:nvSpPr>
-        <dsp:cNvPr id="0" name=""/>
-        <dsp:cNvSpPr/>
-      </dsp:nvSpPr>
-      <dsp:spPr>
-        <a:xfrm>
-          <a:off x="5855184" y="989929"/>
-          <a:ext cx="848510" cy="848510"/>
-        </a:xfrm>
-        <a:prstGeom prst="downArrow">
-          <a:avLst>
-            <a:gd name="adj1" fmla="val 55000"/>
-            <a:gd name="adj2" fmla="val 45000"/>
-          </a:avLst>
-        </a:prstGeom>
-        <a:solidFill>
-          <a:schemeClr val="accent1">
-            <a:alpha val="90000"/>
-            <a:tint val="40000"/>
-            <a:hueOff val="0"/>
-            <a:satOff val="0"/>
-            <a:lumOff val="0"/>
-            <a:alphaOff val="0"/>
-          </a:schemeClr>
-        </a:solidFill>
-        <a:ln w="12700" cap="flat" cmpd="sng" algn="ctr">
-          <a:solidFill>
-            <a:schemeClr val="accent1">
-              <a:alpha val="90000"/>
-              <a:tint val="40000"/>
-              <a:hueOff val="0"/>
-              <a:satOff val="0"/>
-              <a:lumOff val="0"/>
-              <a:alphaOff val="0"/>
-            </a:schemeClr>
-          </a:solidFill>
-          <a:prstDash val="solid"/>
-          <a:miter lim="800000"/>
-        </a:ln>
-        <a:effectLst/>
-      </dsp:spPr>
-      <dsp:style>
-        <a:lnRef idx="2">
-          <a:scrgbClr r="0" g="0" b="0"/>
-        </a:lnRef>
-        <a:fillRef idx="1">
-          <a:scrgbClr r="0" g="0" b="0"/>
-        </a:fillRef>
-        <a:effectRef idx="0">
-          <a:scrgbClr r="0" g="0" b="0"/>
-        </a:effectRef>
-        <a:fontRef idx="minor"/>
-      </dsp:style>
-      <dsp:txBody>
-        <a:bodyPr spcFirstLastPara="0" vert="horz" wrap="square" lIns="45720" tIns="45720" rIns="45720" bIns="45720" numCol="1" spcCol="1270" anchor="ctr" anchorCtr="0">
-          <a:noAutofit/>
-        </a:bodyPr>
-        <a:lstStyle/>
-        <a:p>
-          <a:pPr lvl="0" algn="ctr" defTabSz="1600200">
-            <a:lnSpc>
-              <a:spcPct val="90000"/>
-            </a:lnSpc>
-            <a:spcBef>
-              <a:spcPct val="0"/>
-            </a:spcBef>
-            <a:spcAft>
-              <a:spcPct val="35000"/>
-            </a:spcAft>
-          </a:pPr>
-          <a:endParaRPr lang="en-US" sz="3600" kern="1200"/>
-        </a:p>
-      </dsp:txBody>
-      <dsp:txXfrm>
-        <a:off x="6046099" y="989929"/>
-        <a:ext cx="466680" cy="638504"/>
-      </dsp:txXfrm>
-    </dsp:sp>
-    <dsp:sp modelId="{2B197E85-C88B-4AE5-B12C-56621D9F7C4A}">
-      <dsp:nvSpPr>
-        <dsp:cNvPr id="0" name=""/>
-        <dsp:cNvSpPr/>
-      </dsp:nvSpPr>
-      <dsp:spPr>
-        <a:xfrm>
-          <a:off x="6446686" y="2504195"/>
-          <a:ext cx="848510" cy="848510"/>
-        </a:xfrm>
-        <a:prstGeom prst="downArrow">
-          <a:avLst>
-            <a:gd name="adj1" fmla="val 55000"/>
-            <a:gd name="adj2" fmla="val 45000"/>
-          </a:avLst>
-        </a:prstGeom>
-        <a:solidFill>
-          <a:schemeClr val="accent1">
-            <a:alpha val="90000"/>
-            <a:tint val="40000"/>
-            <a:hueOff val="0"/>
-            <a:satOff val="0"/>
-            <a:lumOff val="0"/>
-            <a:alphaOff val="0"/>
-          </a:schemeClr>
-        </a:solidFill>
-        <a:ln w="12700" cap="flat" cmpd="sng" algn="ctr">
-          <a:solidFill>
-            <a:schemeClr val="accent1">
-              <a:alpha val="90000"/>
-              <a:tint val="40000"/>
-              <a:hueOff val="0"/>
-              <a:satOff val="0"/>
-              <a:lumOff val="0"/>
-              <a:alphaOff val="0"/>
-            </a:schemeClr>
-          </a:solidFill>
-          <a:prstDash val="solid"/>
-          <a:miter lim="800000"/>
-        </a:ln>
-        <a:effectLst/>
-      </dsp:spPr>
-      <dsp:style>
-        <a:lnRef idx="2">
-          <a:scrgbClr r="0" g="0" b="0"/>
-        </a:lnRef>
-        <a:fillRef idx="1">
-          <a:scrgbClr r="0" g="0" b="0"/>
-        </a:fillRef>
-        <a:effectRef idx="0">
-          <a:scrgbClr r="0" g="0" b="0"/>
-        </a:effectRef>
-        <a:fontRef idx="minor"/>
-      </dsp:style>
-      <dsp:txBody>
-        <a:bodyPr spcFirstLastPara="0" vert="horz" wrap="square" lIns="45720" tIns="45720" rIns="45720" bIns="45720" numCol="1" spcCol="1270" anchor="ctr" anchorCtr="0">
-          <a:noAutofit/>
-        </a:bodyPr>
-        <a:lstStyle/>
-        <a:p>
-          <a:pPr lvl="0" algn="ctr" defTabSz="1600200">
-            <a:lnSpc>
-              <a:spcPct val="90000"/>
-            </a:lnSpc>
-            <a:spcBef>
-              <a:spcPct val="0"/>
-            </a:spcBef>
-            <a:spcAft>
-              <a:spcPct val="35000"/>
-            </a:spcAft>
-          </a:pPr>
-          <a:endParaRPr lang="en-US" sz="3600" kern="1200"/>
-        </a:p>
-      </dsp:txBody>
-      <dsp:txXfrm>
-        <a:off x="6637601" y="2504195"/>
-        <a:ext cx="466680" cy="638504"/>
-      </dsp:txXfrm>
-    </dsp:sp>
   </dsp:spTree>
 </dsp:drawing>
 </file>
@@ -3968,7 +3571,7 @@
           <a:p>
             <a:fld id="{79F8EE1B-BF2E-4EC6-9960-4F0C8727673B}" type="datetimeFigureOut">
               <a:rPr lang="en-US" smtClean="0"/>
-              <a:t>11/25/2013</a:t>
+              <a:t>12/19/2013</a:t>
             </a:fld>
             <a:endParaRPr lang="en-US"/>
           </a:p>
@@ -4393,7 +3996,7 @@
           <a:p>
             <a:fld id="{2A86D990-5DC8-441D-B0B5-E980ED32EE7A}" type="slidenum">
               <a:rPr lang="en-US" smtClean="0"/>
-              <a:t>35</a:t>
+              <a:t>36</a:t>
             </a:fld>
             <a:endParaRPr lang="en-US"/>
           </a:p>
@@ -4546,7 +4149,7 @@
           <a:p>
             <a:fld id="{2A86D990-5DC8-441D-B0B5-E980ED32EE7A}" type="slidenum">
               <a:rPr lang="en-US" smtClean="0"/>
-              <a:t>44</a:t>
+              <a:t>45</a:t>
             </a:fld>
             <a:endParaRPr lang="en-US"/>
           </a:p>
@@ -4638,7 +4241,7 @@
           <a:p>
             <a:fld id="{2A86D990-5DC8-441D-B0B5-E980ED32EE7A}" type="slidenum">
               <a:rPr lang="en-US" smtClean="0"/>
-              <a:t>45</a:t>
+              <a:t>46</a:t>
             </a:fld>
             <a:endParaRPr lang="en-US"/>
           </a:p>
@@ -5150,7 +4753,7 @@
           <a:p>
             <a:fld id="{2A86D990-5DC8-441D-B0B5-E980ED32EE7A}" type="slidenum">
               <a:rPr lang="en-US" smtClean="0"/>
-              <a:t>16</a:t>
+              <a:t>17</a:t>
             </a:fld>
             <a:endParaRPr lang="en-US"/>
           </a:p>
@@ -5219,11 +4822,7 @@
             </a:r>
             <a:r>
               <a:rPr lang="en-US" baseline="0" dirty="0" smtClean="0"/>
-              <a:t> applications any longer. Anyone caught doing so shall be terminated immediately</a:t>
-            </a:r>
-            <a:r>
-              <a:rPr lang="en-US" baseline="0" dirty="0" smtClean="0"/>
-              <a:t>.</a:t>
+              <a:t> applications any longer. Anyone caught doing so shall be terminated immediately.</a:t>
             </a:r>
           </a:p>
           <a:p>
@@ -5255,7 +4854,7 @@
           <a:p>
             <a:fld id="{2A86D990-5DC8-441D-B0B5-E980ED32EE7A}" type="slidenum">
               <a:rPr lang="en-US" smtClean="0"/>
-              <a:t>17</a:t>
+              <a:t>18</a:t>
             </a:fld>
             <a:endParaRPr lang="en-US"/>
           </a:p>
@@ -5339,7 +4938,7 @@
           <a:p>
             <a:fld id="{2A86D990-5DC8-441D-B0B5-E980ED32EE7A}" type="slidenum">
               <a:rPr lang="en-US" smtClean="0"/>
-              <a:t>30</a:t>
+              <a:t>31</a:t>
             </a:fld>
             <a:endParaRPr lang="en-US"/>
           </a:p>
@@ -5476,7 +5075,7 @@
           <a:p>
             <a:fld id="{2A86D990-5DC8-441D-B0B5-E980ED32EE7A}" type="slidenum">
               <a:rPr lang="en-US" smtClean="0"/>
-              <a:t>34</a:t>
+              <a:t>35</a:t>
             </a:fld>
             <a:endParaRPr lang="en-US"/>
           </a:p>
@@ -5626,7 +5225,7 @@
           <a:p>
             <a:fld id="{1720F2A7-3DF1-47EF-9C7B-C52D8A8DAEE2}" type="datetimeFigureOut">
               <a:rPr lang="en-US" smtClean="0"/>
-              <a:t>11/25/2013</a:t>
+              <a:t>12/19/2013</a:t>
             </a:fld>
             <a:endParaRPr lang="en-US"/>
           </a:p>
@@ -5796,7 +5395,7 @@
           <a:p>
             <a:fld id="{1720F2A7-3DF1-47EF-9C7B-C52D8A8DAEE2}" type="datetimeFigureOut">
               <a:rPr lang="en-US" smtClean="0"/>
-              <a:t>11/25/2013</a:t>
+              <a:t>12/19/2013</a:t>
             </a:fld>
             <a:endParaRPr lang="en-US"/>
           </a:p>
@@ -5976,7 +5575,7 @@
           <a:p>
             <a:fld id="{1720F2A7-3DF1-47EF-9C7B-C52D8A8DAEE2}" type="datetimeFigureOut">
               <a:rPr lang="en-US" smtClean="0"/>
-              <a:t>11/25/2013</a:t>
+              <a:t>12/19/2013</a:t>
             </a:fld>
             <a:endParaRPr lang="en-US"/>
           </a:p>
@@ -6146,7 +5745,7 @@
           <a:p>
             <a:fld id="{1720F2A7-3DF1-47EF-9C7B-C52D8A8DAEE2}" type="datetimeFigureOut">
               <a:rPr lang="en-US" smtClean="0"/>
-              <a:t>11/25/2013</a:t>
+              <a:t>12/19/2013</a:t>
             </a:fld>
             <a:endParaRPr lang="en-US"/>
           </a:p>
@@ -6390,7 +5989,7 @@
           <a:p>
             <a:fld id="{1720F2A7-3DF1-47EF-9C7B-C52D8A8DAEE2}" type="datetimeFigureOut">
               <a:rPr lang="en-US" smtClean="0"/>
-              <a:t>11/25/2013</a:t>
+              <a:t>12/19/2013</a:t>
             </a:fld>
             <a:endParaRPr lang="en-US"/>
           </a:p>
@@ -6622,7 +6221,7 @@
           <a:p>
             <a:fld id="{1720F2A7-3DF1-47EF-9C7B-C52D8A8DAEE2}" type="datetimeFigureOut">
               <a:rPr lang="en-US" smtClean="0"/>
-              <a:t>11/25/2013</a:t>
+              <a:t>12/19/2013</a:t>
             </a:fld>
             <a:endParaRPr lang="en-US"/>
           </a:p>
@@ -6989,7 +6588,7 @@
           <a:p>
             <a:fld id="{1720F2A7-3DF1-47EF-9C7B-C52D8A8DAEE2}" type="datetimeFigureOut">
               <a:rPr lang="en-US" smtClean="0"/>
-              <a:t>11/25/2013</a:t>
+              <a:t>12/19/2013</a:t>
             </a:fld>
             <a:endParaRPr lang="en-US"/>
           </a:p>
@@ -7107,7 +6706,7 @@
           <a:p>
             <a:fld id="{1720F2A7-3DF1-47EF-9C7B-C52D8A8DAEE2}" type="datetimeFigureOut">
               <a:rPr lang="en-US" smtClean="0"/>
-              <a:t>11/25/2013</a:t>
+              <a:t>12/19/2013</a:t>
             </a:fld>
             <a:endParaRPr lang="en-US"/>
           </a:p>
@@ -7202,7 +6801,7 @@
           <a:p>
             <a:fld id="{1720F2A7-3DF1-47EF-9C7B-C52D8A8DAEE2}" type="datetimeFigureOut">
               <a:rPr lang="en-US" smtClean="0"/>
-              <a:t>11/25/2013</a:t>
+              <a:t>12/19/2013</a:t>
             </a:fld>
             <a:endParaRPr lang="en-US"/>
           </a:p>
@@ -7479,7 +7078,7 @@
           <a:p>
             <a:fld id="{1720F2A7-3DF1-47EF-9C7B-C52D8A8DAEE2}" type="datetimeFigureOut">
               <a:rPr lang="en-US" smtClean="0"/>
-              <a:t>11/25/2013</a:t>
+              <a:t>12/19/2013</a:t>
             </a:fld>
             <a:endParaRPr lang="en-US"/>
           </a:p>
@@ -7736,7 +7335,7 @@
           <a:p>
             <a:fld id="{1720F2A7-3DF1-47EF-9C7B-C52D8A8DAEE2}" type="datetimeFigureOut">
               <a:rPr lang="en-US" smtClean="0"/>
-              <a:t>11/25/2013</a:t>
+              <a:t>12/19/2013</a:t>
             </a:fld>
             <a:endParaRPr lang="en-US"/>
           </a:p>
@@ -7949,7 +7548,7 @@
           <a:p>
             <a:fld id="{1720F2A7-3DF1-47EF-9C7B-C52D8A8DAEE2}" type="datetimeFigureOut">
               <a:rPr lang="en-US" smtClean="0"/>
-              <a:t>11/25/2013</a:t>
+              <a:t>12/19/2013</a:t>
             </a:fld>
             <a:endParaRPr lang="en-US"/>
           </a:p>
@@ -9729,6 +9328,66 @@
           <a:chExt cx="0" cy="0"/>
         </a:xfrm>
       </p:grpSpPr>
+      <p:pic>
+        <p:nvPicPr>
+          <p:cNvPr id="2" name="Picture 1"/>
+          <p:cNvPicPr>
+            <a:picLocks noChangeAspect="1"/>
+          </p:cNvPicPr>
+          <p:nvPr/>
+        </p:nvPicPr>
+        <p:blipFill>
+          <a:blip r:embed="rId2">
+            <a:extLst>
+              <a:ext uri="{28A0092B-C50C-407E-A947-70E740481C1C}">
+                <a14:useLocalDpi xmlns:a14="http://schemas.microsoft.com/office/drawing/2010/main" val="0"/>
+              </a:ext>
+            </a:extLst>
+          </a:blip>
+          <a:stretch>
+            <a:fillRect/>
+          </a:stretch>
+        </p:blipFill>
+        <p:spPr>
+          <a:xfrm>
+            <a:off x="389744" y="509196"/>
+            <a:ext cx="8559384" cy="5830705"/>
+          </a:xfrm>
+          <a:prstGeom prst="rect">
+            <a:avLst/>
+          </a:prstGeom>
+        </p:spPr>
+      </p:pic>
+    </p:spTree>
+    <p:extLst>
+      <p:ext uri="{BB962C8B-B14F-4D97-AF65-F5344CB8AC3E}">
+        <p14:creationId xmlns:p14="http://schemas.microsoft.com/office/powerpoint/2010/main" val="753446340"/>
+      </p:ext>
+    </p:extLst>
+  </p:cSld>
+  <p:clrMapOvr>
+    <a:masterClrMapping/>
+  </p:clrMapOvr>
+</p:sld>
+</file>
+
+<file path=ppt/slides/slide17.xml><?xml version="1.0" encoding="utf-8"?>
+<p:sld xmlns:a="http://schemas.openxmlformats.org/drawingml/2006/main" xmlns:r="http://schemas.openxmlformats.org/officeDocument/2006/relationships" xmlns:p="http://schemas.openxmlformats.org/presentationml/2006/main">
+  <p:cSld>
+    <p:spTree>
+      <p:nvGrpSpPr>
+        <p:cNvPr id="1" name=""/>
+        <p:cNvGrpSpPr/>
+        <p:nvPr/>
+      </p:nvGrpSpPr>
+      <p:grpSpPr>
+        <a:xfrm>
+          <a:off x="0" y="0"/>
+          <a:ext cx="0" cy="0"/>
+          <a:chOff x="0" y="0"/>
+          <a:chExt cx="0" cy="0"/>
+        </a:xfrm>
+      </p:grpSpPr>
       <p:sp>
         <p:nvSpPr>
           <p:cNvPr id="2" name="Rounded Rectangle 1"/>
@@ -10236,7 +9895,7 @@
 </p:sld>
 </file>
 
-<file path=ppt/slides/slide17.xml><?xml version="1.0" encoding="utf-8"?>
+<file path=ppt/slides/slide18.xml><?xml version="1.0" encoding="utf-8"?>
 <p:sld xmlns:a="http://schemas.openxmlformats.org/drawingml/2006/main" xmlns:r="http://schemas.openxmlformats.org/officeDocument/2006/relationships" xmlns:p="http://schemas.openxmlformats.org/presentationml/2006/main">
   <p:cSld>
     <p:spTree>
@@ -11204,7 +10863,7 @@
 </p:sld>
 </file>
 
-<file path=ppt/slides/slide18.xml><?xml version="1.0" encoding="utf-8"?>
+<file path=ppt/slides/slide19.xml><?xml version="1.0" encoding="utf-8"?>
 <p:sld xmlns:a="http://schemas.openxmlformats.org/drawingml/2006/main" xmlns:r="http://schemas.openxmlformats.org/officeDocument/2006/relationships" xmlns:p="http://schemas.openxmlformats.org/presentationml/2006/main">
   <p:cSld>
     <p:spTree>
@@ -11266,126 +10925,6 @@
     <p:extLst>
       <p:ext uri="{BB962C8B-B14F-4D97-AF65-F5344CB8AC3E}">
         <p14:creationId xmlns:p14="http://schemas.microsoft.com/office/powerpoint/2010/main" val="3500953086"/>
-      </p:ext>
-    </p:extLst>
-  </p:cSld>
-  <p:clrMapOvr>
-    <a:masterClrMapping/>
-  </p:clrMapOvr>
-  <p:timing>
-    <p:tnLst>
-      <p:par>
-        <p:cTn id="1" dur="indefinite" restart="never" nodeType="tmRoot"/>
-      </p:par>
-    </p:tnLst>
-  </p:timing>
-</p:sld>
-</file>
-
-<file path=ppt/slides/slide19.xml><?xml version="1.0" encoding="utf-8"?>
-<p:sld xmlns:a="http://schemas.openxmlformats.org/drawingml/2006/main" xmlns:r="http://schemas.openxmlformats.org/officeDocument/2006/relationships" xmlns:p="http://schemas.openxmlformats.org/presentationml/2006/main">
-  <p:cSld>
-    <p:spTree>
-      <p:nvGrpSpPr>
-        <p:cNvPr id="1" name=""/>
-        <p:cNvGrpSpPr/>
-        <p:nvPr/>
-      </p:nvGrpSpPr>
-      <p:grpSpPr>
-        <a:xfrm>
-          <a:off x="0" y="0"/>
-          <a:ext cx="0" cy="0"/>
-          <a:chOff x="0" y="0"/>
-          <a:chExt cx="0" cy="0"/>
-        </a:xfrm>
-      </p:grpSpPr>
-      <p:sp>
-        <p:nvSpPr>
-          <p:cNvPr id="2" name="Title 1"/>
-          <p:cNvSpPr>
-            <a:spLocks noGrp="1"/>
-          </p:cNvSpPr>
-          <p:nvPr>
-            <p:ph type="title"/>
-          </p:nvPr>
-        </p:nvSpPr>
-        <p:spPr/>
-        <p:txBody>
-          <a:bodyPr/>
-          <a:lstStyle/>
-          <a:p>
-            <a:r>
-              <a:rPr lang="en-US" dirty="0" smtClean="0"/>
-              <a:t>Three Applications</a:t>
-            </a:r>
-            <a:endParaRPr lang="en-US" dirty="0"/>
-          </a:p>
-        </p:txBody>
-      </p:sp>
-      <p:graphicFrame>
-        <p:nvGraphicFramePr>
-          <p:cNvPr id="5" name="Content Placeholder 4"/>
-          <p:cNvGraphicFramePr>
-            <a:graphicFrameLocks noGrp="1"/>
-          </p:cNvGraphicFramePr>
-          <p:nvPr>
-            <p:ph idx="1"/>
-            <p:extLst>
-              <p:ext uri="{D42A27DB-BD31-4B8C-83A1-F6EECF244321}">
-                <p14:modId xmlns:p14="http://schemas.microsoft.com/office/powerpoint/2010/main" val="3707557624"/>
-              </p:ext>
-            </p:extLst>
-          </p:nvPr>
-        </p:nvGraphicFramePr>
-        <p:xfrm>
-          <a:off x="628650" y="1825625"/>
-          <a:ext cx="7886700" cy="4351338"/>
-        </p:xfrm>
-        <a:graphic>
-          <a:graphicData uri="http://schemas.openxmlformats.org/drawingml/2006/diagram">
-            <dgm:relIds xmlns:dgm="http://schemas.openxmlformats.org/drawingml/2006/diagram" xmlns:r="http://schemas.openxmlformats.org/officeDocument/2006/relationships" r:dm="rId2" r:lo="rId3" r:qs="rId4" r:cs="rId5"/>
-          </a:graphicData>
-        </a:graphic>
-      </p:graphicFrame>
-      <p:sp>
-        <p:nvSpPr>
-          <p:cNvPr id="3" name="TextBox 2"/>
-          <p:cNvSpPr txBox="1"/>
-          <p:nvPr/>
-        </p:nvSpPr>
-        <p:spPr>
-          <a:xfrm>
-            <a:off x="1524000" y="6315075"/>
-            <a:ext cx="6477000" cy="369332"/>
-          </a:xfrm>
-          <a:prstGeom prst="rect">
-            <a:avLst/>
-          </a:prstGeom>
-          <a:noFill/>
-        </p:spPr>
-        <p:txBody>
-          <a:bodyPr wrap="square" rtlCol="0">
-            <a:spAutoFit/>
-          </a:bodyPr>
-          <a:lstStyle/>
-          <a:p>
-            <a:pPr algn="ctr"/>
-            <a:r>
-              <a:rPr lang="en-US" dirty="0" smtClean="0"/>
-              <a:t>Composite Application </a:t>
-            </a:r>
-            <a:r>
-              <a:rPr lang="en-US" strike="sngStrike" dirty="0" smtClean="0"/>
-              <a:t>Monolithic</a:t>
-            </a:r>
-            <a:endParaRPr lang="en-US" strike="sngStrike" dirty="0"/>
-          </a:p>
-        </p:txBody>
-      </p:sp>
-    </p:spTree>
-    <p:extLst>
-      <p:ext uri="{BB962C8B-B14F-4D97-AF65-F5344CB8AC3E}">
-        <p14:creationId xmlns:p14="http://schemas.microsoft.com/office/powerpoint/2010/main" val="3649829635"/>
       </p:ext>
     </p:extLst>
   </p:cSld>
@@ -11640,42 +11179,81 @@
         </p:nvSpPr>
         <p:spPr/>
         <p:txBody>
-          <a:bodyPr>
-            <a:normAutofit/>
+          <a:bodyPr/>
+          <a:lstStyle/>
+          <a:p>
+            <a:r>
+              <a:rPr lang="en-US" dirty="0" smtClean="0"/>
+              <a:t>Three Applications</a:t>
+            </a:r>
+            <a:endParaRPr lang="en-US" dirty="0"/>
+          </a:p>
+        </p:txBody>
+      </p:sp>
+      <p:graphicFrame>
+        <p:nvGraphicFramePr>
+          <p:cNvPr id="5" name="Content Placeholder 4"/>
+          <p:cNvGraphicFramePr>
+            <a:graphicFrameLocks noGrp="1"/>
+          </p:cNvGraphicFramePr>
+          <p:nvPr>
+            <p:ph idx="1"/>
+            <p:extLst>
+              <p:ext uri="{D42A27DB-BD31-4B8C-83A1-F6EECF244321}">
+                <p14:modId xmlns:p14="http://schemas.microsoft.com/office/powerpoint/2010/main" val="3707557624"/>
+              </p:ext>
+            </p:extLst>
+          </p:nvPr>
+        </p:nvGraphicFramePr>
+        <p:xfrm>
+          <a:off x="628650" y="1825625"/>
+          <a:ext cx="7886700" cy="4351338"/>
+        </p:xfrm>
+        <a:graphic>
+          <a:graphicData uri="http://schemas.openxmlformats.org/drawingml/2006/diagram">
+            <dgm:relIds xmlns:dgm="http://schemas.openxmlformats.org/drawingml/2006/diagram" xmlns:r="http://schemas.openxmlformats.org/officeDocument/2006/relationships" r:dm="rId2" r:lo="rId3" r:qs="rId4" r:cs="rId5"/>
+          </a:graphicData>
+        </a:graphic>
+      </p:graphicFrame>
+      <p:sp>
+        <p:nvSpPr>
+          <p:cNvPr id="3" name="TextBox 2"/>
+          <p:cNvSpPr txBox="1"/>
+          <p:nvPr/>
+        </p:nvSpPr>
+        <p:spPr>
+          <a:xfrm>
+            <a:off x="1524000" y="6315075"/>
+            <a:ext cx="6477000" cy="369332"/>
+          </a:xfrm>
+          <a:prstGeom prst="rect">
+            <a:avLst/>
+          </a:prstGeom>
+          <a:noFill/>
+        </p:spPr>
+        <p:txBody>
+          <a:bodyPr wrap="square" rtlCol="0">
+            <a:spAutoFit/>
           </a:bodyPr>
           <a:lstStyle/>
           <a:p>
+            <a:pPr algn="ctr"/>
             <a:r>
               <a:rPr lang="en-US" dirty="0" smtClean="0"/>
-              <a:t>Monolithic apps are out. Composite applications are the new norm.</a:t>
-            </a:r>
-            <a:endParaRPr lang="en-US" dirty="0"/>
-          </a:p>
-        </p:txBody>
-      </p:sp>
-      <p:sp>
-        <p:nvSpPr>
-          <p:cNvPr id="3" name="Text Placeholder 2"/>
-          <p:cNvSpPr>
-            <a:spLocks noGrp="1"/>
-          </p:cNvSpPr>
-          <p:nvPr>
-            <p:ph type="body" idx="1"/>
-          </p:nvPr>
-        </p:nvSpPr>
-        <p:spPr/>
-        <p:txBody>
-          <a:bodyPr/>
-          <a:lstStyle/>
-          <a:p>
-            <a:endParaRPr lang="en-US" dirty="0"/>
+              <a:t>Composite Application </a:t>
+            </a:r>
+            <a:r>
+              <a:rPr lang="en-US" strike="sngStrike" dirty="0" smtClean="0"/>
+              <a:t>Monolithic</a:t>
+            </a:r>
+            <a:endParaRPr lang="en-US" strike="sngStrike" dirty="0"/>
           </a:p>
         </p:txBody>
       </p:sp>
     </p:spTree>
     <p:extLst>
       <p:ext uri="{BB962C8B-B14F-4D97-AF65-F5344CB8AC3E}">
-        <p14:creationId xmlns:p14="http://schemas.microsoft.com/office/powerpoint/2010/main" val="3875489613"/>
+        <p14:creationId xmlns:p14="http://schemas.microsoft.com/office/powerpoint/2010/main" val="3649829635"/>
       </p:ext>
     </p:extLst>
   </p:cSld>
@@ -11721,12 +11299,14 @@
         </p:nvSpPr>
         <p:spPr/>
         <p:txBody>
-          <a:bodyPr/>
+          <a:bodyPr>
+            <a:normAutofit/>
+          </a:bodyPr>
           <a:lstStyle/>
           <a:p>
             <a:r>
               <a:rPr lang="en-US" dirty="0" smtClean="0"/>
-              <a:t>It is all about messaging.</a:t>
+              <a:t>Monolithic apps are out. Composite applications are the new norm.</a:t>
             </a:r>
             <a:endParaRPr lang="en-US" dirty="0"/>
           </a:p>
@@ -11747,10 +11327,6 @@
           <a:bodyPr/>
           <a:lstStyle/>
           <a:p>
-            <a:r>
-              <a:rPr lang="en-US" dirty="0" smtClean="0"/>
-              <a:t>The only way to get them to all talk to one another.</a:t>
-            </a:r>
             <a:endParaRPr lang="en-US" dirty="0"/>
           </a:p>
         </p:txBody>
@@ -11758,7 +11334,7 @@
     </p:spTree>
     <p:extLst>
       <p:ext uri="{BB962C8B-B14F-4D97-AF65-F5344CB8AC3E}">
-        <p14:creationId xmlns:p14="http://schemas.microsoft.com/office/powerpoint/2010/main" val="3615660160"/>
+        <p14:creationId xmlns:p14="http://schemas.microsoft.com/office/powerpoint/2010/main" val="3875489613"/>
       </p:ext>
     </p:extLst>
   </p:cSld>
@@ -11809,7 +11385,7 @@
           <a:p>
             <a:r>
               <a:rPr lang="en-US" dirty="0" smtClean="0"/>
-              <a:t>Demo</a:t>
+              <a:t>It is all about messaging.</a:t>
             </a:r>
             <a:endParaRPr lang="en-US" dirty="0"/>
           </a:p>
@@ -11830,14 +11406,18 @@
           <a:bodyPr/>
           <a:lstStyle/>
           <a:p>
-            <a:endParaRPr lang="en-US"/>
+            <a:r>
+              <a:rPr lang="en-US" dirty="0" smtClean="0"/>
+              <a:t>The only way to get them to all talk to one another.</a:t>
+            </a:r>
+            <a:endParaRPr lang="en-US" dirty="0"/>
           </a:p>
         </p:txBody>
       </p:sp>
     </p:spTree>
     <p:extLst>
       <p:ext uri="{BB962C8B-B14F-4D97-AF65-F5344CB8AC3E}">
-        <p14:creationId xmlns:p14="http://schemas.microsoft.com/office/powerpoint/2010/main" val="1958829782"/>
+        <p14:creationId xmlns:p14="http://schemas.microsoft.com/office/powerpoint/2010/main" val="3615660160"/>
       </p:ext>
     </p:extLst>
   </p:cSld>
@@ -11888,7 +11468,7 @@
           <a:p>
             <a:r>
               <a:rPr lang="en-US" dirty="0" smtClean="0"/>
-              <a:t>Web, API, Backend</a:t>
+              <a:t>Demo</a:t>
             </a:r>
             <a:endParaRPr lang="en-US" dirty="0"/>
           </a:p>
@@ -11909,18 +11489,14 @@
           <a:bodyPr/>
           <a:lstStyle/>
           <a:p>
-            <a:r>
-              <a:rPr lang="en-US" dirty="0" smtClean="0"/>
-              <a:t>Roles they each serve.</a:t>
-            </a:r>
-            <a:endParaRPr lang="en-US" dirty="0"/>
+            <a:endParaRPr lang="en-US"/>
           </a:p>
         </p:txBody>
       </p:sp>
     </p:spTree>
     <p:extLst>
       <p:ext uri="{BB962C8B-B14F-4D97-AF65-F5344CB8AC3E}">
-        <p14:creationId xmlns:p14="http://schemas.microsoft.com/office/powerpoint/2010/main" val="1775265530"/>
+        <p14:creationId xmlns:p14="http://schemas.microsoft.com/office/powerpoint/2010/main" val="1958829782"/>
       </p:ext>
     </p:extLst>
   </p:cSld>
@@ -11971,7 +11547,7 @@
           <a:p>
             <a:r>
               <a:rPr lang="en-US" dirty="0" smtClean="0"/>
-              <a:t>Web UI</a:t>
+              <a:t>Web, API, Backend</a:t>
             </a:r>
             <a:endParaRPr lang="en-US" dirty="0"/>
           </a:p>
@@ -11979,7 +11555,7 @@
       </p:sp>
       <p:sp>
         <p:nvSpPr>
-          <p:cNvPr id="4" name="Text Placeholder 3"/>
+          <p:cNvPr id="3" name="Text Placeholder 2"/>
           <p:cNvSpPr>
             <a:spLocks noGrp="1"/>
           </p:cNvSpPr>
@@ -11994,7 +11570,7 @@
           <a:p>
             <a:r>
               <a:rPr lang="en-US" dirty="0" smtClean="0"/>
-              <a:t>Borrows from the learnings of the *Smart Client* era. Doesn’t do anything but display html and data to the screen. </a:t>
+              <a:t>Roles they each serve.</a:t>
             </a:r>
             <a:endParaRPr lang="en-US" dirty="0"/>
           </a:p>
@@ -12003,7 +11579,7 @@
     </p:spTree>
     <p:extLst>
       <p:ext uri="{BB962C8B-B14F-4D97-AF65-F5344CB8AC3E}">
-        <p14:creationId xmlns:p14="http://schemas.microsoft.com/office/powerpoint/2010/main" val="691602023"/>
+        <p14:creationId xmlns:p14="http://schemas.microsoft.com/office/powerpoint/2010/main" val="1775265530"/>
       </p:ext>
     </p:extLst>
   </p:cSld>
@@ -12054,7 +11630,7 @@
           <a:p>
             <a:r>
               <a:rPr lang="en-US" dirty="0" smtClean="0"/>
-              <a:t>REST API</a:t>
+              <a:t>Web UI</a:t>
             </a:r>
             <a:endParaRPr lang="en-US" dirty="0"/>
           </a:p>
@@ -12062,7 +11638,7 @@
       </p:sp>
       <p:sp>
         <p:nvSpPr>
-          <p:cNvPr id="3" name="Text Placeholder 2"/>
+          <p:cNvPr id="4" name="Text Placeholder 3"/>
           <p:cNvSpPr>
             <a:spLocks noGrp="1"/>
           </p:cNvSpPr>
@@ -12072,23 +11648,12 @@
         </p:nvSpPr>
         <p:spPr/>
         <p:txBody>
-          <a:bodyPr>
-            <a:normAutofit fontScale="85000" lnSpcReduction="10000"/>
-          </a:bodyPr>
+          <a:bodyPr/>
           <a:lstStyle/>
           <a:p>
             <a:r>
               <a:rPr lang="en-US" dirty="0" smtClean="0"/>
-              <a:t>The Web UI interacts gets and stores data through here. There are no other means of it getting or retrieving data. </a:t>
-            </a:r>
-          </a:p>
-          <a:p>
-            <a:endParaRPr lang="en-US" dirty="0"/>
-          </a:p>
-          <a:p>
-            <a:r>
-              <a:rPr lang="en-US" dirty="0" smtClean="0"/>
-              <a:t>Provides a means for other UIs (mobile, tablet, other systems) to interact.</a:t>
+              <a:t>Borrows from the learnings of the *Smart Client* era. Doesn’t do anything but display html and data to the screen. </a:t>
             </a:r>
             <a:endParaRPr lang="en-US" dirty="0"/>
           </a:p>
@@ -12097,7 +11662,7 @@
     </p:spTree>
     <p:extLst>
       <p:ext uri="{BB962C8B-B14F-4D97-AF65-F5344CB8AC3E}">
-        <p14:creationId xmlns:p14="http://schemas.microsoft.com/office/powerpoint/2010/main" val="3468814855"/>
+        <p14:creationId xmlns:p14="http://schemas.microsoft.com/office/powerpoint/2010/main" val="691602023"/>
       </p:ext>
     </p:extLst>
   </p:cSld>
@@ -12156,61 +11721,33 @@
       </p:sp>
       <p:sp>
         <p:nvSpPr>
-          <p:cNvPr id="3" name="Content Placeholder 2"/>
+          <p:cNvPr id="3" name="Text Placeholder 2"/>
           <p:cNvSpPr>
             <a:spLocks noGrp="1"/>
           </p:cNvSpPr>
           <p:nvPr>
-            <p:ph idx="1"/>
+            <p:ph type="body" idx="1"/>
           </p:nvPr>
         </p:nvSpPr>
         <p:spPr/>
         <p:txBody>
-          <a:bodyPr/>
+          <a:bodyPr>
+            <a:normAutofit fontScale="85000" lnSpcReduction="10000"/>
+          </a:bodyPr>
           <a:lstStyle/>
           <a:p>
             <a:r>
               <a:rPr lang="en-US" dirty="0" smtClean="0"/>
-              <a:t>Handles request/reply where absolutely necessary</a:t>
-            </a:r>
+              <a:t>The Web UI interacts gets and stores data through here. There are no other means of it getting or retrieving data. </a:t>
+            </a:r>
+          </a:p>
+          <a:p>
+            <a:endParaRPr lang="en-US" dirty="0"/>
           </a:p>
           <a:p>
             <a:r>
               <a:rPr lang="en-US" dirty="0" smtClean="0"/>
-              <a:t>Primary job in life is to fan out calls</a:t>
-            </a:r>
-          </a:p>
-          <a:p>
-            <a:pPr lvl="1"/>
-            <a:r>
-              <a:rPr lang="en-US" dirty="0" smtClean="0"/>
-              <a:t>Generates messages to be processed</a:t>
-            </a:r>
-          </a:p>
-          <a:p>
-            <a:pPr lvl="2"/>
-            <a:r>
-              <a:rPr lang="en-US" dirty="0" smtClean="0"/>
-              <a:t>Commands</a:t>
-            </a:r>
-          </a:p>
-          <a:p>
-            <a:pPr lvl="2"/>
-            <a:r>
-              <a:rPr lang="en-US" dirty="0" smtClean="0"/>
-              <a:t>Events</a:t>
-            </a:r>
-          </a:p>
-          <a:p>
-            <a:r>
-              <a:rPr lang="en-US" dirty="0" smtClean="0"/>
-              <a:t>Does minimal work as possible to return to caller as fast as possible</a:t>
-            </a:r>
-          </a:p>
-          <a:p>
-            <a:r>
-              <a:rPr lang="en-US" dirty="0" smtClean="0"/>
-              <a:t>Everything else is handled by backend Windows Services</a:t>
+              <a:t>Provides a means for other UIs (mobile, tablet, other systems) to interact.</a:t>
             </a:r>
             <a:endParaRPr lang="en-US" dirty="0"/>
           </a:p>
@@ -12219,7 +11756,7 @@
     </p:spTree>
     <p:extLst>
       <p:ext uri="{BB962C8B-B14F-4D97-AF65-F5344CB8AC3E}">
-        <p14:creationId xmlns:p14="http://schemas.microsoft.com/office/powerpoint/2010/main" val="1930261369"/>
+        <p14:creationId xmlns:p14="http://schemas.microsoft.com/office/powerpoint/2010/main" val="3468814855"/>
       </p:ext>
     </p:extLst>
   </p:cSld>
@@ -12293,70 +11830,46 @@
           <a:p>
             <a:r>
               <a:rPr lang="en-US" dirty="0" smtClean="0"/>
-              <a:t>Design considerations</a:t>
+              <a:t>Handles request/reply where absolutely necessary</a:t>
+            </a:r>
+          </a:p>
+          <a:p>
+            <a:r>
+              <a:rPr lang="en-US" dirty="0" smtClean="0"/>
+              <a:t>Primary job in life is to fan out calls</a:t>
             </a:r>
           </a:p>
           <a:p>
             <a:pPr lvl="1"/>
             <a:r>
               <a:rPr lang="en-US" dirty="0" smtClean="0"/>
-              <a:t>Assume everyone is going to attack you</a:t>
-            </a:r>
-          </a:p>
-          <a:p>
-            <a:pPr lvl="1"/>
+              <a:t>Generates messages to be processed</a:t>
+            </a:r>
+          </a:p>
+          <a:p>
+            <a:pPr lvl="2"/>
             <a:r>
               <a:rPr lang="en-US" dirty="0" smtClean="0"/>
-              <a:t>Who is invoking you</a:t>
+              <a:t>Commands</a:t>
             </a:r>
           </a:p>
           <a:p>
             <a:pPr lvl="2"/>
             <a:r>
               <a:rPr lang="en-US" dirty="0" smtClean="0"/>
-              <a:t>Metrics / Stats</a:t>
-            </a:r>
-          </a:p>
-          <a:p>
-            <a:pPr lvl="1"/>
+              <a:t>Events</a:t>
+            </a:r>
+          </a:p>
+          <a:p>
             <a:r>
               <a:rPr lang="en-US" dirty="0" smtClean="0"/>
-              <a:t>Identification of caller</a:t>
-            </a:r>
-          </a:p>
-          <a:p>
-            <a:pPr lvl="2"/>
+              <a:t>Does minimal work as possible to return to caller as fast as possible</a:t>
+            </a:r>
+          </a:p>
+          <a:p>
             <a:r>
               <a:rPr lang="en-US" dirty="0" smtClean="0"/>
-              <a:t>Who are you and what can you do?</a:t>
-            </a:r>
-          </a:p>
-          <a:p>
-            <a:pPr lvl="1"/>
-            <a:r>
-              <a:rPr lang="en-US" dirty="0" smtClean="0"/>
-              <a:t>Security</a:t>
-            </a:r>
-          </a:p>
-          <a:p>
-            <a:pPr lvl="2"/>
-            <a:r>
-              <a:rPr lang="en-US" dirty="0" smtClean="0"/>
-              <a:t>More than SSL may be required</a:t>
-            </a:r>
-          </a:p>
-          <a:p>
-            <a:pPr lvl="1"/>
-            <a:r>
-              <a:rPr lang="en-US" dirty="0" smtClean="0"/>
-              <a:t>Document it</a:t>
-            </a:r>
-          </a:p>
-          <a:p>
-            <a:pPr lvl="1"/>
-            <a:r>
-              <a:rPr lang="en-US" dirty="0" smtClean="0"/>
-              <a:t>Help your clients, give them something other than just the API</a:t>
+              <a:t>Everything else is handled by backend Windows Services</a:t>
             </a:r>
             <a:endParaRPr lang="en-US" dirty="0"/>
           </a:p>
@@ -12365,7 +11878,7 @@
     </p:spTree>
     <p:extLst>
       <p:ext uri="{BB962C8B-B14F-4D97-AF65-F5344CB8AC3E}">
-        <p14:creationId xmlns:p14="http://schemas.microsoft.com/office/powerpoint/2010/main" val="2550514640"/>
+        <p14:creationId xmlns:p14="http://schemas.microsoft.com/office/powerpoint/2010/main" val="1930261369"/>
       </p:ext>
     </p:extLst>
   </p:cSld>
@@ -12416,7 +11929,7 @@
           <a:p>
             <a:r>
               <a:rPr lang="en-US" dirty="0" smtClean="0"/>
-              <a:t>REST API Calls</a:t>
+              <a:t>REST API</a:t>
             </a:r>
             <a:endParaRPr lang="en-US" dirty="0"/>
           </a:p>
@@ -12439,67 +11952,70 @@
           <a:p>
             <a:r>
               <a:rPr lang="en-US" dirty="0" smtClean="0"/>
-              <a:t>Option 1 – Request / Reply</a:t>
+              <a:t>Design considerations</a:t>
             </a:r>
           </a:p>
           <a:p>
             <a:pPr lvl="1"/>
             <a:r>
               <a:rPr lang="en-US" dirty="0" smtClean="0"/>
-              <a:t>Get data / Store data</a:t>
+              <a:t>Assume everyone is going to attack you</a:t>
             </a:r>
           </a:p>
           <a:p>
             <a:pPr lvl="1"/>
             <a:r>
               <a:rPr lang="en-US" dirty="0" smtClean="0"/>
-              <a:t>Create and send any commands and events to message queue</a:t>
+              <a:t>Who is invoking you</a:t>
+            </a:r>
+          </a:p>
+          <a:p>
+            <a:pPr lvl="2"/>
+            <a:r>
+              <a:rPr lang="en-US" dirty="0" smtClean="0"/>
+              <a:t>Metrics / Stats</a:t>
             </a:r>
           </a:p>
           <a:p>
             <a:pPr lvl="1"/>
             <a:r>
               <a:rPr lang="en-US" dirty="0" smtClean="0"/>
-              <a:t>Return</a:t>
-            </a:r>
-          </a:p>
-          <a:p>
+              <a:t>Identification of caller</a:t>
+            </a:r>
+          </a:p>
+          <a:p>
+            <a:pPr lvl="2"/>
             <a:r>
               <a:rPr lang="en-US" dirty="0" smtClean="0"/>
-              <a:t>Option 2 - </a:t>
-            </a:r>
-            <a:r>
-              <a:rPr lang="en-US" dirty="0" err="1" smtClean="0"/>
-              <a:t>Async</a:t>
-            </a:r>
-            <a:endParaRPr lang="en-US" dirty="0" smtClean="0"/>
+              <a:t>Who are you and what can you do?</a:t>
+            </a:r>
           </a:p>
           <a:p>
             <a:pPr lvl="1"/>
             <a:r>
               <a:rPr lang="en-US" dirty="0" smtClean="0"/>
-              <a:t>Store data</a:t>
+              <a:t>Security</a:t>
+            </a:r>
+          </a:p>
+          <a:p>
+            <a:pPr lvl="2"/>
+            <a:r>
+              <a:rPr lang="en-US" dirty="0" smtClean="0"/>
+              <a:t>More than SSL may be required</a:t>
             </a:r>
           </a:p>
           <a:p>
             <a:pPr lvl="1"/>
             <a:r>
               <a:rPr lang="en-US" dirty="0" smtClean="0"/>
-              <a:t>Get data (pulling credit is a good example)</a:t>
+              <a:t>Document it</a:t>
             </a:r>
           </a:p>
           <a:p>
             <a:pPr lvl="1"/>
             <a:r>
               <a:rPr lang="en-US" dirty="0" smtClean="0"/>
-              <a:t>Create and send any commands to message queue</a:t>
-            </a:r>
-          </a:p>
-          <a:p>
-            <a:pPr lvl="1"/>
-            <a:r>
-              <a:rPr lang="en-US" dirty="0" smtClean="0"/>
-              <a:t>Return</a:t>
+              <a:t>Help your clients, give them something other than just the API</a:t>
             </a:r>
             <a:endParaRPr lang="en-US" dirty="0"/>
           </a:p>
@@ -12508,7 +12024,7 @@
     </p:spTree>
     <p:extLst>
       <p:ext uri="{BB962C8B-B14F-4D97-AF65-F5344CB8AC3E}">
-        <p14:creationId xmlns:p14="http://schemas.microsoft.com/office/powerpoint/2010/main" val="2941560445"/>
+        <p14:creationId xmlns:p14="http://schemas.microsoft.com/office/powerpoint/2010/main" val="2550514640"/>
       </p:ext>
     </p:extLst>
   </p:cSld>
@@ -12559,7 +12075,7 @@
           <a:p>
             <a:r>
               <a:rPr lang="en-US" dirty="0" smtClean="0"/>
-              <a:t>Windows Service(s)</a:t>
+              <a:t>REST API Calls</a:t>
             </a:r>
             <a:endParaRPr lang="en-US" dirty="0"/>
           </a:p>
@@ -12567,12 +12083,12 @@
       </p:sp>
       <p:sp>
         <p:nvSpPr>
-          <p:cNvPr id="3" name="Text Placeholder 2"/>
+          <p:cNvPr id="3" name="Content Placeholder 2"/>
           <p:cNvSpPr>
             <a:spLocks noGrp="1"/>
           </p:cNvSpPr>
           <p:nvPr>
-            <p:ph type="body" idx="1"/>
+            <p:ph idx="1"/>
           </p:nvPr>
         </p:nvSpPr>
         <p:spPr/>
@@ -12582,7 +12098,67 @@
           <a:p>
             <a:r>
               <a:rPr lang="en-US" dirty="0" smtClean="0"/>
-              <a:t>The message processor(s). Processes commands and events that have been placed either in the queue or topic (pub/sub). Also creates and fires off commands and events.</a:t>
+              <a:t>Option 1 – Request / Reply</a:t>
+            </a:r>
+          </a:p>
+          <a:p>
+            <a:pPr lvl="1"/>
+            <a:r>
+              <a:rPr lang="en-US" dirty="0" smtClean="0"/>
+              <a:t>Get data / Store data</a:t>
+            </a:r>
+          </a:p>
+          <a:p>
+            <a:pPr lvl="1"/>
+            <a:r>
+              <a:rPr lang="en-US" dirty="0" smtClean="0"/>
+              <a:t>Create and send any commands and events to message queue</a:t>
+            </a:r>
+          </a:p>
+          <a:p>
+            <a:pPr lvl="1"/>
+            <a:r>
+              <a:rPr lang="en-US" dirty="0" smtClean="0"/>
+              <a:t>Return</a:t>
+            </a:r>
+          </a:p>
+          <a:p>
+            <a:r>
+              <a:rPr lang="en-US" dirty="0" smtClean="0"/>
+              <a:t>Option 2 - </a:t>
+            </a:r>
+            <a:r>
+              <a:rPr lang="en-US" dirty="0" err="1" smtClean="0"/>
+              <a:t>Async</a:t>
+            </a:r>
+            <a:endParaRPr lang="en-US" dirty="0" smtClean="0"/>
+          </a:p>
+          <a:p>
+            <a:pPr lvl="1"/>
+            <a:r>
+              <a:rPr lang="en-US" dirty="0" smtClean="0"/>
+              <a:t>Store data</a:t>
+            </a:r>
+          </a:p>
+          <a:p>
+            <a:pPr lvl="1"/>
+            <a:r>
+              <a:rPr lang="en-US" dirty="0" smtClean="0"/>
+              <a:t>Get data (pulling credit is a good example)</a:t>
+            </a:r>
+          </a:p>
+          <a:p>
+            <a:pPr lvl="1"/>
+            <a:r>
+              <a:rPr lang="en-US" dirty="0" smtClean="0"/>
+              <a:t>Create and send any commands to message queue</a:t>
+            </a:r>
+          </a:p>
+          <a:p>
+            <a:pPr lvl="1"/>
+            <a:r>
+              <a:rPr lang="en-US" dirty="0" smtClean="0"/>
+              <a:t>Return</a:t>
             </a:r>
             <a:endParaRPr lang="en-US" dirty="0"/>
           </a:p>
@@ -12591,7 +12167,7 @@
     </p:spTree>
     <p:extLst>
       <p:ext uri="{BB962C8B-B14F-4D97-AF65-F5344CB8AC3E}">
-        <p14:creationId xmlns:p14="http://schemas.microsoft.com/office/powerpoint/2010/main" val="2729893813"/>
+        <p14:creationId xmlns:p14="http://schemas.microsoft.com/office/powerpoint/2010/main" val="2941560445"/>
       </p:ext>
     </p:extLst>
   </p:cSld>
@@ -13356,43 +12932,22 @@
       </p:grpSpPr>
       <p:sp>
         <p:nvSpPr>
-          <p:cNvPr id="4" name="Flowchart: Magnetic Disk 3"/>
-          <p:cNvSpPr/>
-          <p:nvPr/>
-        </p:nvSpPr>
-        <p:spPr>
-          <a:xfrm>
-            <a:off x="959763" y="3679214"/>
-            <a:ext cx="1131221" cy="1120836"/>
-          </a:xfrm>
-          <a:prstGeom prst="flowChartMagneticDisk">
-            <a:avLst/>
-          </a:prstGeom>
-        </p:spPr>
-        <p:style>
-          <a:lnRef idx="2">
-            <a:schemeClr val="accent1">
-              <a:shade val="50000"/>
-            </a:schemeClr>
-          </a:lnRef>
-          <a:fillRef idx="1">
-            <a:schemeClr val="accent1"/>
-          </a:fillRef>
-          <a:effectRef idx="0">
-            <a:schemeClr val="accent1"/>
-          </a:effectRef>
-          <a:fontRef idx="minor">
-            <a:schemeClr val="lt1"/>
-          </a:fontRef>
-        </p:style>
-        <p:txBody>
-          <a:bodyPr rtlCol="0" anchor="ctr"/>
+          <p:cNvPr id="2" name="Title 1"/>
+          <p:cNvSpPr>
+            <a:spLocks noGrp="1"/>
+          </p:cNvSpPr>
+          <p:nvPr>
+            <p:ph type="title"/>
+          </p:nvPr>
+        </p:nvSpPr>
+        <p:spPr/>
+        <p:txBody>
+          <a:bodyPr/>
           <a:lstStyle/>
           <a:p>
-            <a:pPr algn="ctr"/>
             <a:r>
               <a:rPr lang="en-US" dirty="0" smtClean="0"/>
-              <a:t>Database</a:t>
+              <a:t>Windows Service(s)</a:t>
             </a:r>
             <a:endParaRPr lang="en-US" dirty="0"/>
           </a:p>
@@ -13400,627 +12955,22 @@
       </p:sp>
       <p:sp>
         <p:nvSpPr>
-          <p:cNvPr id="3" name="Flowchart: Direct Access Storage 2"/>
-          <p:cNvSpPr/>
-          <p:nvPr/>
-        </p:nvSpPr>
-        <p:spPr>
-          <a:xfrm>
-            <a:off x="7196728" y="3850955"/>
-            <a:ext cx="1499494" cy="777354"/>
-          </a:xfrm>
-          <a:prstGeom prst="flowChartMagneticDrum">
-            <a:avLst/>
-          </a:prstGeom>
-        </p:spPr>
-        <p:style>
-          <a:lnRef idx="2">
-            <a:schemeClr val="accent1">
-              <a:shade val="50000"/>
-            </a:schemeClr>
-          </a:lnRef>
-          <a:fillRef idx="1">
-            <a:schemeClr val="accent1"/>
-          </a:fillRef>
-          <a:effectRef idx="0">
-            <a:schemeClr val="accent1"/>
-          </a:effectRef>
-          <a:fontRef idx="minor">
-            <a:schemeClr val="lt1"/>
-          </a:fontRef>
-        </p:style>
-        <p:txBody>
-          <a:bodyPr rtlCol="0" anchor="ctr"/>
+          <p:cNvPr id="3" name="Text Placeholder 2"/>
+          <p:cNvSpPr>
+            <a:spLocks noGrp="1"/>
+          </p:cNvSpPr>
+          <p:nvPr>
+            <p:ph type="body" idx="1"/>
+          </p:nvPr>
+        </p:nvSpPr>
+        <p:spPr/>
+        <p:txBody>
+          <a:bodyPr/>
           <a:lstStyle/>
           <a:p>
-            <a:pPr algn="ctr"/>
             <a:r>
               <a:rPr lang="en-US" dirty="0" smtClean="0"/>
-              <a:t>Cache</a:t>
-            </a:r>
-            <a:endParaRPr lang="en-US" dirty="0"/>
-          </a:p>
-        </p:txBody>
-      </p:sp>
-      <p:sp>
-        <p:nvSpPr>
-          <p:cNvPr id="21" name="Rounded Rectangle 20"/>
-          <p:cNvSpPr/>
-          <p:nvPr/>
-        </p:nvSpPr>
-        <p:spPr>
-          <a:xfrm>
-            <a:off x="3676455" y="2770773"/>
-            <a:ext cx="1578202" cy="682198"/>
-          </a:xfrm>
-          <a:prstGeom prst="roundRect">
-            <a:avLst/>
-          </a:prstGeom>
-        </p:spPr>
-        <p:style>
-          <a:lnRef idx="2">
-            <a:schemeClr val="accent1">
-              <a:shade val="50000"/>
-            </a:schemeClr>
-          </a:lnRef>
-          <a:fillRef idx="1">
-            <a:schemeClr val="accent1"/>
-          </a:fillRef>
-          <a:effectRef idx="0">
-            <a:schemeClr val="accent1"/>
-          </a:effectRef>
-          <a:fontRef idx="minor">
-            <a:schemeClr val="lt1"/>
-          </a:fontRef>
-        </p:style>
-        <p:txBody>
-          <a:bodyPr rtlCol="0" anchor="ctr"/>
-          <a:lstStyle/>
-          <a:p>
-            <a:pPr algn="ctr"/>
-            <a:r>
-              <a:rPr lang="en-US" dirty="0" smtClean="0"/>
-              <a:t>Windows</a:t>
-            </a:r>
-            <a:br>
-              <a:rPr lang="en-US" dirty="0" smtClean="0"/>
-            </a:br>
-            <a:r>
-              <a:rPr lang="en-US" dirty="0" smtClean="0"/>
-              <a:t>Service</a:t>
-            </a:r>
-          </a:p>
-        </p:txBody>
-      </p:sp>
-      <p:sp>
-        <p:nvSpPr>
-          <p:cNvPr id="9" name="Flowchart: Direct Access Storage 8"/>
-          <p:cNvSpPr/>
-          <p:nvPr/>
-        </p:nvSpPr>
-        <p:spPr>
-          <a:xfrm>
-            <a:off x="2412482" y="898655"/>
-            <a:ext cx="1571915" cy="707010"/>
-          </a:xfrm>
-          <a:prstGeom prst="flowChartMagneticDrum">
-            <a:avLst/>
-          </a:prstGeom>
-        </p:spPr>
-        <p:style>
-          <a:lnRef idx="2">
-            <a:schemeClr val="accent1">
-              <a:shade val="50000"/>
-            </a:schemeClr>
-          </a:lnRef>
-          <a:fillRef idx="1">
-            <a:schemeClr val="accent1"/>
-          </a:fillRef>
-          <a:effectRef idx="0">
-            <a:schemeClr val="accent1"/>
-          </a:effectRef>
-          <a:fontRef idx="minor">
-            <a:schemeClr val="lt1"/>
-          </a:fontRef>
-        </p:style>
-        <p:txBody>
-          <a:bodyPr rtlCol="0" anchor="ctr"/>
-          <a:lstStyle/>
-          <a:p>
-            <a:pPr algn="ctr"/>
-            <a:r>
-              <a:rPr lang="en-US" sz="1600" dirty="0" smtClean="0"/>
-              <a:t>Queue</a:t>
-            </a:r>
-            <a:endParaRPr lang="en-US" sz="1600" dirty="0"/>
-          </a:p>
-        </p:txBody>
-      </p:sp>
-      <p:sp>
-        <p:nvSpPr>
-          <p:cNvPr id="22" name="Flowchart: Direct Access Storage 21"/>
-          <p:cNvSpPr/>
-          <p:nvPr/>
-        </p:nvSpPr>
-        <p:spPr>
-          <a:xfrm>
-            <a:off x="4621094" y="898655"/>
-            <a:ext cx="1775230" cy="707010"/>
-          </a:xfrm>
-          <a:prstGeom prst="flowChartMagneticDrum">
-            <a:avLst/>
-          </a:prstGeom>
-        </p:spPr>
-        <p:style>
-          <a:lnRef idx="2">
-            <a:schemeClr val="accent1">
-              <a:shade val="50000"/>
-            </a:schemeClr>
-          </a:lnRef>
-          <a:fillRef idx="1">
-            <a:schemeClr val="accent1"/>
-          </a:fillRef>
-          <a:effectRef idx="0">
-            <a:schemeClr val="accent1"/>
-          </a:effectRef>
-          <a:fontRef idx="minor">
-            <a:schemeClr val="lt1"/>
-          </a:fontRef>
-        </p:style>
-        <p:txBody>
-          <a:bodyPr rtlCol="0" anchor="ctr"/>
-          <a:lstStyle/>
-          <a:p>
-            <a:pPr algn="ctr"/>
-            <a:r>
-              <a:rPr lang="en-US" sz="1600" dirty="0" smtClean="0"/>
-              <a:t>Pub/Sub</a:t>
-            </a:r>
-            <a:endParaRPr lang="en-US" sz="1600" dirty="0"/>
-          </a:p>
-        </p:txBody>
-      </p:sp>
-      <p:cxnSp>
-        <p:nvCxnSpPr>
-          <p:cNvPr id="39" name="Elbow Connector 38"/>
-          <p:cNvCxnSpPr>
-            <a:stCxn id="9" idx="2"/>
-            <a:endCxn id="21" idx="0"/>
-          </p:cNvCxnSpPr>
-          <p:nvPr/>
-        </p:nvCxnSpPr>
-        <p:spPr>
-          <a:xfrm rot="16200000" flipH="1">
-            <a:off x="3249444" y="1554661"/>
-            <a:ext cx="1165108" cy="1267116"/>
-          </a:xfrm>
-          <a:prstGeom prst="bentConnector3">
-            <a:avLst>
-              <a:gd name="adj1" fmla="val 50000"/>
-            </a:avLst>
-          </a:prstGeom>
-          <a:ln w="57150">
-            <a:headEnd type="none"/>
-            <a:tailEnd type="triangle"/>
-          </a:ln>
-        </p:spPr>
-        <p:style>
-          <a:lnRef idx="1">
-            <a:schemeClr val="accent1"/>
-          </a:lnRef>
-          <a:fillRef idx="0">
-            <a:schemeClr val="accent1"/>
-          </a:fillRef>
-          <a:effectRef idx="0">
-            <a:schemeClr val="accent1"/>
-          </a:effectRef>
-          <a:fontRef idx="minor">
-            <a:schemeClr val="tx1"/>
-          </a:fontRef>
-        </p:style>
-      </p:cxnSp>
-      <p:cxnSp>
-        <p:nvCxnSpPr>
-          <p:cNvPr id="42" name="Elbow Connector 41"/>
-          <p:cNvCxnSpPr>
-            <a:stCxn id="22" idx="2"/>
-            <a:endCxn id="21" idx="0"/>
-          </p:cNvCxnSpPr>
-          <p:nvPr/>
-        </p:nvCxnSpPr>
-        <p:spPr>
-          <a:xfrm rot="5400000">
-            <a:off x="4404579" y="1666643"/>
-            <a:ext cx="1165108" cy="1043153"/>
-          </a:xfrm>
-          <a:prstGeom prst="bentConnector3">
-            <a:avLst>
-              <a:gd name="adj1" fmla="val 50000"/>
-            </a:avLst>
-          </a:prstGeom>
-          <a:ln w="57150">
-            <a:headEnd type="none"/>
-            <a:tailEnd type="triangle"/>
-          </a:ln>
-        </p:spPr>
-        <p:style>
-          <a:lnRef idx="1">
-            <a:schemeClr val="accent1"/>
-          </a:lnRef>
-          <a:fillRef idx="0">
-            <a:schemeClr val="accent1"/>
-          </a:fillRef>
-          <a:effectRef idx="0">
-            <a:schemeClr val="accent1"/>
-          </a:effectRef>
-          <a:fontRef idx="minor">
-            <a:schemeClr val="tx1"/>
-          </a:fontRef>
-        </p:style>
-      </p:cxnSp>
-      <p:cxnSp>
-        <p:nvCxnSpPr>
-          <p:cNvPr id="50" name="Elbow Connector 49"/>
-          <p:cNvCxnSpPr>
-            <a:stCxn id="3" idx="0"/>
-            <a:endCxn id="21" idx="3"/>
-          </p:cNvCxnSpPr>
-          <p:nvPr/>
-        </p:nvCxnSpPr>
-        <p:spPr>
-          <a:xfrm rot="16200000" flipV="1">
-            <a:off x="6231025" y="2135505"/>
-            <a:ext cx="739083" cy="2691818"/>
-          </a:xfrm>
-          <a:prstGeom prst="bentConnector2">
-            <a:avLst/>
-          </a:prstGeom>
-          <a:ln w="57150">
-            <a:headEnd type="triangle"/>
-            <a:tailEnd type="none"/>
-          </a:ln>
-        </p:spPr>
-        <p:style>
-          <a:lnRef idx="1">
-            <a:schemeClr val="accent1"/>
-          </a:lnRef>
-          <a:fillRef idx="0">
-            <a:schemeClr val="accent1"/>
-          </a:fillRef>
-          <a:effectRef idx="0">
-            <a:schemeClr val="accent1"/>
-          </a:effectRef>
-          <a:fontRef idx="minor">
-            <a:schemeClr val="tx1"/>
-          </a:fontRef>
-        </p:style>
-      </p:cxnSp>
-      <p:cxnSp>
-        <p:nvCxnSpPr>
-          <p:cNvPr id="54" name="Elbow Connector 53"/>
-          <p:cNvCxnSpPr>
-            <a:stCxn id="4" idx="1"/>
-            <a:endCxn id="21" idx="1"/>
-          </p:cNvCxnSpPr>
-          <p:nvPr/>
-        </p:nvCxnSpPr>
-        <p:spPr>
-          <a:xfrm rot="5400000" flipH="1" flipV="1">
-            <a:off x="2317243" y="2320003"/>
-            <a:ext cx="567342" cy="2151081"/>
-          </a:xfrm>
-          <a:prstGeom prst="bentConnector2">
-            <a:avLst/>
-          </a:prstGeom>
-          <a:ln w="57150">
-            <a:headEnd type="triangle"/>
-            <a:tailEnd type="none"/>
-          </a:ln>
-        </p:spPr>
-        <p:style>
-          <a:lnRef idx="1">
-            <a:schemeClr val="accent1"/>
-          </a:lnRef>
-          <a:fillRef idx="0">
-            <a:schemeClr val="accent1"/>
-          </a:fillRef>
-          <a:effectRef idx="0">
-            <a:schemeClr val="accent1"/>
-          </a:effectRef>
-          <a:fontRef idx="minor">
-            <a:schemeClr val="tx1"/>
-          </a:fontRef>
-        </p:style>
-      </p:cxnSp>
-      <p:sp>
-        <p:nvSpPr>
-          <p:cNvPr id="40" name="Rounded Rectangle 39"/>
-          <p:cNvSpPr/>
-          <p:nvPr/>
-        </p:nvSpPr>
-        <p:spPr>
-          <a:xfrm>
-            <a:off x="2714137" y="5185422"/>
-            <a:ext cx="1578202" cy="682198"/>
-          </a:xfrm>
-          <a:prstGeom prst="roundRect">
-            <a:avLst/>
-          </a:prstGeom>
-        </p:spPr>
-        <p:style>
-          <a:lnRef idx="2">
-            <a:schemeClr val="accent1">
-              <a:shade val="50000"/>
-            </a:schemeClr>
-          </a:lnRef>
-          <a:fillRef idx="1">
-            <a:schemeClr val="accent1"/>
-          </a:fillRef>
-          <a:effectRef idx="0">
-            <a:schemeClr val="accent1"/>
-          </a:effectRef>
-          <a:fontRef idx="minor">
-            <a:schemeClr val="lt1"/>
-          </a:fontRef>
-        </p:style>
-        <p:txBody>
-          <a:bodyPr rtlCol="0" anchor="ctr"/>
-          <a:lstStyle/>
-          <a:p>
-            <a:pPr algn="ctr"/>
-            <a:r>
-              <a:rPr lang="en-US" dirty="0" smtClean="0"/>
-              <a:t>REST API</a:t>
-            </a:r>
-          </a:p>
-        </p:txBody>
-      </p:sp>
-      <p:cxnSp>
-        <p:nvCxnSpPr>
-          <p:cNvPr id="43" name="Elbow Connector 42"/>
-          <p:cNvCxnSpPr>
-            <a:stCxn id="40" idx="0"/>
-            <a:endCxn id="21" idx="2"/>
-          </p:cNvCxnSpPr>
-          <p:nvPr/>
-        </p:nvCxnSpPr>
-        <p:spPr>
-          <a:xfrm rot="5400000" flipH="1" flipV="1">
-            <a:off x="3118172" y="3838038"/>
-            <a:ext cx="1732451" cy="962318"/>
-          </a:xfrm>
-          <a:prstGeom prst="bentConnector3">
-            <a:avLst>
-              <a:gd name="adj1" fmla="val 50000"/>
-            </a:avLst>
-          </a:prstGeom>
-          <a:ln w="57150">
-            <a:headEnd type="triangle"/>
-            <a:tailEnd type="none"/>
-          </a:ln>
-        </p:spPr>
-        <p:style>
-          <a:lnRef idx="1">
-            <a:schemeClr val="accent1"/>
-          </a:lnRef>
-          <a:fillRef idx="0">
-            <a:schemeClr val="accent1"/>
-          </a:fillRef>
-          <a:effectRef idx="0">
-            <a:schemeClr val="accent1"/>
-          </a:effectRef>
-          <a:fontRef idx="minor">
-            <a:schemeClr val="tx1"/>
-          </a:fontRef>
-        </p:style>
-      </p:cxnSp>
-      <p:sp>
-        <p:nvSpPr>
-          <p:cNvPr id="46" name="Rounded Rectangle 45"/>
-          <p:cNvSpPr/>
-          <p:nvPr/>
-        </p:nvSpPr>
-        <p:spPr>
-          <a:xfrm>
-            <a:off x="4621094" y="5185422"/>
-            <a:ext cx="1578202" cy="682198"/>
-          </a:xfrm>
-          <a:prstGeom prst="roundRect">
-            <a:avLst/>
-          </a:prstGeom>
-        </p:spPr>
-        <p:style>
-          <a:lnRef idx="2">
-            <a:schemeClr val="accent1">
-              <a:shade val="50000"/>
-            </a:schemeClr>
-          </a:lnRef>
-          <a:fillRef idx="1">
-            <a:schemeClr val="accent1"/>
-          </a:fillRef>
-          <a:effectRef idx="0">
-            <a:schemeClr val="accent1"/>
-          </a:effectRef>
-          <a:fontRef idx="minor">
-            <a:schemeClr val="lt1"/>
-          </a:fontRef>
-        </p:style>
-        <p:txBody>
-          <a:bodyPr rtlCol="0" anchor="ctr"/>
-          <a:lstStyle/>
-          <a:p>
-            <a:pPr algn="ctr"/>
-            <a:r>
-              <a:rPr lang="en-US" dirty="0" smtClean="0"/>
-              <a:t>Web Site</a:t>
-            </a:r>
-          </a:p>
-        </p:txBody>
-      </p:sp>
-      <p:cxnSp>
-        <p:nvCxnSpPr>
-          <p:cNvPr id="47" name="Elbow Connector 46"/>
-          <p:cNvCxnSpPr>
-            <a:stCxn id="46" idx="0"/>
-            <a:endCxn id="21" idx="2"/>
-          </p:cNvCxnSpPr>
-          <p:nvPr/>
-        </p:nvCxnSpPr>
-        <p:spPr>
-          <a:xfrm rot="16200000" flipV="1">
-            <a:off x="4071651" y="3846877"/>
-            <a:ext cx="1732451" cy="944639"/>
-          </a:xfrm>
-          <a:prstGeom prst="bentConnector3">
-            <a:avLst>
-              <a:gd name="adj1" fmla="val 50000"/>
-            </a:avLst>
-          </a:prstGeom>
-          <a:ln w="57150">
-            <a:headEnd type="triangle"/>
-            <a:tailEnd type="none"/>
-          </a:ln>
-        </p:spPr>
-        <p:style>
-          <a:lnRef idx="1">
-            <a:schemeClr val="accent1"/>
-          </a:lnRef>
-          <a:fillRef idx="0">
-            <a:schemeClr val="accent1"/>
-          </a:fillRef>
-          <a:effectRef idx="0">
-            <a:schemeClr val="accent1"/>
-          </a:effectRef>
-          <a:fontRef idx="minor">
-            <a:schemeClr val="tx1"/>
-          </a:fontRef>
-        </p:style>
-      </p:cxnSp>
-      <p:sp>
-        <p:nvSpPr>
-          <p:cNvPr id="51" name="Rounded Rectangle 50"/>
-          <p:cNvSpPr/>
-          <p:nvPr/>
-        </p:nvSpPr>
-        <p:spPr>
-          <a:xfrm>
-            <a:off x="1857674" y="2770772"/>
-            <a:ext cx="1578202" cy="682198"/>
-          </a:xfrm>
-          <a:prstGeom prst="roundRect">
-            <a:avLst/>
-          </a:prstGeom>
-        </p:spPr>
-        <p:style>
-          <a:lnRef idx="2">
-            <a:schemeClr val="accent1">
-              <a:shade val="50000"/>
-            </a:schemeClr>
-          </a:lnRef>
-          <a:fillRef idx="1">
-            <a:schemeClr val="accent1"/>
-          </a:fillRef>
-          <a:effectRef idx="0">
-            <a:schemeClr val="accent1"/>
-          </a:effectRef>
-          <a:fontRef idx="minor">
-            <a:schemeClr val="lt1"/>
-          </a:fontRef>
-        </p:style>
-        <p:txBody>
-          <a:bodyPr rtlCol="0" anchor="ctr"/>
-          <a:lstStyle/>
-          <a:p>
-            <a:pPr algn="ctr"/>
-            <a:r>
-              <a:rPr lang="en-US" dirty="0" smtClean="0"/>
-              <a:t>Windows</a:t>
-            </a:r>
-            <a:br>
-              <a:rPr lang="en-US" dirty="0" smtClean="0"/>
-            </a:br>
-            <a:r>
-              <a:rPr lang="en-US" dirty="0" smtClean="0"/>
-              <a:t>Service</a:t>
-            </a:r>
-          </a:p>
-        </p:txBody>
-      </p:sp>
-      <p:sp>
-        <p:nvSpPr>
-          <p:cNvPr id="52" name="Rounded Rectangle 51"/>
-          <p:cNvSpPr/>
-          <p:nvPr/>
-        </p:nvSpPr>
-        <p:spPr>
-          <a:xfrm>
-            <a:off x="5495236" y="2770772"/>
-            <a:ext cx="1578202" cy="682198"/>
-          </a:xfrm>
-          <a:prstGeom prst="roundRect">
-            <a:avLst/>
-          </a:prstGeom>
-        </p:spPr>
-        <p:style>
-          <a:lnRef idx="2">
-            <a:schemeClr val="accent1">
-              <a:shade val="50000"/>
-            </a:schemeClr>
-          </a:lnRef>
-          <a:fillRef idx="1">
-            <a:schemeClr val="accent1"/>
-          </a:fillRef>
-          <a:effectRef idx="0">
-            <a:schemeClr val="accent1"/>
-          </a:effectRef>
-          <a:fontRef idx="minor">
-            <a:schemeClr val="lt1"/>
-          </a:fontRef>
-        </p:style>
-        <p:txBody>
-          <a:bodyPr rtlCol="0" anchor="ctr"/>
-          <a:lstStyle/>
-          <a:p>
-            <a:pPr algn="ctr"/>
-            <a:r>
-              <a:rPr lang="en-US" dirty="0" smtClean="0"/>
-              <a:t>Windows</a:t>
-            </a:r>
-            <a:br>
-              <a:rPr lang="en-US" dirty="0" smtClean="0"/>
-            </a:br>
-            <a:r>
-              <a:rPr lang="en-US" dirty="0" smtClean="0"/>
-              <a:t>Service</a:t>
-            </a:r>
-          </a:p>
-        </p:txBody>
-      </p:sp>
-      <p:sp>
-        <p:nvSpPr>
-          <p:cNvPr id="2" name="TextBox 1"/>
-          <p:cNvSpPr txBox="1"/>
-          <p:nvPr/>
-        </p:nvSpPr>
-        <p:spPr>
-          <a:xfrm>
-            <a:off x="7129932" y="128336"/>
-            <a:ext cx="2014068" cy="1754326"/>
-          </a:xfrm>
-          <a:prstGeom prst="rect">
-            <a:avLst/>
-          </a:prstGeom>
-          <a:noFill/>
-        </p:spPr>
-        <p:txBody>
-          <a:bodyPr wrap="square" rtlCol="0">
-            <a:spAutoFit/>
-          </a:bodyPr>
-          <a:lstStyle/>
-          <a:p>
-            <a:r>
-              <a:rPr lang="en-US" dirty="0" smtClean="0"/>
-              <a:t>NOTE: Use pub/sub to communicate to all of your distributed services commands like reset cache etc.</a:t>
+              <a:t>The message processor(s). Processes commands and events that have been placed either in the queue or topic (pub/sub). Also creates and fires off commands and events.</a:t>
             </a:r>
             <a:endParaRPr lang="en-US" dirty="0"/>
           </a:p>
@@ -14029,7 +12979,7 @@
     </p:spTree>
     <p:extLst>
       <p:ext uri="{BB962C8B-B14F-4D97-AF65-F5344CB8AC3E}">
-        <p14:creationId xmlns:p14="http://schemas.microsoft.com/office/powerpoint/2010/main" val="2018706108"/>
+        <p14:creationId xmlns:p14="http://schemas.microsoft.com/office/powerpoint/2010/main" val="2729893813"/>
       </p:ext>
     </p:extLst>
   </p:cSld>
@@ -14065,22 +13015,43 @@
       </p:grpSpPr>
       <p:sp>
         <p:nvSpPr>
-          <p:cNvPr id="2" name="Title 1"/>
-          <p:cNvSpPr>
-            <a:spLocks noGrp="1"/>
-          </p:cNvSpPr>
-          <p:nvPr>
-            <p:ph type="title"/>
-          </p:nvPr>
-        </p:nvSpPr>
-        <p:spPr/>
-        <p:txBody>
-          <a:bodyPr/>
+          <p:cNvPr id="4" name="Flowchart: Magnetic Disk 3"/>
+          <p:cNvSpPr/>
+          <p:nvPr/>
+        </p:nvSpPr>
+        <p:spPr>
+          <a:xfrm>
+            <a:off x="959763" y="3679214"/>
+            <a:ext cx="1131221" cy="1120836"/>
+          </a:xfrm>
+          <a:prstGeom prst="flowChartMagneticDisk">
+            <a:avLst/>
+          </a:prstGeom>
+        </p:spPr>
+        <p:style>
+          <a:lnRef idx="2">
+            <a:schemeClr val="accent1">
+              <a:shade val="50000"/>
+            </a:schemeClr>
+          </a:lnRef>
+          <a:fillRef idx="1">
+            <a:schemeClr val="accent1"/>
+          </a:fillRef>
+          <a:effectRef idx="0">
+            <a:schemeClr val="accent1"/>
+          </a:effectRef>
+          <a:fontRef idx="minor">
+            <a:schemeClr val="lt1"/>
+          </a:fontRef>
+        </p:style>
+        <p:txBody>
+          <a:bodyPr rtlCol="0" anchor="ctr"/>
           <a:lstStyle/>
           <a:p>
+            <a:pPr algn="ctr"/>
             <a:r>
               <a:rPr lang="en-US" dirty="0" smtClean="0"/>
-              <a:t>Why are we doing this?</a:t>
+              <a:t>Database</a:t>
             </a:r>
             <a:endParaRPr lang="en-US" dirty="0"/>
           </a:p>
@@ -14088,27 +13059,636 @@
       </p:sp>
       <p:sp>
         <p:nvSpPr>
-          <p:cNvPr id="3" name="Text Placeholder 2"/>
-          <p:cNvSpPr>
-            <a:spLocks noGrp="1"/>
-          </p:cNvSpPr>
-          <p:nvPr>
-            <p:ph type="body" idx="1"/>
-          </p:nvPr>
-        </p:nvSpPr>
-        <p:spPr/>
-        <p:txBody>
-          <a:bodyPr/>
+          <p:cNvPr id="3" name="Flowchart: Direct Access Storage 2"/>
+          <p:cNvSpPr/>
+          <p:nvPr/>
+        </p:nvSpPr>
+        <p:spPr>
+          <a:xfrm>
+            <a:off x="7196728" y="3850955"/>
+            <a:ext cx="1499494" cy="777354"/>
+          </a:xfrm>
+          <a:prstGeom prst="flowChartMagneticDrum">
+            <a:avLst/>
+          </a:prstGeom>
+        </p:spPr>
+        <p:style>
+          <a:lnRef idx="2">
+            <a:schemeClr val="accent1">
+              <a:shade val="50000"/>
+            </a:schemeClr>
+          </a:lnRef>
+          <a:fillRef idx="1">
+            <a:schemeClr val="accent1"/>
+          </a:fillRef>
+          <a:effectRef idx="0">
+            <a:schemeClr val="accent1"/>
+          </a:effectRef>
+          <a:fontRef idx="minor">
+            <a:schemeClr val="lt1"/>
+          </a:fontRef>
+        </p:style>
+        <p:txBody>
+          <a:bodyPr rtlCol="0" anchor="ctr"/>
           <a:lstStyle/>
           <a:p>
-            <a:endParaRPr lang="en-US"/>
+            <a:pPr algn="ctr"/>
+            <a:r>
+              <a:rPr lang="en-US" dirty="0" smtClean="0"/>
+              <a:t>Cache</a:t>
+            </a:r>
+            <a:endParaRPr lang="en-US" dirty="0"/>
+          </a:p>
+        </p:txBody>
+      </p:sp>
+      <p:sp>
+        <p:nvSpPr>
+          <p:cNvPr id="21" name="Rounded Rectangle 20"/>
+          <p:cNvSpPr/>
+          <p:nvPr/>
+        </p:nvSpPr>
+        <p:spPr>
+          <a:xfrm>
+            <a:off x="3676455" y="2770773"/>
+            <a:ext cx="1578202" cy="682198"/>
+          </a:xfrm>
+          <a:prstGeom prst="roundRect">
+            <a:avLst/>
+          </a:prstGeom>
+        </p:spPr>
+        <p:style>
+          <a:lnRef idx="2">
+            <a:schemeClr val="accent1">
+              <a:shade val="50000"/>
+            </a:schemeClr>
+          </a:lnRef>
+          <a:fillRef idx="1">
+            <a:schemeClr val="accent1"/>
+          </a:fillRef>
+          <a:effectRef idx="0">
+            <a:schemeClr val="accent1"/>
+          </a:effectRef>
+          <a:fontRef idx="minor">
+            <a:schemeClr val="lt1"/>
+          </a:fontRef>
+        </p:style>
+        <p:txBody>
+          <a:bodyPr rtlCol="0" anchor="ctr"/>
+          <a:lstStyle/>
+          <a:p>
+            <a:pPr algn="ctr"/>
+            <a:r>
+              <a:rPr lang="en-US" dirty="0" smtClean="0"/>
+              <a:t>Windows</a:t>
+            </a:r>
+            <a:br>
+              <a:rPr lang="en-US" dirty="0" smtClean="0"/>
+            </a:br>
+            <a:r>
+              <a:rPr lang="en-US" dirty="0" smtClean="0"/>
+              <a:t>Service</a:t>
+            </a:r>
+          </a:p>
+        </p:txBody>
+      </p:sp>
+      <p:sp>
+        <p:nvSpPr>
+          <p:cNvPr id="9" name="Flowchart: Direct Access Storage 8"/>
+          <p:cNvSpPr/>
+          <p:nvPr/>
+        </p:nvSpPr>
+        <p:spPr>
+          <a:xfrm>
+            <a:off x="2412482" y="898655"/>
+            <a:ext cx="1571915" cy="707010"/>
+          </a:xfrm>
+          <a:prstGeom prst="flowChartMagneticDrum">
+            <a:avLst/>
+          </a:prstGeom>
+        </p:spPr>
+        <p:style>
+          <a:lnRef idx="2">
+            <a:schemeClr val="accent1">
+              <a:shade val="50000"/>
+            </a:schemeClr>
+          </a:lnRef>
+          <a:fillRef idx="1">
+            <a:schemeClr val="accent1"/>
+          </a:fillRef>
+          <a:effectRef idx="0">
+            <a:schemeClr val="accent1"/>
+          </a:effectRef>
+          <a:fontRef idx="minor">
+            <a:schemeClr val="lt1"/>
+          </a:fontRef>
+        </p:style>
+        <p:txBody>
+          <a:bodyPr rtlCol="0" anchor="ctr"/>
+          <a:lstStyle/>
+          <a:p>
+            <a:pPr algn="ctr"/>
+            <a:r>
+              <a:rPr lang="en-US" sz="1600" dirty="0" smtClean="0"/>
+              <a:t>Queue</a:t>
+            </a:r>
+            <a:endParaRPr lang="en-US" sz="1600" dirty="0"/>
+          </a:p>
+        </p:txBody>
+      </p:sp>
+      <p:sp>
+        <p:nvSpPr>
+          <p:cNvPr id="22" name="Flowchart: Direct Access Storage 21"/>
+          <p:cNvSpPr/>
+          <p:nvPr/>
+        </p:nvSpPr>
+        <p:spPr>
+          <a:xfrm>
+            <a:off x="4621094" y="898655"/>
+            <a:ext cx="1775230" cy="707010"/>
+          </a:xfrm>
+          <a:prstGeom prst="flowChartMagneticDrum">
+            <a:avLst/>
+          </a:prstGeom>
+        </p:spPr>
+        <p:style>
+          <a:lnRef idx="2">
+            <a:schemeClr val="accent1">
+              <a:shade val="50000"/>
+            </a:schemeClr>
+          </a:lnRef>
+          <a:fillRef idx="1">
+            <a:schemeClr val="accent1"/>
+          </a:fillRef>
+          <a:effectRef idx="0">
+            <a:schemeClr val="accent1"/>
+          </a:effectRef>
+          <a:fontRef idx="minor">
+            <a:schemeClr val="lt1"/>
+          </a:fontRef>
+        </p:style>
+        <p:txBody>
+          <a:bodyPr rtlCol="0" anchor="ctr"/>
+          <a:lstStyle/>
+          <a:p>
+            <a:pPr algn="ctr"/>
+            <a:r>
+              <a:rPr lang="en-US" sz="1600" dirty="0" smtClean="0"/>
+              <a:t>Pub/Sub</a:t>
+            </a:r>
+            <a:endParaRPr lang="en-US" sz="1600" dirty="0"/>
+          </a:p>
+        </p:txBody>
+      </p:sp>
+      <p:cxnSp>
+        <p:nvCxnSpPr>
+          <p:cNvPr id="39" name="Elbow Connector 38"/>
+          <p:cNvCxnSpPr>
+            <a:stCxn id="9" idx="2"/>
+            <a:endCxn id="21" idx="0"/>
+          </p:cNvCxnSpPr>
+          <p:nvPr/>
+        </p:nvCxnSpPr>
+        <p:spPr>
+          <a:xfrm rot="16200000" flipH="1">
+            <a:off x="3249444" y="1554661"/>
+            <a:ext cx="1165108" cy="1267116"/>
+          </a:xfrm>
+          <a:prstGeom prst="bentConnector3">
+            <a:avLst>
+              <a:gd name="adj1" fmla="val 50000"/>
+            </a:avLst>
+          </a:prstGeom>
+          <a:ln w="57150">
+            <a:headEnd type="none"/>
+            <a:tailEnd type="triangle"/>
+          </a:ln>
+        </p:spPr>
+        <p:style>
+          <a:lnRef idx="1">
+            <a:schemeClr val="accent1"/>
+          </a:lnRef>
+          <a:fillRef idx="0">
+            <a:schemeClr val="accent1"/>
+          </a:fillRef>
+          <a:effectRef idx="0">
+            <a:schemeClr val="accent1"/>
+          </a:effectRef>
+          <a:fontRef idx="minor">
+            <a:schemeClr val="tx1"/>
+          </a:fontRef>
+        </p:style>
+      </p:cxnSp>
+      <p:cxnSp>
+        <p:nvCxnSpPr>
+          <p:cNvPr id="42" name="Elbow Connector 41"/>
+          <p:cNvCxnSpPr>
+            <a:stCxn id="22" idx="2"/>
+            <a:endCxn id="21" idx="0"/>
+          </p:cNvCxnSpPr>
+          <p:nvPr/>
+        </p:nvCxnSpPr>
+        <p:spPr>
+          <a:xfrm rot="5400000">
+            <a:off x="4404579" y="1666643"/>
+            <a:ext cx="1165108" cy="1043153"/>
+          </a:xfrm>
+          <a:prstGeom prst="bentConnector3">
+            <a:avLst>
+              <a:gd name="adj1" fmla="val 50000"/>
+            </a:avLst>
+          </a:prstGeom>
+          <a:ln w="57150">
+            <a:headEnd type="none"/>
+            <a:tailEnd type="triangle"/>
+          </a:ln>
+        </p:spPr>
+        <p:style>
+          <a:lnRef idx="1">
+            <a:schemeClr val="accent1"/>
+          </a:lnRef>
+          <a:fillRef idx="0">
+            <a:schemeClr val="accent1"/>
+          </a:fillRef>
+          <a:effectRef idx="0">
+            <a:schemeClr val="accent1"/>
+          </a:effectRef>
+          <a:fontRef idx="minor">
+            <a:schemeClr val="tx1"/>
+          </a:fontRef>
+        </p:style>
+      </p:cxnSp>
+      <p:cxnSp>
+        <p:nvCxnSpPr>
+          <p:cNvPr id="50" name="Elbow Connector 49"/>
+          <p:cNvCxnSpPr>
+            <a:stCxn id="3" idx="0"/>
+            <a:endCxn id="21" idx="3"/>
+          </p:cNvCxnSpPr>
+          <p:nvPr/>
+        </p:nvCxnSpPr>
+        <p:spPr>
+          <a:xfrm rot="16200000" flipV="1">
+            <a:off x="6231025" y="2135505"/>
+            <a:ext cx="739083" cy="2691818"/>
+          </a:xfrm>
+          <a:prstGeom prst="bentConnector2">
+            <a:avLst/>
+          </a:prstGeom>
+          <a:ln w="57150">
+            <a:headEnd type="triangle"/>
+            <a:tailEnd type="none"/>
+          </a:ln>
+        </p:spPr>
+        <p:style>
+          <a:lnRef idx="1">
+            <a:schemeClr val="accent1"/>
+          </a:lnRef>
+          <a:fillRef idx="0">
+            <a:schemeClr val="accent1"/>
+          </a:fillRef>
+          <a:effectRef idx="0">
+            <a:schemeClr val="accent1"/>
+          </a:effectRef>
+          <a:fontRef idx="minor">
+            <a:schemeClr val="tx1"/>
+          </a:fontRef>
+        </p:style>
+      </p:cxnSp>
+      <p:cxnSp>
+        <p:nvCxnSpPr>
+          <p:cNvPr id="54" name="Elbow Connector 53"/>
+          <p:cNvCxnSpPr>
+            <a:stCxn id="4" idx="1"/>
+            <a:endCxn id="21" idx="1"/>
+          </p:cNvCxnSpPr>
+          <p:nvPr/>
+        </p:nvCxnSpPr>
+        <p:spPr>
+          <a:xfrm rot="5400000" flipH="1" flipV="1">
+            <a:off x="2317243" y="2320003"/>
+            <a:ext cx="567342" cy="2151081"/>
+          </a:xfrm>
+          <a:prstGeom prst="bentConnector2">
+            <a:avLst/>
+          </a:prstGeom>
+          <a:ln w="57150">
+            <a:headEnd type="triangle"/>
+            <a:tailEnd type="none"/>
+          </a:ln>
+        </p:spPr>
+        <p:style>
+          <a:lnRef idx="1">
+            <a:schemeClr val="accent1"/>
+          </a:lnRef>
+          <a:fillRef idx="0">
+            <a:schemeClr val="accent1"/>
+          </a:fillRef>
+          <a:effectRef idx="0">
+            <a:schemeClr val="accent1"/>
+          </a:effectRef>
+          <a:fontRef idx="minor">
+            <a:schemeClr val="tx1"/>
+          </a:fontRef>
+        </p:style>
+      </p:cxnSp>
+      <p:sp>
+        <p:nvSpPr>
+          <p:cNvPr id="40" name="Rounded Rectangle 39"/>
+          <p:cNvSpPr/>
+          <p:nvPr/>
+        </p:nvSpPr>
+        <p:spPr>
+          <a:xfrm>
+            <a:off x="2714137" y="5185422"/>
+            <a:ext cx="1578202" cy="682198"/>
+          </a:xfrm>
+          <a:prstGeom prst="roundRect">
+            <a:avLst/>
+          </a:prstGeom>
+        </p:spPr>
+        <p:style>
+          <a:lnRef idx="2">
+            <a:schemeClr val="accent1">
+              <a:shade val="50000"/>
+            </a:schemeClr>
+          </a:lnRef>
+          <a:fillRef idx="1">
+            <a:schemeClr val="accent1"/>
+          </a:fillRef>
+          <a:effectRef idx="0">
+            <a:schemeClr val="accent1"/>
+          </a:effectRef>
+          <a:fontRef idx="minor">
+            <a:schemeClr val="lt1"/>
+          </a:fontRef>
+        </p:style>
+        <p:txBody>
+          <a:bodyPr rtlCol="0" anchor="ctr"/>
+          <a:lstStyle/>
+          <a:p>
+            <a:pPr algn="ctr"/>
+            <a:r>
+              <a:rPr lang="en-US" dirty="0" smtClean="0"/>
+              <a:t>REST API</a:t>
+            </a:r>
+          </a:p>
+        </p:txBody>
+      </p:sp>
+      <p:cxnSp>
+        <p:nvCxnSpPr>
+          <p:cNvPr id="43" name="Elbow Connector 42"/>
+          <p:cNvCxnSpPr>
+            <a:stCxn id="40" idx="0"/>
+            <a:endCxn id="21" idx="2"/>
+          </p:cNvCxnSpPr>
+          <p:nvPr/>
+        </p:nvCxnSpPr>
+        <p:spPr>
+          <a:xfrm rot="5400000" flipH="1" flipV="1">
+            <a:off x="3118172" y="3838038"/>
+            <a:ext cx="1732451" cy="962318"/>
+          </a:xfrm>
+          <a:prstGeom prst="bentConnector3">
+            <a:avLst>
+              <a:gd name="adj1" fmla="val 50000"/>
+            </a:avLst>
+          </a:prstGeom>
+          <a:ln w="57150">
+            <a:headEnd type="triangle"/>
+            <a:tailEnd type="none"/>
+          </a:ln>
+        </p:spPr>
+        <p:style>
+          <a:lnRef idx="1">
+            <a:schemeClr val="accent1"/>
+          </a:lnRef>
+          <a:fillRef idx="0">
+            <a:schemeClr val="accent1"/>
+          </a:fillRef>
+          <a:effectRef idx="0">
+            <a:schemeClr val="accent1"/>
+          </a:effectRef>
+          <a:fontRef idx="minor">
+            <a:schemeClr val="tx1"/>
+          </a:fontRef>
+        </p:style>
+      </p:cxnSp>
+      <p:sp>
+        <p:nvSpPr>
+          <p:cNvPr id="46" name="Rounded Rectangle 45"/>
+          <p:cNvSpPr/>
+          <p:nvPr/>
+        </p:nvSpPr>
+        <p:spPr>
+          <a:xfrm>
+            <a:off x="4621094" y="5185422"/>
+            <a:ext cx="1578202" cy="682198"/>
+          </a:xfrm>
+          <a:prstGeom prst="roundRect">
+            <a:avLst/>
+          </a:prstGeom>
+        </p:spPr>
+        <p:style>
+          <a:lnRef idx="2">
+            <a:schemeClr val="accent1">
+              <a:shade val="50000"/>
+            </a:schemeClr>
+          </a:lnRef>
+          <a:fillRef idx="1">
+            <a:schemeClr val="accent1"/>
+          </a:fillRef>
+          <a:effectRef idx="0">
+            <a:schemeClr val="accent1"/>
+          </a:effectRef>
+          <a:fontRef idx="minor">
+            <a:schemeClr val="lt1"/>
+          </a:fontRef>
+        </p:style>
+        <p:txBody>
+          <a:bodyPr rtlCol="0" anchor="ctr"/>
+          <a:lstStyle/>
+          <a:p>
+            <a:pPr algn="ctr"/>
+            <a:r>
+              <a:rPr lang="en-US" dirty="0" smtClean="0"/>
+              <a:t>Web Site</a:t>
+            </a:r>
+          </a:p>
+        </p:txBody>
+      </p:sp>
+      <p:cxnSp>
+        <p:nvCxnSpPr>
+          <p:cNvPr id="47" name="Elbow Connector 46"/>
+          <p:cNvCxnSpPr>
+            <a:stCxn id="46" idx="0"/>
+            <a:endCxn id="21" idx="2"/>
+          </p:cNvCxnSpPr>
+          <p:nvPr/>
+        </p:nvCxnSpPr>
+        <p:spPr>
+          <a:xfrm rot="16200000" flipV="1">
+            <a:off x="4071651" y="3846877"/>
+            <a:ext cx="1732451" cy="944639"/>
+          </a:xfrm>
+          <a:prstGeom prst="bentConnector3">
+            <a:avLst>
+              <a:gd name="adj1" fmla="val 50000"/>
+            </a:avLst>
+          </a:prstGeom>
+          <a:ln w="57150">
+            <a:headEnd type="triangle"/>
+            <a:tailEnd type="none"/>
+          </a:ln>
+        </p:spPr>
+        <p:style>
+          <a:lnRef idx="1">
+            <a:schemeClr val="accent1"/>
+          </a:lnRef>
+          <a:fillRef idx="0">
+            <a:schemeClr val="accent1"/>
+          </a:fillRef>
+          <a:effectRef idx="0">
+            <a:schemeClr val="accent1"/>
+          </a:effectRef>
+          <a:fontRef idx="minor">
+            <a:schemeClr val="tx1"/>
+          </a:fontRef>
+        </p:style>
+      </p:cxnSp>
+      <p:sp>
+        <p:nvSpPr>
+          <p:cNvPr id="51" name="Rounded Rectangle 50"/>
+          <p:cNvSpPr/>
+          <p:nvPr/>
+        </p:nvSpPr>
+        <p:spPr>
+          <a:xfrm>
+            <a:off x="1857674" y="2770772"/>
+            <a:ext cx="1578202" cy="682198"/>
+          </a:xfrm>
+          <a:prstGeom prst="roundRect">
+            <a:avLst/>
+          </a:prstGeom>
+        </p:spPr>
+        <p:style>
+          <a:lnRef idx="2">
+            <a:schemeClr val="accent1">
+              <a:shade val="50000"/>
+            </a:schemeClr>
+          </a:lnRef>
+          <a:fillRef idx="1">
+            <a:schemeClr val="accent1"/>
+          </a:fillRef>
+          <a:effectRef idx="0">
+            <a:schemeClr val="accent1"/>
+          </a:effectRef>
+          <a:fontRef idx="minor">
+            <a:schemeClr val="lt1"/>
+          </a:fontRef>
+        </p:style>
+        <p:txBody>
+          <a:bodyPr rtlCol="0" anchor="ctr"/>
+          <a:lstStyle/>
+          <a:p>
+            <a:pPr algn="ctr"/>
+            <a:r>
+              <a:rPr lang="en-US" dirty="0" smtClean="0"/>
+              <a:t>Windows</a:t>
+            </a:r>
+            <a:br>
+              <a:rPr lang="en-US" dirty="0" smtClean="0"/>
+            </a:br>
+            <a:r>
+              <a:rPr lang="en-US" dirty="0" smtClean="0"/>
+              <a:t>Service</a:t>
+            </a:r>
+          </a:p>
+        </p:txBody>
+      </p:sp>
+      <p:sp>
+        <p:nvSpPr>
+          <p:cNvPr id="52" name="Rounded Rectangle 51"/>
+          <p:cNvSpPr/>
+          <p:nvPr/>
+        </p:nvSpPr>
+        <p:spPr>
+          <a:xfrm>
+            <a:off x="5495236" y="2770772"/>
+            <a:ext cx="1578202" cy="682198"/>
+          </a:xfrm>
+          <a:prstGeom prst="roundRect">
+            <a:avLst/>
+          </a:prstGeom>
+        </p:spPr>
+        <p:style>
+          <a:lnRef idx="2">
+            <a:schemeClr val="accent1">
+              <a:shade val="50000"/>
+            </a:schemeClr>
+          </a:lnRef>
+          <a:fillRef idx="1">
+            <a:schemeClr val="accent1"/>
+          </a:fillRef>
+          <a:effectRef idx="0">
+            <a:schemeClr val="accent1"/>
+          </a:effectRef>
+          <a:fontRef idx="minor">
+            <a:schemeClr val="lt1"/>
+          </a:fontRef>
+        </p:style>
+        <p:txBody>
+          <a:bodyPr rtlCol="0" anchor="ctr"/>
+          <a:lstStyle/>
+          <a:p>
+            <a:pPr algn="ctr"/>
+            <a:r>
+              <a:rPr lang="en-US" dirty="0" smtClean="0"/>
+              <a:t>Windows</a:t>
+            </a:r>
+            <a:br>
+              <a:rPr lang="en-US" dirty="0" smtClean="0"/>
+            </a:br>
+            <a:r>
+              <a:rPr lang="en-US" dirty="0" smtClean="0"/>
+              <a:t>Service</a:t>
+            </a:r>
+          </a:p>
+        </p:txBody>
+      </p:sp>
+      <p:sp>
+        <p:nvSpPr>
+          <p:cNvPr id="2" name="TextBox 1"/>
+          <p:cNvSpPr txBox="1"/>
+          <p:nvPr/>
+        </p:nvSpPr>
+        <p:spPr>
+          <a:xfrm>
+            <a:off x="7129932" y="128336"/>
+            <a:ext cx="2014068" cy="1754326"/>
+          </a:xfrm>
+          <a:prstGeom prst="rect">
+            <a:avLst/>
+          </a:prstGeom>
+          <a:noFill/>
+        </p:spPr>
+        <p:txBody>
+          <a:bodyPr wrap="square" rtlCol="0">
+            <a:spAutoFit/>
+          </a:bodyPr>
+          <a:lstStyle/>
+          <a:p>
+            <a:r>
+              <a:rPr lang="en-US" dirty="0" smtClean="0"/>
+              <a:t>NOTE: Use pub/sub to communicate to all of your distributed services commands like reset cache etc.</a:t>
+            </a:r>
+            <a:endParaRPr lang="en-US" dirty="0"/>
           </a:p>
         </p:txBody>
       </p:sp>
     </p:spTree>
     <p:extLst>
       <p:ext uri="{BB962C8B-B14F-4D97-AF65-F5344CB8AC3E}">
-        <p14:creationId xmlns:p14="http://schemas.microsoft.com/office/powerpoint/2010/main" val="1778674867"/>
+        <p14:creationId xmlns:p14="http://schemas.microsoft.com/office/powerpoint/2010/main" val="2018706108"/>
       </p:ext>
     </p:extLst>
   </p:cSld>
@@ -14159,7 +13739,7 @@
           <a:p>
             <a:r>
               <a:rPr lang="en-US" dirty="0" smtClean="0"/>
-              <a:t>Build for failure.</a:t>
+              <a:t>Why are we doing this?</a:t>
             </a:r>
             <a:endParaRPr lang="en-US" dirty="0"/>
           </a:p>
@@ -14180,18 +13760,14 @@
           <a:bodyPr/>
           <a:lstStyle/>
           <a:p>
-            <a:r>
-              <a:rPr lang="en-US" dirty="0" smtClean="0"/>
-              <a:t>Build for speed.</a:t>
-            </a:r>
-            <a:endParaRPr lang="en-US" dirty="0"/>
+            <a:endParaRPr lang="en-US"/>
           </a:p>
         </p:txBody>
       </p:sp>
     </p:spTree>
     <p:extLst>
       <p:ext uri="{BB962C8B-B14F-4D97-AF65-F5344CB8AC3E}">
-        <p14:creationId xmlns:p14="http://schemas.microsoft.com/office/powerpoint/2010/main" val="3066847956"/>
+        <p14:creationId xmlns:p14="http://schemas.microsoft.com/office/powerpoint/2010/main" val="1778674867"/>
       </p:ext>
     </p:extLst>
   </p:cSld>
@@ -14242,7 +13818,7 @@
           <a:p>
             <a:r>
               <a:rPr lang="en-US" dirty="0" smtClean="0"/>
-              <a:t>Business Domain</a:t>
+              <a:t>Build for failure.</a:t>
             </a:r>
             <a:endParaRPr lang="en-US" dirty="0"/>
           </a:p>
@@ -14250,12 +13826,12 @@
       </p:sp>
       <p:sp>
         <p:nvSpPr>
-          <p:cNvPr id="3" name="Content Placeholder 2"/>
+          <p:cNvPr id="3" name="Text Placeholder 2"/>
           <p:cNvSpPr>
             <a:spLocks noGrp="1"/>
           </p:cNvSpPr>
           <p:nvPr>
-            <p:ph idx="1"/>
+            <p:ph type="body" idx="1"/>
           </p:nvPr>
         </p:nvSpPr>
         <p:spPr/>
@@ -14265,55 +13841,8 @@
           <a:p>
             <a:r>
               <a:rPr lang="en-US" dirty="0" smtClean="0"/>
-              <a:t>Loan system</a:t>
-            </a:r>
-          </a:p>
-          <a:p>
-            <a:r>
-              <a:rPr lang="en-US" dirty="0" smtClean="0"/>
-              <a:t>Saves clients</a:t>
-            </a:r>
-          </a:p>
-          <a:p>
-            <a:r>
-              <a:rPr lang="en-US" dirty="0" smtClean="0"/>
-              <a:t>When a client is saved we are instructed by the business to do the following:</a:t>
-            </a:r>
-          </a:p>
-          <a:p>
-            <a:pPr lvl="1"/>
-            <a:r>
-              <a:rPr lang="en-US" dirty="0" smtClean="0"/>
-              <a:t>Save to database</a:t>
-            </a:r>
-          </a:p>
-          <a:p>
-            <a:pPr lvl="1"/>
-            <a:r>
-              <a:rPr lang="en-US" dirty="0" smtClean="0"/>
-              <a:t>Send client data to vendor for snail mail marketing</a:t>
-            </a:r>
-          </a:p>
-          <a:p>
-            <a:pPr lvl="1"/>
-            <a:r>
-              <a:rPr lang="en-US" dirty="0" smtClean="0"/>
-              <a:t>Send welcome email</a:t>
-            </a:r>
-          </a:p>
-          <a:p>
-            <a:pPr lvl="1"/>
-            <a:r>
-              <a:rPr lang="en-US" dirty="0" smtClean="0"/>
-              <a:t>Run client qualification (lots of moving pieces)</a:t>
-            </a:r>
-          </a:p>
-          <a:p>
-            <a:pPr lvl="1"/>
-            <a:endParaRPr lang="en-US" dirty="0" smtClean="0"/>
-          </a:p>
-          <a:p>
-            <a:pPr lvl="1"/>
+              <a:t>Build for speed.</a:t>
+            </a:r>
             <a:endParaRPr lang="en-US" dirty="0"/>
           </a:p>
         </p:txBody>
@@ -14321,7 +13850,7 @@
     </p:spTree>
     <p:extLst>
       <p:ext uri="{BB962C8B-B14F-4D97-AF65-F5344CB8AC3E}">
-        <p14:creationId xmlns:p14="http://schemas.microsoft.com/office/powerpoint/2010/main" val="186588443"/>
+        <p14:creationId xmlns:p14="http://schemas.microsoft.com/office/powerpoint/2010/main" val="3066847956"/>
       </p:ext>
     </p:extLst>
   </p:cSld>
@@ -14357,1078 +13886,93 @@
       </p:grpSpPr>
       <p:sp>
         <p:nvSpPr>
-          <p:cNvPr id="3" name="Rectangle 2"/>
-          <p:cNvSpPr/>
-          <p:nvPr/>
-        </p:nvSpPr>
-        <p:spPr>
-          <a:xfrm>
-            <a:off x="1150071" y="652017"/>
-            <a:ext cx="7508449" cy="5355312"/>
-          </a:xfrm>
-          <a:prstGeom prst="rect">
-            <a:avLst/>
-          </a:prstGeom>
-        </p:spPr>
-        <p:txBody>
-          <a:bodyPr wrap="square">
-            <a:spAutoFit/>
-          </a:bodyPr>
+          <p:cNvPr id="2" name="Title 1"/>
+          <p:cNvSpPr>
+            <a:spLocks noGrp="1"/>
+          </p:cNvSpPr>
+          <p:nvPr>
+            <p:ph type="title"/>
+          </p:nvPr>
+        </p:nvSpPr>
+        <p:spPr/>
+        <p:txBody>
+          <a:bodyPr/>
           <a:lstStyle/>
           <a:p>
             <a:r>
-              <a:rPr lang="en-US" dirty="0">
-                <a:solidFill>
-                  <a:srgbClr val="0000FF"/>
-                </a:solidFill>
-                <a:highlight>
-                  <a:srgbClr val="FFFFFF"/>
-                </a:highlight>
-                <a:latin typeface="Consolas" panose="020B0609020204030204" pitchFamily="49" charset="0"/>
-              </a:rPr>
-              <a:t>public</a:t>
-            </a:r>
-            <a:r>
-              <a:rPr lang="en-US" dirty="0">
-                <a:solidFill>
-                  <a:srgbClr val="000000"/>
-                </a:solidFill>
-                <a:highlight>
-                  <a:srgbClr val="FFFFFF"/>
-                </a:highlight>
-                <a:latin typeface="Consolas" panose="020B0609020204030204" pitchFamily="49" charset="0"/>
-              </a:rPr>
-              <a:t> </a:t>
-            </a:r>
-            <a:r>
-              <a:rPr lang="en-US" dirty="0">
-                <a:solidFill>
-                  <a:srgbClr val="2B91AF"/>
-                </a:solidFill>
-                <a:highlight>
-                  <a:srgbClr val="FFFFFF"/>
-                </a:highlight>
-                <a:latin typeface="Consolas" panose="020B0609020204030204" pitchFamily="49" charset="0"/>
-              </a:rPr>
-              <a:t>ClientWithQualification</a:t>
-            </a:r>
-            <a:r>
-              <a:rPr lang="en-US" dirty="0">
-                <a:solidFill>
-                  <a:srgbClr val="000000"/>
-                </a:solidFill>
-                <a:highlight>
-                  <a:srgbClr val="FFFFFF"/>
-                </a:highlight>
-                <a:latin typeface="Consolas" panose="020B0609020204030204" pitchFamily="49" charset="0"/>
-              </a:rPr>
-              <a:t> </a:t>
-            </a:r>
-            <a:r>
-              <a:rPr lang="en-US" dirty="0" err="1" smtClean="0">
-                <a:solidFill>
-                  <a:srgbClr val="000000"/>
-                </a:solidFill>
-                <a:highlight>
-                  <a:srgbClr val="FFFFFF"/>
-                </a:highlight>
-                <a:latin typeface="Consolas" panose="020B0609020204030204" pitchFamily="49" charset="0"/>
-              </a:rPr>
-              <a:t>SaveNewClient</a:t>
-            </a:r>
-            <a:r>
-              <a:rPr lang="en-US" dirty="0" smtClean="0">
-                <a:solidFill>
-                  <a:srgbClr val="000000"/>
-                </a:solidFill>
-                <a:highlight>
-                  <a:srgbClr val="FFFFFF"/>
-                </a:highlight>
-                <a:latin typeface="Consolas" panose="020B0609020204030204" pitchFamily="49" charset="0"/>
-              </a:rPr>
-              <a:t>(</a:t>
-            </a:r>
-            <a:r>
-              <a:rPr lang="en-US" dirty="0" smtClean="0">
-                <a:solidFill>
-                  <a:srgbClr val="2B91AF"/>
-                </a:solidFill>
-                <a:highlight>
-                  <a:srgbClr val="FFFFFF"/>
-                </a:highlight>
-                <a:latin typeface="Consolas" panose="020B0609020204030204" pitchFamily="49" charset="0"/>
-              </a:rPr>
-              <a:t>Client</a:t>
-            </a:r>
-            <a:r>
-              <a:rPr lang="en-US" dirty="0" smtClean="0">
-                <a:solidFill>
-                  <a:srgbClr val="000000"/>
-                </a:solidFill>
-                <a:highlight>
-                  <a:srgbClr val="FFFFFF"/>
-                </a:highlight>
-                <a:latin typeface="Consolas" panose="020B0609020204030204" pitchFamily="49" charset="0"/>
-              </a:rPr>
-              <a:t> </a:t>
-            </a:r>
-            <a:r>
-              <a:rPr lang="en-US" dirty="0">
-                <a:solidFill>
-                  <a:srgbClr val="000000"/>
-                </a:solidFill>
-                <a:highlight>
-                  <a:srgbClr val="FFFFFF"/>
-                </a:highlight>
-                <a:latin typeface="Consolas" panose="020B0609020204030204" pitchFamily="49" charset="0"/>
-              </a:rPr>
-              <a:t>c)</a:t>
-            </a:r>
-          </a:p>
-          <a:p>
-            <a:r>
-              <a:rPr lang="en-US" dirty="0">
-                <a:solidFill>
-                  <a:srgbClr val="000000"/>
-                </a:solidFill>
-                <a:highlight>
-                  <a:srgbClr val="FFFFFF"/>
-                </a:highlight>
-                <a:latin typeface="Consolas" panose="020B0609020204030204" pitchFamily="49" charset="0"/>
-              </a:rPr>
-              <a:t>{</a:t>
-            </a:r>
-          </a:p>
-          <a:p>
-            <a:r>
-              <a:rPr lang="en-US" dirty="0">
-                <a:solidFill>
-                  <a:srgbClr val="000000"/>
-                </a:solidFill>
-                <a:highlight>
-                  <a:srgbClr val="FFFFFF"/>
-                </a:highlight>
-                <a:latin typeface="Consolas" panose="020B0609020204030204" pitchFamily="49" charset="0"/>
-              </a:rPr>
-              <a:t>    </a:t>
-            </a:r>
-            <a:r>
-              <a:rPr lang="en-US" dirty="0" err="1">
-                <a:solidFill>
-                  <a:srgbClr val="000000"/>
-                </a:solidFill>
-                <a:highlight>
-                  <a:srgbClr val="FFFFFF"/>
-                </a:highlight>
-                <a:latin typeface="Consolas" panose="020B0609020204030204" pitchFamily="49" charset="0"/>
-              </a:rPr>
-              <a:t>SaveToDatabase</a:t>
-            </a:r>
-            <a:r>
-              <a:rPr lang="en-US" dirty="0">
-                <a:solidFill>
-                  <a:srgbClr val="000000"/>
-                </a:solidFill>
-                <a:highlight>
-                  <a:srgbClr val="FFFFFF"/>
-                </a:highlight>
-                <a:latin typeface="Consolas" panose="020B0609020204030204" pitchFamily="49" charset="0"/>
-              </a:rPr>
-              <a:t>(c);</a:t>
-            </a:r>
-          </a:p>
-          <a:p>
-            <a:r>
-              <a:rPr lang="en-US" dirty="0">
-                <a:solidFill>
-                  <a:srgbClr val="000000"/>
-                </a:solidFill>
-                <a:highlight>
-                  <a:srgbClr val="FFFFFF"/>
-                </a:highlight>
-                <a:latin typeface="Consolas" panose="020B0609020204030204" pitchFamily="49" charset="0"/>
-              </a:rPr>
-              <a:t>    </a:t>
-            </a:r>
-            <a:r>
-              <a:rPr lang="en-US" dirty="0" err="1" smtClean="0">
-                <a:solidFill>
-                  <a:srgbClr val="000000"/>
-                </a:solidFill>
-                <a:highlight>
-                  <a:srgbClr val="FFFFFF"/>
-                </a:highlight>
-                <a:latin typeface="Consolas" panose="020B0609020204030204" pitchFamily="49" charset="0"/>
-              </a:rPr>
-              <a:t>NotifyVendorForMailing</a:t>
-            </a:r>
-            <a:r>
-              <a:rPr lang="en-US" dirty="0" smtClean="0">
-                <a:solidFill>
-                  <a:srgbClr val="000000"/>
-                </a:solidFill>
-                <a:highlight>
-                  <a:srgbClr val="FFFFFF"/>
-                </a:highlight>
-                <a:latin typeface="Consolas" panose="020B0609020204030204" pitchFamily="49" charset="0"/>
-              </a:rPr>
-              <a:t>(c</a:t>
-            </a:r>
-            <a:r>
-              <a:rPr lang="en-US" dirty="0">
-                <a:solidFill>
-                  <a:srgbClr val="000000"/>
-                </a:solidFill>
-                <a:highlight>
-                  <a:srgbClr val="FFFFFF"/>
-                </a:highlight>
-                <a:latin typeface="Consolas" panose="020B0609020204030204" pitchFamily="49" charset="0"/>
-              </a:rPr>
-              <a:t>); </a:t>
-            </a:r>
-          </a:p>
-          <a:p>
-            <a:r>
-              <a:rPr lang="en-US" dirty="0">
-                <a:solidFill>
-                  <a:srgbClr val="000000"/>
-                </a:solidFill>
-                <a:highlight>
-                  <a:srgbClr val="FFFFFF"/>
-                </a:highlight>
-                <a:latin typeface="Consolas" panose="020B0609020204030204" pitchFamily="49" charset="0"/>
-              </a:rPr>
-              <a:t>    </a:t>
-            </a:r>
-            <a:r>
-              <a:rPr lang="en-US" dirty="0" err="1">
-                <a:solidFill>
-                  <a:srgbClr val="000000"/>
-                </a:solidFill>
-                <a:highlight>
-                  <a:srgbClr val="FFFFFF"/>
-                </a:highlight>
-                <a:latin typeface="Consolas" panose="020B0609020204030204" pitchFamily="49" charset="0"/>
-              </a:rPr>
-              <a:t>SendWelcomeEmail</a:t>
-            </a:r>
-            <a:r>
-              <a:rPr lang="en-US" dirty="0">
-                <a:solidFill>
-                  <a:srgbClr val="000000"/>
-                </a:solidFill>
-                <a:highlight>
-                  <a:srgbClr val="FFFFFF"/>
-                </a:highlight>
-                <a:latin typeface="Consolas" panose="020B0609020204030204" pitchFamily="49" charset="0"/>
-              </a:rPr>
-              <a:t>(c);</a:t>
-            </a:r>
-          </a:p>
-          <a:p>
-            <a:r>
-              <a:rPr lang="en-US" dirty="0">
-                <a:solidFill>
-                  <a:srgbClr val="000000"/>
-                </a:solidFill>
-                <a:highlight>
-                  <a:srgbClr val="FFFFFF"/>
-                </a:highlight>
-                <a:latin typeface="Consolas" panose="020B0609020204030204" pitchFamily="49" charset="0"/>
-              </a:rPr>
-              <a:t>    </a:t>
-            </a:r>
-            <a:r>
-              <a:rPr lang="en-US" dirty="0" err="1">
-                <a:solidFill>
-                  <a:srgbClr val="0000FF"/>
-                </a:solidFill>
-                <a:highlight>
-                  <a:srgbClr val="FFFFFF"/>
-                </a:highlight>
-                <a:latin typeface="Consolas" panose="020B0609020204030204" pitchFamily="49" charset="0"/>
-              </a:rPr>
-              <a:t>var</a:t>
-            </a:r>
-            <a:r>
-              <a:rPr lang="en-US" dirty="0">
-                <a:solidFill>
-                  <a:srgbClr val="000000"/>
-                </a:solidFill>
-                <a:highlight>
-                  <a:srgbClr val="FFFFFF"/>
-                </a:highlight>
-                <a:latin typeface="Consolas" panose="020B0609020204030204" pitchFamily="49" charset="0"/>
-              </a:rPr>
-              <a:t> </a:t>
-            </a:r>
-            <a:r>
-              <a:rPr lang="en-US" dirty="0" err="1">
-                <a:solidFill>
-                  <a:srgbClr val="000000"/>
-                </a:solidFill>
-                <a:highlight>
-                  <a:srgbClr val="FFFFFF"/>
-                </a:highlight>
-                <a:latin typeface="Consolas" panose="020B0609020204030204" pitchFamily="49" charset="0"/>
-              </a:rPr>
-              <a:t>cq</a:t>
-            </a:r>
-            <a:r>
-              <a:rPr lang="en-US" dirty="0">
-                <a:solidFill>
-                  <a:srgbClr val="000000"/>
-                </a:solidFill>
-                <a:highlight>
-                  <a:srgbClr val="FFFFFF"/>
-                </a:highlight>
-                <a:latin typeface="Consolas" panose="020B0609020204030204" pitchFamily="49" charset="0"/>
-              </a:rPr>
-              <a:t> = </a:t>
-            </a:r>
-            <a:r>
-              <a:rPr lang="en-US" dirty="0">
-                <a:solidFill>
-                  <a:srgbClr val="0000FF"/>
-                </a:solidFill>
-                <a:highlight>
-                  <a:srgbClr val="FFFFFF"/>
-                </a:highlight>
-                <a:latin typeface="Consolas" panose="020B0609020204030204" pitchFamily="49" charset="0"/>
-              </a:rPr>
-              <a:t>new</a:t>
-            </a:r>
-            <a:r>
-              <a:rPr lang="en-US" dirty="0">
-                <a:solidFill>
-                  <a:srgbClr val="000000"/>
-                </a:solidFill>
-                <a:highlight>
-                  <a:srgbClr val="FFFFFF"/>
-                </a:highlight>
-                <a:latin typeface="Consolas" panose="020B0609020204030204" pitchFamily="49" charset="0"/>
-              </a:rPr>
-              <a:t> </a:t>
-            </a:r>
-            <a:r>
-              <a:rPr lang="en-US" dirty="0">
-                <a:solidFill>
-                  <a:srgbClr val="2B91AF"/>
-                </a:solidFill>
-                <a:highlight>
-                  <a:srgbClr val="FFFFFF"/>
-                </a:highlight>
-                <a:latin typeface="Consolas" panose="020B0609020204030204" pitchFamily="49" charset="0"/>
-              </a:rPr>
-              <a:t>ClientWithQualification</a:t>
-            </a:r>
-            <a:r>
-              <a:rPr lang="en-US" dirty="0">
-                <a:solidFill>
-                  <a:srgbClr val="000000"/>
-                </a:solidFill>
-                <a:highlight>
-                  <a:srgbClr val="FFFFFF"/>
-                </a:highlight>
-                <a:latin typeface="Consolas" panose="020B0609020204030204" pitchFamily="49" charset="0"/>
-              </a:rPr>
-              <a:t>(c);</a:t>
-            </a:r>
-          </a:p>
-          <a:p>
-            <a:r>
-              <a:rPr lang="en-US" dirty="0">
-                <a:solidFill>
-                  <a:srgbClr val="000000"/>
-                </a:solidFill>
-                <a:highlight>
-                  <a:srgbClr val="FFFFFF"/>
-                </a:highlight>
-                <a:latin typeface="Consolas" panose="020B0609020204030204" pitchFamily="49" charset="0"/>
-              </a:rPr>
-              <a:t>    </a:t>
-            </a:r>
-            <a:r>
-              <a:rPr lang="en-US" dirty="0" err="1">
-                <a:solidFill>
-                  <a:srgbClr val="000000"/>
-                </a:solidFill>
-                <a:highlight>
-                  <a:srgbClr val="FFFFFF"/>
-                </a:highlight>
-                <a:latin typeface="Consolas" panose="020B0609020204030204" pitchFamily="49" charset="0"/>
-              </a:rPr>
-              <a:t>cq.Qualification</a:t>
-            </a:r>
-            <a:r>
-              <a:rPr lang="en-US" dirty="0">
-                <a:solidFill>
-                  <a:srgbClr val="000000"/>
-                </a:solidFill>
-                <a:highlight>
-                  <a:srgbClr val="FFFFFF"/>
-                </a:highlight>
-                <a:latin typeface="Consolas" panose="020B0609020204030204" pitchFamily="49" charset="0"/>
-              </a:rPr>
-              <a:t> = </a:t>
-            </a:r>
-            <a:r>
-              <a:rPr lang="en-US" dirty="0" err="1">
-                <a:solidFill>
-                  <a:srgbClr val="000000"/>
-                </a:solidFill>
-                <a:highlight>
-                  <a:srgbClr val="FFFFFF"/>
-                </a:highlight>
-                <a:latin typeface="Consolas" panose="020B0609020204030204" pitchFamily="49" charset="0"/>
-              </a:rPr>
-              <a:t>QualifyNewClient</a:t>
-            </a:r>
-            <a:r>
-              <a:rPr lang="en-US" dirty="0">
-                <a:solidFill>
-                  <a:srgbClr val="000000"/>
-                </a:solidFill>
-                <a:highlight>
-                  <a:srgbClr val="FFFFFF"/>
-                </a:highlight>
-                <a:latin typeface="Consolas" panose="020B0609020204030204" pitchFamily="49" charset="0"/>
-              </a:rPr>
-              <a:t>(c);</a:t>
-            </a:r>
-          </a:p>
-          <a:p>
-            <a:r>
-              <a:rPr lang="en-US" dirty="0">
-                <a:solidFill>
-                  <a:srgbClr val="000000"/>
-                </a:solidFill>
-                <a:highlight>
-                  <a:srgbClr val="FFFFFF"/>
-                </a:highlight>
-                <a:latin typeface="Consolas" panose="020B0609020204030204" pitchFamily="49" charset="0"/>
-              </a:rPr>
-              <a:t>    </a:t>
-            </a:r>
-            <a:r>
-              <a:rPr lang="en-US" dirty="0">
-                <a:solidFill>
-                  <a:srgbClr val="0000FF"/>
-                </a:solidFill>
-                <a:highlight>
-                  <a:srgbClr val="FFFFFF"/>
-                </a:highlight>
-                <a:latin typeface="Consolas" panose="020B0609020204030204" pitchFamily="49" charset="0"/>
-              </a:rPr>
-              <a:t>return</a:t>
-            </a:r>
-            <a:r>
-              <a:rPr lang="en-US" dirty="0">
-                <a:solidFill>
-                  <a:srgbClr val="000000"/>
-                </a:solidFill>
-                <a:highlight>
-                  <a:srgbClr val="FFFFFF"/>
-                </a:highlight>
-                <a:latin typeface="Consolas" panose="020B0609020204030204" pitchFamily="49" charset="0"/>
-              </a:rPr>
-              <a:t> </a:t>
-            </a:r>
-            <a:r>
-              <a:rPr lang="en-US" dirty="0" err="1">
-                <a:solidFill>
-                  <a:srgbClr val="000000"/>
-                </a:solidFill>
-                <a:highlight>
-                  <a:srgbClr val="FFFFFF"/>
-                </a:highlight>
-                <a:latin typeface="Consolas" panose="020B0609020204030204" pitchFamily="49" charset="0"/>
-              </a:rPr>
-              <a:t>cq</a:t>
-            </a:r>
-            <a:r>
-              <a:rPr lang="en-US" dirty="0">
-                <a:solidFill>
-                  <a:srgbClr val="000000"/>
-                </a:solidFill>
-                <a:highlight>
-                  <a:srgbClr val="FFFFFF"/>
-                </a:highlight>
-                <a:latin typeface="Consolas" panose="020B0609020204030204" pitchFamily="49" charset="0"/>
-              </a:rPr>
-              <a:t>;</a:t>
-            </a:r>
-          </a:p>
-          <a:p>
-            <a:r>
-              <a:rPr lang="en-US" dirty="0">
-                <a:solidFill>
-                  <a:srgbClr val="000000"/>
-                </a:solidFill>
-                <a:highlight>
-                  <a:srgbClr val="FFFFFF"/>
-                </a:highlight>
-                <a:latin typeface="Consolas" panose="020B0609020204030204" pitchFamily="49" charset="0"/>
-              </a:rPr>
-              <a:t>}</a:t>
-            </a:r>
-          </a:p>
-          <a:p>
-            <a:endParaRPr lang="en-US" dirty="0">
-              <a:solidFill>
-                <a:srgbClr val="000000"/>
-              </a:solidFill>
-              <a:highlight>
-                <a:srgbClr val="FFFFFF"/>
-              </a:highlight>
-              <a:latin typeface="Consolas" panose="020B0609020204030204" pitchFamily="49" charset="0"/>
-            </a:endParaRPr>
-          </a:p>
-          <a:p>
-            <a:r>
-              <a:rPr lang="en-US" dirty="0">
-                <a:solidFill>
-                  <a:srgbClr val="0000FF"/>
-                </a:solidFill>
-                <a:highlight>
-                  <a:srgbClr val="FFFFFF"/>
-                </a:highlight>
-                <a:latin typeface="Consolas" panose="020B0609020204030204" pitchFamily="49" charset="0"/>
-              </a:rPr>
-              <a:t>private</a:t>
-            </a:r>
-            <a:r>
-              <a:rPr lang="en-US" dirty="0">
-                <a:solidFill>
-                  <a:srgbClr val="000000"/>
-                </a:solidFill>
-                <a:highlight>
-                  <a:srgbClr val="FFFFFF"/>
-                </a:highlight>
-                <a:latin typeface="Consolas" panose="020B0609020204030204" pitchFamily="49" charset="0"/>
-              </a:rPr>
-              <a:t> </a:t>
-            </a:r>
-            <a:r>
-              <a:rPr lang="en-US" dirty="0" err="1">
-                <a:solidFill>
-                  <a:srgbClr val="2B91AF"/>
-                </a:solidFill>
-                <a:highlight>
-                  <a:srgbClr val="FFFFFF"/>
-                </a:highlight>
-                <a:latin typeface="Consolas" panose="020B0609020204030204" pitchFamily="49" charset="0"/>
-              </a:rPr>
-              <a:t>ClientQualification</a:t>
-            </a:r>
-            <a:r>
-              <a:rPr lang="en-US" dirty="0">
-                <a:solidFill>
-                  <a:srgbClr val="000000"/>
-                </a:solidFill>
-                <a:highlight>
-                  <a:srgbClr val="FFFFFF"/>
-                </a:highlight>
-                <a:latin typeface="Consolas" panose="020B0609020204030204" pitchFamily="49" charset="0"/>
-              </a:rPr>
-              <a:t> </a:t>
-            </a:r>
-            <a:r>
-              <a:rPr lang="en-US" dirty="0" err="1">
-                <a:solidFill>
-                  <a:srgbClr val="000000"/>
-                </a:solidFill>
-                <a:highlight>
-                  <a:srgbClr val="FFFFFF"/>
-                </a:highlight>
-                <a:latin typeface="Consolas" panose="020B0609020204030204" pitchFamily="49" charset="0"/>
-              </a:rPr>
-              <a:t>QualifyNewClient</a:t>
-            </a:r>
-            <a:r>
-              <a:rPr lang="en-US" dirty="0">
-                <a:solidFill>
-                  <a:srgbClr val="000000"/>
-                </a:solidFill>
-                <a:highlight>
-                  <a:srgbClr val="FFFFFF"/>
-                </a:highlight>
-                <a:latin typeface="Consolas" panose="020B0609020204030204" pitchFamily="49" charset="0"/>
-              </a:rPr>
-              <a:t>(</a:t>
-            </a:r>
-            <a:r>
-              <a:rPr lang="en-US" dirty="0">
-                <a:solidFill>
-                  <a:srgbClr val="2B91AF"/>
-                </a:solidFill>
-                <a:highlight>
-                  <a:srgbClr val="FFFFFF"/>
-                </a:highlight>
-                <a:latin typeface="Consolas" panose="020B0609020204030204" pitchFamily="49" charset="0"/>
-              </a:rPr>
-              <a:t>Client</a:t>
-            </a:r>
-            <a:r>
-              <a:rPr lang="en-US" dirty="0">
-                <a:solidFill>
-                  <a:srgbClr val="000000"/>
-                </a:solidFill>
-                <a:highlight>
-                  <a:srgbClr val="FFFFFF"/>
-                </a:highlight>
-                <a:latin typeface="Consolas" panose="020B0609020204030204" pitchFamily="49" charset="0"/>
-              </a:rPr>
-              <a:t> c)</a:t>
-            </a:r>
-          </a:p>
-          <a:p>
-            <a:r>
-              <a:rPr lang="en-US" dirty="0">
-                <a:solidFill>
-                  <a:srgbClr val="000000"/>
-                </a:solidFill>
-                <a:highlight>
-                  <a:srgbClr val="FFFFFF"/>
-                </a:highlight>
-                <a:latin typeface="Consolas" panose="020B0609020204030204" pitchFamily="49" charset="0"/>
-              </a:rPr>
-              <a:t>{</a:t>
-            </a:r>
-          </a:p>
-          <a:p>
-            <a:r>
-              <a:rPr lang="en-US" dirty="0">
-                <a:solidFill>
-                  <a:srgbClr val="000000"/>
-                </a:solidFill>
-                <a:highlight>
-                  <a:srgbClr val="FFFFFF"/>
-                </a:highlight>
-                <a:latin typeface="Consolas" panose="020B0609020204030204" pitchFamily="49" charset="0"/>
-              </a:rPr>
-              <a:t>    </a:t>
-            </a:r>
-            <a:r>
-              <a:rPr lang="en-US" dirty="0" err="1">
-                <a:solidFill>
-                  <a:srgbClr val="0000FF"/>
-                </a:solidFill>
-                <a:highlight>
-                  <a:srgbClr val="FFFFFF"/>
-                </a:highlight>
-                <a:latin typeface="Consolas" panose="020B0609020204030204" pitchFamily="49" charset="0"/>
-              </a:rPr>
-              <a:t>var</a:t>
-            </a:r>
-            <a:r>
-              <a:rPr lang="en-US" dirty="0">
-                <a:solidFill>
-                  <a:srgbClr val="000000"/>
-                </a:solidFill>
-                <a:highlight>
-                  <a:srgbClr val="FFFFFF"/>
-                </a:highlight>
-                <a:latin typeface="Consolas" panose="020B0609020204030204" pitchFamily="49" charset="0"/>
-              </a:rPr>
-              <a:t> </a:t>
-            </a:r>
-            <a:r>
-              <a:rPr lang="en-US" dirty="0" err="1">
-                <a:solidFill>
-                  <a:srgbClr val="000000"/>
-                </a:solidFill>
-                <a:highlight>
-                  <a:srgbClr val="FFFFFF"/>
-                </a:highlight>
-                <a:latin typeface="Consolas" panose="020B0609020204030204" pitchFamily="49" charset="0"/>
-              </a:rPr>
-              <a:t>qual</a:t>
-            </a:r>
-            <a:r>
-              <a:rPr lang="en-US" dirty="0">
-                <a:solidFill>
-                  <a:srgbClr val="000000"/>
-                </a:solidFill>
-                <a:highlight>
-                  <a:srgbClr val="FFFFFF"/>
-                </a:highlight>
-                <a:latin typeface="Consolas" panose="020B0609020204030204" pitchFamily="49" charset="0"/>
-              </a:rPr>
-              <a:t> = </a:t>
-            </a:r>
-            <a:r>
-              <a:rPr lang="en-US" dirty="0">
-                <a:solidFill>
-                  <a:srgbClr val="0000FF"/>
-                </a:solidFill>
-                <a:highlight>
-                  <a:srgbClr val="FFFFFF"/>
-                </a:highlight>
-                <a:latin typeface="Consolas" panose="020B0609020204030204" pitchFamily="49" charset="0"/>
-              </a:rPr>
-              <a:t>new</a:t>
-            </a:r>
-            <a:r>
-              <a:rPr lang="en-US" dirty="0">
-                <a:solidFill>
-                  <a:srgbClr val="000000"/>
-                </a:solidFill>
-                <a:highlight>
-                  <a:srgbClr val="FFFFFF"/>
-                </a:highlight>
-                <a:latin typeface="Consolas" panose="020B0609020204030204" pitchFamily="49" charset="0"/>
-              </a:rPr>
-              <a:t> </a:t>
-            </a:r>
-            <a:r>
-              <a:rPr lang="en-US" dirty="0" err="1">
-                <a:solidFill>
-                  <a:srgbClr val="2B91AF"/>
-                </a:solidFill>
-                <a:highlight>
-                  <a:srgbClr val="FFFFFF"/>
-                </a:highlight>
-                <a:latin typeface="Consolas" panose="020B0609020204030204" pitchFamily="49" charset="0"/>
-              </a:rPr>
-              <a:t>ClientQualification</a:t>
-            </a:r>
-            <a:r>
-              <a:rPr lang="en-US" dirty="0">
-                <a:solidFill>
-                  <a:srgbClr val="000000"/>
-                </a:solidFill>
-                <a:highlight>
-                  <a:srgbClr val="FFFFFF"/>
-                </a:highlight>
-                <a:latin typeface="Consolas" panose="020B0609020204030204" pitchFamily="49" charset="0"/>
-              </a:rPr>
-              <a:t>();</a:t>
-            </a:r>
-          </a:p>
-          <a:p>
-            <a:r>
-              <a:rPr lang="en-US" dirty="0">
-                <a:solidFill>
-                  <a:srgbClr val="000000"/>
-                </a:solidFill>
-                <a:highlight>
-                  <a:srgbClr val="FFFFFF"/>
-                </a:highlight>
-                <a:latin typeface="Consolas" panose="020B0609020204030204" pitchFamily="49" charset="0"/>
-              </a:rPr>
-              <a:t>    </a:t>
-            </a:r>
-            <a:r>
-              <a:rPr lang="en-US" dirty="0" err="1">
-                <a:solidFill>
-                  <a:srgbClr val="000000"/>
-                </a:solidFill>
-                <a:highlight>
-                  <a:srgbClr val="FFFFFF"/>
-                </a:highlight>
-                <a:latin typeface="Consolas" panose="020B0609020204030204" pitchFamily="49" charset="0"/>
-              </a:rPr>
-              <a:t>qual.Weather</a:t>
-            </a:r>
-            <a:r>
-              <a:rPr lang="en-US" dirty="0">
-                <a:solidFill>
-                  <a:srgbClr val="000000"/>
-                </a:solidFill>
-                <a:highlight>
-                  <a:srgbClr val="FFFFFF"/>
-                </a:highlight>
-                <a:latin typeface="Consolas" panose="020B0609020204030204" pitchFamily="49" charset="0"/>
-              </a:rPr>
-              <a:t> = </a:t>
-            </a:r>
-            <a:r>
-              <a:rPr lang="en-US" dirty="0" err="1">
-                <a:solidFill>
-                  <a:srgbClr val="000000"/>
-                </a:solidFill>
-                <a:highlight>
-                  <a:srgbClr val="FFFFFF"/>
-                </a:highlight>
-                <a:latin typeface="Consolas" panose="020B0609020204030204" pitchFamily="49" charset="0"/>
-              </a:rPr>
-              <a:t>GetWeather</a:t>
-            </a:r>
-            <a:r>
-              <a:rPr lang="en-US" dirty="0">
-                <a:solidFill>
-                  <a:srgbClr val="000000"/>
-                </a:solidFill>
-                <a:highlight>
-                  <a:srgbClr val="FFFFFF"/>
-                </a:highlight>
-                <a:latin typeface="Consolas" panose="020B0609020204030204" pitchFamily="49" charset="0"/>
-              </a:rPr>
-              <a:t>(c);</a:t>
-            </a:r>
-          </a:p>
-          <a:p>
-            <a:r>
-              <a:rPr lang="en-US" dirty="0">
-                <a:solidFill>
-                  <a:srgbClr val="000000"/>
-                </a:solidFill>
-                <a:highlight>
-                  <a:srgbClr val="FFFFFF"/>
-                </a:highlight>
-                <a:latin typeface="Consolas" panose="020B0609020204030204" pitchFamily="49" charset="0"/>
-              </a:rPr>
-              <a:t>    </a:t>
-            </a:r>
-            <a:r>
-              <a:rPr lang="en-US" dirty="0" err="1">
-                <a:solidFill>
-                  <a:srgbClr val="000000"/>
-                </a:solidFill>
-                <a:highlight>
-                  <a:srgbClr val="FFFFFF"/>
-                </a:highlight>
-                <a:latin typeface="Consolas" panose="020B0609020204030204" pitchFamily="49" charset="0"/>
-              </a:rPr>
-              <a:t>qual.FacebookData</a:t>
-            </a:r>
-            <a:r>
-              <a:rPr lang="en-US" dirty="0">
-                <a:solidFill>
-                  <a:srgbClr val="000000"/>
-                </a:solidFill>
-                <a:highlight>
-                  <a:srgbClr val="FFFFFF"/>
-                </a:highlight>
-                <a:latin typeface="Consolas" panose="020B0609020204030204" pitchFamily="49" charset="0"/>
-              </a:rPr>
-              <a:t> = </a:t>
-            </a:r>
-            <a:r>
-              <a:rPr lang="en-US" dirty="0" err="1">
-                <a:solidFill>
-                  <a:srgbClr val="000000"/>
-                </a:solidFill>
-                <a:highlight>
-                  <a:srgbClr val="FFFFFF"/>
-                </a:highlight>
-                <a:latin typeface="Consolas" panose="020B0609020204030204" pitchFamily="49" charset="0"/>
-              </a:rPr>
-              <a:t>GetFaceBookData</a:t>
-            </a:r>
-            <a:r>
-              <a:rPr lang="en-US" dirty="0">
-                <a:solidFill>
-                  <a:srgbClr val="000000"/>
-                </a:solidFill>
-                <a:highlight>
-                  <a:srgbClr val="FFFFFF"/>
-                </a:highlight>
-                <a:latin typeface="Consolas" panose="020B0609020204030204" pitchFamily="49" charset="0"/>
-              </a:rPr>
-              <a:t>(c);</a:t>
-            </a:r>
-          </a:p>
-          <a:p>
-            <a:r>
-              <a:rPr lang="en-US" dirty="0">
-                <a:solidFill>
-                  <a:srgbClr val="000000"/>
-                </a:solidFill>
-                <a:highlight>
-                  <a:srgbClr val="FFFFFF"/>
-                </a:highlight>
-                <a:latin typeface="Consolas" panose="020B0609020204030204" pitchFamily="49" charset="0"/>
-              </a:rPr>
-              <a:t>    </a:t>
-            </a:r>
-            <a:r>
-              <a:rPr lang="en-US" dirty="0" err="1">
-                <a:solidFill>
-                  <a:srgbClr val="000000"/>
-                </a:solidFill>
-                <a:highlight>
-                  <a:srgbClr val="FFFFFF"/>
-                </a:highlight>
-                <a:latin typeface="Consolas" panose="020B0609020204030204" pitchFamily="49" charset="0"/>
-              </a:rPr>
-              <a:t>qual.TwitterData</a:t>
-            </a:r>
-            <a:r>
-              <a:rPr lang="en-US" dirty="0">
-                <a:solidFill>
-                  <a:srgbClr val="000000"/>
-                </a:solidFill>
-                <a:highlight>
-                  <a:srgbClr val="FFFFFF"/>
-                </a:highlight>
-                <a:latin typeface="Consolas" panose="020B0609020204030204" pitchFamily="49" charset="0"/>
-              </a:rPr>
-              <a:t> = </a:t>
-            </a:r>
-            <a:r>
-              <a:rPr lang="en-US" dirty="0" err="1">
-                <a:solidFill>
-                  <a:srgbClr val="000000"/>
-                </a:solidFill>
-                <a:highlight>
-                  <a:srgbClr val="FFFFFF"/>
-                </a:highlight>
-                <a:latin typeface="Consolas" panose="020B0609020204030204" pitchFamily="49" charset="0"/>
-              </a:rPr>
-              <a:t>GetTwitterData</a:t>
-            </a:r>
-            <a:r>
-              <a:rPr lang="en-US" dirty="0">
-                <a:solidFill>
-                  <a:srgbClr val="000000"/>
-                </a:solidFill>
-                <a:highlight>
-                  <a:srgbClr val="FFFFFF"/>
-                </a:highlight>
-                <a:latin typeface="Consolas" panose="020B0609020204030204" pitchFamily="49" charset="0"/>
-              </a:rPr>
-              <a:t>(c);</a:t>
-            </a:r>
-          </a:p>
-          <a:p>
-            <a:r>
-              <a:rPr lang="en-US" dirty="0">
-                <a:solidFill>
-                  <a:srgbClr val="000000"/>
-                </a:solidFill>
-                <a:highlight>
-                  <a:srgbClr val="FFFFFF"/>
-                </a:highlight>
-                <a:latin typeface="Consolas" panose="020B0609020204030204" pitchFamily="49" charset="0"/>
-              </a:rPr>
-              <a:t>    </a:t>
-            </a:r>
-            <a:r>
-              <a:rPr lang="en-US" dirty="0" err="1">
-                <a:solidFill>
-                  <a:srgbClr val="000000"/>
-                </a:solidFill>
-                <a:highlight>
-                  <a:srgbClr val="FFFFFF"/>
-                </a:highlight>
-                <a:latin typeface="Consolas" panose="020B0609020204030204" pitchFamily="49" charset="0"/>
-              </a:rPr>
-              <a:t>qual.ClosingMetrics</a:t>
-            </a:r>
-            <a:r>
-              <a:rPr lang="en-US" dirty="0">
-                <a:solidFill>
-                  <a:srgbClr val="000000"/>
-                </a:solidFill>
-                <a:highlight>
-                  <a:srgbClr val="FFFFFF"/>
-                </a:highlight>
-                <a:latin typeface="Consolas" panose="020B0609020204030204" pitchFamily="49" charset="0"/>
-              </a:rPr>
-              <a:t> = </a:t>
-            </a:r>
-            <a:r>
-              <a:rPr lang="en-US" dirty="0" err="1">
-                <a:solidFill>
-                  <a:srgbClr val="000000"/>
-                </a:solidFill>
-                <a:highlight>
-                  <a:srgbClr val="FFFFFF"/>
-                </a:highlight>
-                <a:latin typeface="Consolas" panose="020B0609020204030204" pitchFamily="49" charset="0"/>
-              </a:rPr>
-              <a:t>GetClientClosingBIData</a:t>
-            </a:r>
-            <a:r>
-              <a:rPr lang="en-US" dirty="0">
-                <a:solidFill>
-                  <a:srgbClr val="000000"/>
-                </a:solidFill>
-                <a:highlight>
-                  <a:srgbClr val="FFFFFF"/>
-                </a:highlight>
-                <a:latin typeface="Consolas" panose="020B0609020204030204" pitchFamily="49" charset="0"/>
-              </a:rPr>
-              <a:t>(c);</a:t>
-            </a:r>
-          </a:p>
-          <a:p>
-            <a:r>
-              <a:rPr lang="en-US" dirty="0">
-                <a:solidFill>
-                  <a:srgbClr val="000000"/>
-                </a:solidFill>
-                <a:highlight>
-                  <a:srgbClr val="FFFFFF"/>
-                </a:highlight>
-                <a:latin typeface="Consolas" panose="020B0609020204030204" pitchFamily="49" charset="0"/>
-              </a:rPr>
-              <a:t>    </a:t>
-            </a:r>
-            <a:r>
-              <a:rPr lang="en-US" dirty="0">
-                <a:solidFill>
-                  <a:srgbClr val="0000FF"/>
-                </a:solidFill>
-                <a:highlight>
-                  <a:srgbClr val="FFFFFF"/>
-                </a:highlight>
-                <a:latin typeface="Consolas" panose="020B0609020204030204" pitchFamily="49" charset="0"/>
-              </a:rPr>
-              <a:t>return</a:t>
-            </a:r>
-            <a:r>
-              <a:rPr lang="en-US" dirty="0">
-                <a:solidFill>
-                  <a:srgbClr val="000000"/>
-                </a:solidFill>
-                <a:highlight>
-                  <a:srgbClr val="FFFFFF"/>
-                </a:highlight>
-                <a:latin typeface="Consolas" panose="020B0609020204030204" pitchFamily="49" charset="0"/>
-              </a:rPr>
-              <a:t> </a:t>
-            </a:r>
-            <a:r>
-              <a:rPr lang="en-US" dirty="0" err="1">
-                <a:solidFill>
-                  <a:srgbClr val="000000"/>
-                </a:solidFill>
-                <a:highlight>
-                  <a:srgbClr val="FFFFFF"/>
-                </a:highlight>
-                <a:latin typeface="Consolas" panose="020B0609020204030204" pitchFamily="49" charset="0"/>
-              </a:rPr>
-              <a:t>qual</a:t>
-            </a:r>
-            <a:r>
-              <a:rPr lang="en-US" dirty="0">
-                <a:solidFill>
-                  <a:srgbClr val="000000"/>
-                </a:solidFill>
-                <a:highlight>
-                  <a:srgbClr val="FFFFFF"/>
-                </a:highlight>
-                <a:latin typeface="Consolas" panose="020B0609020204030204" pitchFamily="49" charset="0"/>
-              </a:rPr>
-              <a:t>;</a:t>
-            </a:r>
-          </a:p>
-          <a:p>
-            <a:r>
-              <a:rPr lang="en-US" dirty="0">
-                <a:solidFill>
-                  <a:srgbClr val="000000"/>
-                </a:solidFill>
-                <a:highlight>
-                  <a:srgbClr val="FFFFFF"/>
-                </a:highlight>
-                <a:latin typeface="Consolas" panose="020B0609020204030204" pitchFamily="49" charset="0"/>
-              </a:rPr>
-              <a:t>}</a:t>
-            </a:r>
+              <a:rPr lang="en-US" dirty="0" smtClean="0"/>
+              <a:t>Business Domain</a:t>
+            </a:r>
+            <a:endParaRPr lang="en-US" dirty="0"/>
+          </a:p>
+        </p:txBody>
+      </p:sp>
+      <p:sp>
+        <p:nvSpPr>
+          <p:cNvPr id="3" name="Content Placeholder 2"/>
+          <p:cNvSpPr>
+            <a:spLocks noGrp="1"/>
+          </p:cNvSpPr>
+          <p:nvPr>
+            <p:ph idx="1"/>
+          </p:nvPr>
+        </p:nvSpPr>
+        <p:spPr/>
+        <p:txBody>
+          <a:bodyPr/>
+          <a:lstStyle/>
+          <a:p>
+            <a:r>
+              <a:rPr lang="en-US" dirty="0" smtClean="0"/>
+              <a:t>Loan system</a:t>
+            </a:r>
+          </a:p>
+          <a:p>
+            <a:r>
+              <a:rPr lang="en-US" dirty="0" smtClean="0"/>
+              <a:t>Saves clients</a:t>
+            </a:r>
+          </a:p>
+          <a:p>
+            <a:r>
+              <a:rPr lang="en-US" dirty="0" smtClean="0"/>
+              <a:t>When a client is saved we are instructed by the business to do the following:</a:t>
+            </a:r>
+          </a:p>
+          <a:p>
+            <a:pPr lvl="1"/>
+            <a:r>
+              <a:rPr lang="en-US" dirty="0" smtClean="0"/>
+              <a:t>Save to database</a:t>
+            </a:r>
+          </a:p>
+          <a:p>
+            <a:pPr lvl="1"/>
+            <a:r>
+              <a:rPr lang="en-US" dirty="0" smtClean="0"/>
+              <a:t>Send client data to vendor for snail mail marketing</a:t>
+            </a:r>
+          </a:p>
+          <a:p>
+            <a:pPr lvl="1"/>
+            <a:r>
+              <a:rPr lang="en-US" dirty="0" smtClean="0"/>
+              <a:t>Send welcome email</a:t>
+            </a:r>
+          </a:p>
+          <a:p>
+            <a:pPr lvl="1"/>
+            <a:r>
+              <a:rPr lang="en-US" dirty="0" smtClean="0"/>
+              <a:t>Run client qualification (lots of moving pieces)</a:t>
+            </a:r>
+          </a:p>
+          <a:p>
+            <a:pPr lvl="1"/>
+            <a:endParaRPr lang="en-US" dirty="0" smtClean="0"/>
+          </a:p>
+          <a:p>
+            <a:pPr lvl="1"/>
             <a:endParaRPr lang="en-US" dirty="0"/>
           </a:p>
         </p:txBody>
@@ -15436,7 +13980,7 @@
     </p:spTree>
     <p:extLst>
       <p:ext uri="{BB962C8B-B14F-4D97-AF65-F5344CB8AC3E}">
-        <p14:creationId xmlns:p14="http://schemas.microsoft.com/office/powerpoint/2010/main" val="1118437811"/>
+        <p14:creationId xmlns:p14="http://schemas.microsoft.com/office/powerpoint/2010/main" val="186588443"/>
       </p:ext>
     </p:extLst>
   </p:cSld>
@@ -15472,14 +14016,14 @@
       </p:grpSpPr>
       <p:sp>
         <p:nvSpPr>
-          <p:cNvPr id="2" name="Rectangle 1"/>
+          <p:cNvPr id="3" name="Rectangle 2"/>
           <p:cNvSpPr/>
           <p:nvPr/>
         </p:nvSpPr>
         <p:spPr>
           <a:xfrm>
-            <a:off x="339366" y="691909"/>
-            <a:ext cx="8583105" cy="5355312"/>
+            <a:off x="1150071" y="652017"/>
+            <a:ext cx="7508449" cy="5355312"/>
           </a:xfrm>
           <a:prstGeom prst="rect">
             <a:avLst/>
@@ -15537,11 +14081,297 @@
                 </a:highlight>
                 <a:latin typeface="Consolas" panose="020B0609020204030204" pitchFamily="49" charset="0"/>
               </a:rPr>
-              <a:t> SaveClient(</a:t>
+              <a:t> </a:t>
+            </a:r>
+            <a:r>
+              <a:rPr lang="en-US" dirty="0" err="1" smtClean="0">
+                <a:solidFill>
+                  <a:srgbClr val="000000"/>
+                </a:solidFill>
+                <a:highlight>
+                  <a:srgbClr val="FFFFFF"/>
+                </a:highlight>
+                <a:latin typeface="Consolas" panose="020B0609020204030204" pitchFamily="49" charset="0"/>
+              </a:rPr>
+              <a:t>SaveNewClient</a:t>
+            </a:r>
+            <a:r>
+              <a:rPr lang="en-US" dirty="0" smtClean="0">
+                <a:solidFill>
+                  <a:srgbClr val="000000"/>
+                </a:solidFill>
+                <a:highlight>
+                  <a:srgbClr val="FFFFFF"/>
+                </a:highlight>
+                <a:latin typeface="Consolas" panose="020B0609020204030204" pitchFamily="49" charset="0"/>
+              </a:rPr>
+              <a:t>(</a:t>
+            </a:r>
+            <a:r>
+              <a:rPr lang="en-US" dirty="0" smtClean="0">
+                <a:solidFill>
+                  <a:srgbClr val="2B91AF"/>
+                </a:solidFill>
+                <a:highlight>
+                  <a:srgbClr val="FFFFFF"/>
+                </a:highlight>
+                <a:latin typeface="Consolas" panose="020B0609020204030204" pitchFamily="49" charset="0"/>
+              </a:rPr>
+              <a:t>Client</a:t>
+            </a:r>
+            <a:r>
+              <a:rPr lang="en-US" dirty="0" smtClean="0">
+                <a:solidFill>
+                  <a:srgbClr val="000000"/>
+                </a:solidFill>
+                <a:highlight>
+                  <a:srgbClr val="FFFFFF"/>
+                </a:highlight>
+                <a:latin typeface="Consolas" panose="020B0609020204030204" pitchFamily="49" charset="0"/>
+              </a:rPr>
+              <a:t> </a:t>
             </a:r>
             <a:r>
               <a:rPr lang="en-US" dirty="0">
                 <a:solidFill>
+                  <a:srgbClr val="000000"/>
+                </a:solidFill>
+                <a:highlight>
+                  <a:srgbClr val="FFFFFF"/>
+                </a:highlight>
+                <a:latin typeface="Consolas" panose="020B0609020204030204" pitchFamily="49" charset="0"/>
+              </a:rPr>
+              <a:t>c)</a:t>
+            </a:r>
+          </a:p>
+          <a:p>
+            <a:r>
+              <a:rPr lang="en-US" dirty="0">
+                <a:solidFill>
+                  <a:srgbClr val="000000"/>
+                </a:solidFill>
+                <a:highlight>
+                  <a:srgbClr val="FFFFFF"/>
+                </a:highlight>
+                <a:latin typeface="Consolas" panose="020B0609020204030204" pitchFamily="49" charset="0"/>
+              </a:rPr>
+              <a:t>{</a:t>
+            </a:r>
+          </a:p>
+          <a:p>
+            <a:r>
+              <a:rPr lang="en-US" dirty="0">
+                <a:solidFill>
+                  <a:srgbClr val="000000"/>
+                </a:solidFill>
+                <a:highlight>
+                  <a:srgbClr val="FFFFFF"/>
+                </a:highlight>
+                <a:latin typeface="Consolas" panose="020B0609020204030204" pitchFamily="49" charset="0"/>
+              </a:rPr>
+              <a:t>    </a:t>
+            </a:r>
+            <a:r>
+              <a:rPr lang="en-US" dirty="0" err="1">
+                <a:solidFill>
+                  <a:srgbClr val="000000"/>
+                </a:solidFill>
+                <a:highlight>
+                  <a:srgbClr val="FFFFFF"/>
+                </a:highlight>
+                <a:latin typeface="Consolas" panose="020B0609020204030204" pitchFamily="49" charset="0"/>
+              </a:rPr>
+              <a:t>SaveToDatabase</a:t>
+            </a:r>
+            <a:r>
+              <a:rPr lang="en-US" dirty="0">
+                <a:solidFill>
+                  <a:srgbClr val="000000"/>
+                </a:solidFill>
+                <a:highlight>
+                  <a:srgbClr val="FFFFFF"/>
+                </a:highlight>
+                <a:latin typeface="Consolas" panose="020B0609020204030204" pitchFamily="49" charset="0"/>
+              </a:rPr>
+              <a:t>(c);</a:t>
+            </a:r>
+          </a:p>
+          <a:p>
+            <a:r>
+              <a:rPr lang="en-US" dirty="0">
+                <a:solidFill>
+                  <a:srgbClr val="000000"/>
+                </a:solidFill>
+                <a:highlight>
+                  <a:srgbClr val="FFFFFF"/>
+                </a:highlight>
+                <a:latin typeface="Consolas" panose="020B0609020204030204" pitchFamily="49" charset="0"/>
+              </a:rPr>
+              <a:t>    </a:t>
+            </a:r>
+            <a:r>
+              <a:rPr lang="en-US" dirty="0" err="1" smtClean="0">
+                <a:solidFill>
+                  <a:srgbClr val="000000"/>
+                </a:solidFill>
+                <a:highlight>
+                  <a:srgbClr val="FFFFFF"/>
+                </a:highlight>
+                <a:latin typeface="Consolas" panose="020B0609020204030204" pitchFamily="49" charset="0"/>
+              </a:rPr>
+              <a:t>NotifyVendorForMailing</a:t>
+            </a:r>
+            <a:r>
+              <a:rPr lang="en-US" dirty="0" smtClean="0">
+                <a:solidFill>
+                  <a:srgbClr val="000000"/>
+                </a:solidFill>
+                <a:highlight>
+                  <a:srgbClr val="FFFFFF"/>
+                </a:highlight>
+                <a:latin typeface="Consolas" panose="020B0609020204030204" pitchFamily="49" charset="0"/>
+              </a:rPr>
+              <a:t>(c</a:t>
+            </a:r>
+            <a:r>
+              <a:rPr lang="en-US" dirty="0">
+                <a:solidFill>
+                  <a:srgbClr val="000000"/>
+                </a:solidFill>
+                <a:highlight>
+                  <a:srgbClr val="FFFFFF"/>
+                </a:highlight>
+                <a:latin typeface="Consolas" panose="020B0609020204030204" pitchFamily="49" charset="0"/>
+              </a:rPr>
+              <a:t>); </a:t>
+            </a:r>
+          </a:p>
+          <a:p>
+            <a:r>
+              <a:rPr lang="en-US" dirty="0">
+                <a:solidFill>
+                  <a:srgbClr val="000000"/>
+                </a:solidFill>
+                <a:highlight>
+                  <a:srgbClr val="FFFFFF"/>
+                </a:highlight>
+                <a:latin typeface="Consolas" panose="020B0609020204030204" pitchFamily="49" charset="0"/>
+              </a:rPr>
+              <a:t>    </a:t>
+            </a:r>
+            <a:r>
+              <a:rPr lang="en-US" dirty="0" err="1">
+                <a:solidFill>
+                  <a:srgbClr val="000000"/>
+                </a:solidFill>
+                <a:highlight>
+                  <a:srgbClr val="FFFFFF"/>
+                </a:highlight>
+                <a:latin typeface="Consolas" panose="020B0609020204030204" pitchFamily="49" charset="0"/>
+              </a:rPr>
+              <a:t>SendWelcomeEmail</a:t>
+            </a:r>
+            <a:r>
+              <a:rPr lang="en-US" dirty="0">
+                <a:solidFill>
+                  <a:srgbClr val="000000"/>
+                </a:solidFill>
+                <a:highlight>
+                  <a:srgbClr val="FFFFFF"/>
+                </a:highlight>
+                <a:latin typeface="Consolas" panose="020B0609020204030204" pitchFamily="49" charset="0"/>
+              </a:rPr>
+              <a:t>(c);</a:t>
+            </a:r>
+          </a:p>
+          <a:p>
+            <a:r>
+              <a:rPr lang="en-US" dirty="0">
+                <a:solidFill>
+                  <a:srgbClr val="000000"/>
+                </a:solidFill>
+                <a:highlight>
+                  <a:srgbClr val="FFFFFF"/>
+                </a:highlight>
+                <a:latin typeface="Consolas" panose="020B0609020204030204" pitchFamily="49" charset="0"/>
+              </a:rPr>
+              <a:t>    </a:t>
+            </a:r>
+            <a:r>
+              <a:rPr lang="en-US" dirty="0" err="1">
+                <a:solidFill>
+                  <a:srgbClr val="0000FF"/>
+                </a:solidFill>
+                <a:highlight>
+                  <a:srgbClr val="FFFFFF"/>
+                </a:highlight>
+                <a:latin typeface="Consolas" panose="020B0609020204030204" pitchFamily="49" charset="0"/>
+              </a:rPr>
+              <a:t>var</a:t>
+            </a:r>
+            <a:r>
+              <a:rPr lang="en-US" dirty="0">
+                <a:solidFill>
+                  <a:srgbClr val="000000"/>
+                </a:solidFill>
+                <a:highlight>
+                  <a:srgbClr val="FFFFFF"/>
+                </a:highlight>
+                <a:latin typeface="Consolas" panose="020B0609020204030204" pitchFamily="49" charset="0"/>
+              </a:rPr>
+              <a:t> </a:t>
+            </a:r>
+            <a:r>
+              <a:rPr lang="en-US" dirty="0" err="1">
+                <a:solidFill>
+                  <a:srgbClr val="000000"/>
+                </a:solidFill>
+                <a:highlight>
+                  <a:srgbClr val="FFFFFF"/>
+                </a:highlight>
+                <a:latin typeface="Consolas" panose="020B0609020204030204" pitchFamily="49" charset="0"/>
+              </a:rPr>
+              <a:t>cq</a:t>
+            </a:r>
+            <a:r>
+              <a:rPr lang="en-US" dirty="0">
+                <a:solidFill>
+                  <a:srgbClr val="000000"/>
+                </a:solidFill>
+                <a:highlight>
+                  <a:srgbClr val="FFFFFF"/>
+                </a:highlight>
+                <a:latin typeface="Consolas" panose="020B0609020204030204" pitchFamily="49" charset="0"/>
+              </a:rPr>
+              <a:t> = </a:t>
+            </a:r>
+            <a:r>
+              <a:rPr lang="en-US" dirty="0">
+                <a:solidFill>
+                  <a:srgbClr val="0000FF"/>
+                </a:solidFill>
+                <a:highlight>
+                  <a:srgbClr val="FFFFFF"/>
+                </a:highlight>
+                <a:latin typeface="Consolas" panose="020B0609020204030204" pitchFamily="49" charset="0"/>
+              </a:rPr>
+              <a:t>new</a:t>
+            </a:r>
+            <a:r>
+              <a:rPr lang="en-US" dirty="0">
+                <a:solidFill>
+                  <a:srgbClr val="000000"/>
+                </a:solidFill>
+                <a:highlight>
+                  <a:srgbClr val="FFFFFF"/>
+                </a:highlight>
+                <a:latin typeface="Consolas" panose="020B0609020204030204" pitchFamily="49" charset="0"/>
+              </a:rPr>
+              <a:t> </a:t>
+            </a:r>
+            <a:r>
+              <a:rPr lang="en-US" dirty="0">
+                <a:solidFill>
                   <a:srgbClr val="2B91AF"/>
                 </a:solidFill>
                 <a:highlight>
@@ -15549,7 +14379,7 @@
                 </a:highlight>
                 <a:latin typeface="Consolas" panose="020B0609020204030204" pitchFamily="49" charset="0"/>
               </a:rPr>
-              <a:t>Client</a:t>
+              <a:t>ClientWithQualification</a:t>
             </a:r>
             <a:r>
               <a:rPr lang="en-US" dirty="0">
@@ -15561,7 +14391,7 @@
                 </a:highlight>
                 <a:latin typeface="Consolas" panose="020B0609020204030204" pitchFamily="49" charset="0"/>
               </a:rPr>
-              <a:t> c)</a:t>
+              <a:t>(c);</a:t>
             </a:r>
           </a:p>
           <a:p>
@@ -15575,10 +14405,20 @@
                 </a:highlight>
                 <a:latin typeface="Consolas" panose="020B0609020204030204" pitchFamily="49" charset="0"/>
               </a:rPr>
-              <a:t>{</a:t>
-            </a:r>
-          </a:p>
-          <a:p>
+              <a:t>    </a:t>
+            </a:r>
+            <a:r>
+              <a:rPr lang="en-US" dirty="0" err="1">
+                <a:solidFill>
+                  <a:srgbClr val="000000"/>
+                </a:solidFill>
+                <a:highlight>
+                  <a:srgbClr val="FFFFFF"/>
+                </a:highlight>
+                <a:latin typeface="Consolas" panose="020B0609020204030204" pitchFamily="49" charset="0"/>
+              </a:rPr>
+              <a:t>cq.Qualification</a:t>
+            </a:r>
             <a:r>
               <a:rPr lang="en-US" dirty="0">
                 <a:solidFill>
@@ -15589,20 +14429,110 @@
                 </a:highlight>
                 <a:latin typeface="Consolas" panose="020B0609020204030204" pitchFamily="49" charset="0"/>
               </a:rPr>
-              <a:t>    SaveToDatabase(c); </a:t>
+              <a:t> = </a:t>
+            </a:r>
+            <a:r>
+              <a:rPr lang="en-US" dirty="0" err="1">
+                <a:solidFill>
+                  <a:srgbClr val="000000"/>
+                </a:solidFill>
+                <a:highlight>
+                  <a:srgbClr val="FFFFFF"/>
+                </a:highlight>
+                <a:latin typeface="Consolas" panose="020B0609020204030204" pitchFamily="49" charset="0"/>
+              </a:rPr>
+              <a:t>QualifyNewClient</a:t>
             </a:r>
             <a:r>
               <a:rPr lang="en-US" dirty="0">
                 <a:solidFill>
-                  <a:srgbClr val="008000"/>
-                </a:solidFill>
-                <a:highlight>
-                  <a:srgbClr val="FFFFFF"/>
-                </a:highlight>
-                <a:latin typeface="Consolas" panose="020B0609020204030204" pitchFamily="49" charset="0"/>
-              </a:rPr>
-              <a:t>//failure</a:t>
-            </a:r>
+                  <a:srgbClr val="000000"/>
+                </a:solidFill>
+                <a:highlight>
+                  <a:srgbClr val="FFFFFF"/>
+                </a:highlight>
+                <a:latin typeface="Consolas" panose="020B0609020204030204" pitchFamily="49" charset="0"/>
+              </a:rPr>
+              <a:t>(c);</a:t>
+            </a:r>
+          </a:p>
+          <a:p>
+            <a:r>
+              <a:rPr lang="en-US" dirty="0">
+                <a:solidFill>
+                  <a:srgbClr val="000000"/>
+                </a:solidFill>
+                <a:highlight>
+                  <a:srgbClr val="FFFFFF"/>
+                </a:highlight>
+                <a:latin typeface="Consolas" panose="020B0609020204030204" pitchFamily="49" charset="0"/>
+              </a:rPr>
+              <a:t>    </a:t>
+            </a:r>
+            <a:r>
+              <a:rPr lang="en-US" dirty="0">
+                <a:solidFill>
+                  <a:srgbClr val="0000FF"/>
+                </a:solidFill>
+                <a:highlight>
+                  <a:srgbClr val="FFFFFF"/>
+                </a:highlight>
+                <a:latin typeface="Consolas" panose="020B0609020204030204" pitchFamily="49" charset="0"/>
+              </a:rPr>
+              <a:t>return</a:t>
+            </a:r>
+            <a:r>
+              <a:rPr lang="en-US" dirty="0">
+                <a:solidFill>
+                  <a:srgbClr val="000000"/>
+                </a:solidFill>
+                <a:highlight>
+                  <a:srgbClr val="FFFFFF"/>
+                </a:highlight>
+                <a:latin typeface="Consolas" panose="020B0609020204030204" pitchFamily="49" charset="0"/>
+              </a:rPr>
+              <a:t> </a:t>
+            </a:r>
+            <a:r>
+              <a:rPr lang="en-US" dirty="0" err="1">
+                <a:solidFill>
+                  <a:srgbClr val="000000"/>
+                </a:solidFill>
+                <a:highlight>
+                  <a:srgbClr val="FFFFFF"/>
+                </a:highlight>
+                <a:latin typeface="Consolas" panose="020B0609020204030204" pitchFamily="49" charset="0"/>
+              </a:rPr>
+              <a:t>cq</a:t>
+            </a:r>
+            <a:r>
+              <a:rPr lang="en-US" dirty="0">
+                <a:solidFill>
+                  <a:srgbClr val="000000"/>
+                </a:solidFill>
+                <a:highlight>
+                  <a:srgbClr val="FFFFFF"/>
+                </a:highlight>
+                <a:latin typeface="Consolas" panose="020B0609020204030204" pitchFamily="49" charset="0"/>
+              </a:rPr>
+              <a:t>;</a:t>
+            </a:r>
+          </a:p>
+          <a:p>
+            <a:r>
+              <a:rPr lang="en-US" dirty="0">
+                <a:solidFill>
+                  <a:srgbClr val="000000"/>
+                </a:solidFill>
+                <a:highlight>
+                  <a:srgbClr val="FFFFFF"/>
+                </a:highlight>
+                <a:latin typeface="Consolas" panose="020B0609020204030204" pitchFamily="49" charset="0"/>
+              </a:rPr>
+              <a:t>}</a:t>
+            </a:r>
+          </a:p>
+          <a:p>
             <a:endParaRPr lang="en-US" dirty="0">
               <a:solidFill>
                 <a:srgbClr val="000000"/>
@@ -15617,6 +14547,18 @@
             <a:r>
               <a:rPr lang="en-US" dirty="0">
                 <a:solidFill>
+                  <a:srgbClr val="0000FF"/>
+                </a:solidFill>
+                <a:highlight>
+                  <a:srgbClr val="FFFFFF"/>
+                </a:highlight>
+                <a:latin typeface="Consolas" panose="020B0609020204030204" pitchFamily="49" charset="0"/>
+              </a:rPr>
+              <a:t>private</a:t>
+            </a:r>
+            <a:r>
+              <a:rPr lang="en-US" dirty="0">
+                <a:solidFill>
                   <a:srgbClr val="000000"/>
                 </a:solidFill>
                 <a:highlight>
@@ -15624,10 +14566,122 @@
                 </a:highlight>
                 <a:latin typeface="Consolas" panose="020B0609020204030204" pitchFamily="49" charset="0"/>
               </a:rPr>
+              <a:t> </a:t>
+            </a:r>
+            <a:r>
+              <a:rPr lang="en-US" dirty="0" err="1">
+                <a:solidFill>
+                  <a:srgbClr val="2B91AF"/>
+                </a:solidFill>
+                <a:highlight>
+                  <a:srgbClr val="FFFFFF"/>
+                </a:highlight>
+                <a:latin typeface="Consolas" panose="020B0609020204030204" pitchFamily="49" charset="0"/>
+              </a:rPr>
+              <a:t>ClientQualification</a:t>
+            </a:r>
+            <a:r>
+              <a:rPr lang="en-US" dirty="0">
+                <a:solidFill>
+                  <a:srgbClr val="000000"/>
+                </a:solidFill>
+                <a:highlight>
+                  <a:srgbClr val="FFFFFF"/>
+                </a:highlight>
+                <a:latin typeface="Consolas" panose="020B0609020204030204" pitchFamily="49" charset="0"/>
+              </a:rPr>
+              <a:t> </a:t>
+            </a:r>
+            <a:r>
+              <a:rPr lang="en-US" dirty="0" err="1">
+                <a:solidFill>
+                  <a:srgbClr val="000000"/>
+                </a:solidFill>
+                <a:highlight>
+                  <a:srgbClr val="FFFFFF"/>
+                </a:highlight>
+                <a:latin typeface="Consolas" panose="020B0609020204030204" pitchFamily="49" charset="0"/>
+              </a:rPr>
+              <a:t>QualifyNewClient</a:t>
+            </a:r>
+            <a:r>
+              <a:rPr lang="en-US" dirty="0">
+                <a:solidFill>
+                  <a:srgbClr val="000000"/>
+                </a:solidFill>
+                <a:highlight>
+                  <a:srgbClr val="FFFFFF"/>
+                </a:highlight>
+                <a:latin typeface="Consolas" panose="020B0609020204030204" pitchFamily="49" charset="0"/>
+              </a:rPr>
+              <a:t>(</a:t>
+            </a:r>
+            <a:r>
+              <a:rPr lang="en-US" dirty="0">
+                <a:solidFill>
+                  <a:srgbClr val="2B91AF"/>
+                </a:solidFill>
+                <a:highlight>
+                  <a:srgbClr val="FFFFFF"/>
+                </a:highlight>
+                <a:latin typeface="Consolas" panose="020B0609020204030204" pitchFamily="49" charset="0"/>
+              </a:rPr>
+              <a:t>Client</a:t>
+            </a:r>
+            <a:r>
+              <a:rPr lang="en-US" dirty="0">
+                <a:solidFill>
+                  <a:srgbClr val="000000"/>
+                </a:solidFill>
+                <a:highlight>
+                  <a:srgbClr val="FFFFFF"/>
+                </a:highlight>
+                <a:latin typeface="Consolas" panose="020B0609020204030204" pitchFamily="49" charset="0"/>
+              </a:rPr>
+              <a:t> c)</a:t>
+            </a:r>
+          </a:p>
+          <a:p>
+            <a:r>
+              <a:rPr lang="en-US" dirty="0">
+                <a:solidFill>
+                  <a:srgbClr val="000000"/>
+                </a:solidFill>
+                <a:highlight>
+                  <a:srgbClr val="FFFFFF"/>
+                </a:highlight>
+                <a:latin typeface="Consolas" panose="020B0609020204030204" pitchFamily="49" charset="0"/>
+              </a:rPr>
+              <a:t>{</a:t>
+            </a:r>
+          </a:p>
+          <a:p>
+            <a:r>
+              <a:rPr lang="en-US" dirty="0">
+                <a:solidFill>
+                  <a:srgbClr val="000000"/>
+                </a:solidFill>
+                <a:highlight>
+                  <a:srgbClr val="FFFFFF"/>
+                </a:highlight>
+                <a:latin typeface="Consolas" panose="020B0609020204030204" pitchFamily="49" charset="0"/>
+              </a:rPr>
               <a:t>    </a:t>
             </a:r>
             <a:r>
-              <a:rPr lang="en-US" dirty="0" err="1" smtClean="0">
+              <a:rPr lang="en-US" dirty="0" err="1">
+                <a:solidFill>
+                  <a:srgbClr val="0000FF"/>
+                </a:solidFill>
+                <a:highlight>
+                  <a:srgbClr val="FFFFFF"/>
+                </a:highlight>
+                <a:latin typeface="Consolas" panose="020B0609020204030204" pitchFamily="49" charset="0"/>
+              </a:rPr>
+              <a:t>var</a:t>
+            </a:r>
+            <a:r>
+              <a:rPr lang="en-US" dirty="0">
                 <a:solidFill>
                   <a:srgbClr val="000000"/>
                 </a:solidFill>
@@ -15636,10 +14690,10 @@
                 </a:highlight>
                 <a:latin typeface="Consolas" panose="020B0609020204030204" pitchFamily="49" charset="0"/>
               </a:rPr>
-              <a:t>NotifyVendorForMailing</a:t>
-            </a:r>
-            <a:r>
-              <a:rPr lang="en-US" dirty="0" smtClean="0">
+              <a:t> </a:t>
+            </a:r>
+            <a:r>
+              <a:rPr lang="en-US" dirty="0" err="1">
                 <a:solidFill>
                   <a:srgbClr val="000000"/>
                 </a:solidFill>
@@ -15648,7 +14702,7 @@
                 </a:highlight>
                 <a:latin typeface="Consolas" panose="020B0609020204030204" pitchFamily="49" charset="0"/>
               </a:rPr>
-              <a:t>(c</a:t>
+              <a:t>qual</a:t>
             </a:r>
             <a:r>
               <a:rPr lang="en-US" dirty="0">
@@ -15660,31 +14714,20 @@
                 </a:highlight>
                 <a:latin typeface="Consolas" panose="020B0609020204030204" pitchFamily="49" charset="0"/>
               </a:rPr>
-              <a:t>); </a:t>
+              <a:t> = </a:t>
             </a:r>
             <a:r>
               <a:rPr lang="en-US" dirty="0">
                 <a:solidFill>
-                  <a:srgbClr val="008000"/>
-                </a:solidFill>
-                <a:highlight>
-                  <a:srgbClr val="FFFFFF"/>
-                </a:highlight>
-                <a:latin typeface="Consolas" panose="020B0609020204030204" pitchFamily="49" charset="0"/>
-              </a:rPr>
-              <a:t>//failure</a:t>
-            </a:r>
-            <a:endParaRPr lang="en-US" dirty="0">
-              <a:solidFill>
-                <a:srgbClr val="000000"/>
-              </a:solidFill>
-              <a:highlight>
-                <a:srgbClr val="FFFFFF"/>
-              </a:highlight>
-              <a:latin typeface="Consolas" panose="020B0609020204030204" pitchFamily="49" charset="0"/>
-            </a:endParaRPr>
-          </a:p>
-          <a:p>
+                  <a:srgbClr val="0000FF"/>
+                </a:solidFill>
+                <a:highlight>
+                  <a:srgbClr val="FFFFFF"/>
+                </a:highlight>
+                <a:latin typeface="Consolas" panose="020B0609020204030204" pitchFamily="49" charset="0"/>
+              </a:rPr>
+              <a:t>new</a:t>
+            </a:r>
             <a:r>
               <a:rPr lang="en-US" dirty="0">
                 <a:solidFill>
@@ -15695,29 +14738,32 @@
                 </a:highlight>
                 <a:latin typeface="Consolas" panose="020B0609020204030204" pitchFamily="49" charset="0"/>
               </a:rPr>
-              <a:t>    SendWelcomeEmail(c); </a:t>
+              <a:t> </a:t>
+            </a:r>
+            <a:r>
+              <a:rPr lang="en-US" dirty="0" err="1">
+                <a:solidFill>
+                  <a:srgbClr val="2B91AF"/>
+                </a:solidFill>
+                <a:highlight>
+                  <a:srgbClr val="FFFFFF"/>
+                </a:highlight>
+                <a:latin typeface="Consolas" panose="020B0609020204030204" pitchFamily="49" charset="0"/>
+              </a:rPr>
+              <a:t>ClientQualification</a:t>
             </a:r>
             <a:r>
               <a:rPr lang="en-US" dirty="0">
                 <a:solidFill>
-                  <a:srgbClr val="008000"/>
-                </a:solidFill>
-                <a:highlight>
-                  <a:srgbClr val="FFFFFF"/>
-                </a:highlight>
-                <a:latin typeface="Consolas" panose="020B0609020204030204" pitchFamily="49" charset="0"/>
-              </a:rPr>
-              <a:t>//failure</a:t>
-            </a:r>
-            <a:endParaRPr lang="en-US" dirty="0">
-              <a:solidFill>
-                <a:srgbClr val="000000"/>
-              </a:solidFill>
-              <a:highlight>
-                <a:srgbClr val="FFFFFF"/>
-              </a:highlight>
-              <a:latin typeface="Consolas" panose="020B0609020204030204" pitchFamily="49" charset="0"/>
-            </a:endParaRPr>
+                  <a:srgbClr val="000000"/>
+                </a:solidFill>
+                <a:highlight>
+                  <a:srgbClr val="FFFFFF"/>
+                </a:highlight>
+                <a:latin typeface="Consolas" panose="020B0609020204030204" pitchFamily="49" charset="0"/>
+              </a:rPr>
+              <a:t>();</a:t>
+            </a:r>
           </a:p>
           <a:p>
             <a:r>
@@ -15735,14 +14781,14 @@
             <a:r>
               <a:rPr lang="en-US" dirty="0" err="1">
                 <a:solidFill>
-                  <a:srgbClr val="0000FF"/>
-                </a:solidFill>
-                <a:highlight>
-                  <a:srgbClr val="FFFFFF"/>
-                </a:highlight>
-                <a:latin typeface="Consolas" panose="020B0609020204030204" pitchFamily="49" charset="0"/>
-              </a:rPr>
-              <a:t>var</a:t>
+                  <a:srgbClr val="000000"/>
+                </a:solidFill>
+                <a:highlight>
+                  <a:srgbClr val="FFFFFF"/>
+                </a:highlight>
+                <a:latin typeface="Consolas" panose="020B0609020204030204" pitchFamily="49" charset="0"/>
+              </a:rPr>
+              <a:t>qual.Weather</a:t>
             </a:r>
             <a:r>
               <a:rPr lang="en-US" dirty="0">
@@ -15754,7 +14800,7 @@
                 </a:highlight>
                 <a:latin typeface="Consolas" panose="020B0609020204030204" pitchFamily="49" charset="0"/>
               </a:rPr>
-              <a:t> </a:t>
+              <a:t> = </a:t>
             </a:r>
             <a:r>
               <a:rPr lang="en-US" dirty="0" err="1">
@@ -15766,7 +14812,7 @@
                 </a:highlight>
                 <a:latin typeface="Consolas" panose="020B0609020204030204" pitchFamily="49" charset="0"/>
               </a:rPr>
-              <a:t>cq</a:t>
+              <a:t>GetWeather</a:t>
             </a:r>
             <a:r>
               <a:rPr lang="en-US" dirty="0">
@@ -15778,20 +14824,72 @@
                 </a:highlight>
                 <a:latin typeface="Consolas" panose="020B0609020204030204" pitchFamily="49" charset="0"/>
               </a:rPr>
+              <a:t>(c);</a:t>
+            </a:r>
+          </a:p>
+          <a:p>
+            <a:r>
+              <a:rPr lang="en-US" dirty="0">
+                <a:solidFill>
+                  <a:srgbClr val="000000"/>
+                </a:solidFill>
+                <a:highlight>
+                  <a:srgbClr val="FFFFFF"/>
+                </a:highlight>
+                <a:latin typeface="Consolas" panose="020B0609020204030204" pitchFamily="49" charset="0"/>
+              </a:rPr>
+              <a:t>    </a:t>
+            </a:r>
+            <a:r>
+              <a:rPr lang="en-US" dirty="0" err="1">
+                <a:solidFill>
+                  <a:srgbClr val="000000"/>
+                </a:solidFill>
+                <a:highlight>
+                  <a:srgbClr val="FFFFFF"/>
+                </a:highlight>
+                <a:latin typeface="Consolas" panose="020B0609020204030204" pitchFamily="49" charset="0"/>
+              </a:rPr>
+              <a:t>qual.FacebookData</a:t>
+            </a:r>
+            <a:r>
+              <a:rPr lang="en-US" dirty="0">
+                <a:solidFill>
+                  <a:srgbClr val="000000"/>
+                </a:solidFill>
+                <a:highlight>
+                  <a:srgbClr val="FFFFFF"/>
+                </a:highlight>
+                <a:latin typeface="Consolas" panose="020B0609020204030204" pitchFamily="49" charset="0"/>
+              </a:rPr>
               <a:t> = </a:t>
             </a:r>
             <a:r>
+              <a:rPr lang="en-US" dirty="0" err="1">
+                <a:solidFill>
+                  <a:srgbClr val="000000"/>
+                </a:solidFill>
+                <a:highlight>
+                  <a:srgbClr val="FFFFFF"/>
+                </a:highlight>
+                <a:latin typeface="Consolas" panose="020B0609020204030204" pitchFamily="49" charset="0"/>
+              </a:rPr>
+              <a:t>GetFaceBookData</a:t>
+            </a:r>
+            <a:r>
               <a:rPr lang="en-US" dirty="0">
                 <a:solidFill>
-                  <a:srgbClr val="0000FF"/>
-                </a:solidFill>
-                <a:highlight>
-                  <a:srgbClr val="FFFFFF"/>
-                </a:highlight>
-                <a:latin typeface="Consolas" panose="020B0609020204030204" pitchFamily="49" charset="0"/>
-              </a:rPr>
-              <a:t>new</a:t>
-            </a:r>
+                  <a:srgbClr val="000000"/>
+                </a:solidFill>
+                <a:highlight>
+                  <a:srgbClr val="FFFFFF"/>
+                </a:highlight>
+                <a:latin typeface="Consolas" panose="020B0609020204030204" pitchFamily="49" charset="0"/>
+              </a:rPr>
+              <a:t>(c);</a:t>
+            </a:r>
+          </a:p>
+          <a:p>
             <a:r>
               <a:rPr lang="en-US" dirty="0">
                 <a:solidFill>
@@ -15802,19 +14900,43 @@
                 </a:highlight>
                 <a:latin typeface="Consolas" panose="020B0609020204030204" pitchFamily="49" charset="0"/>
               </a:rPr>
-              <a:t> </a:t>
+              <a:t>    </a:t>
+            </a:r>
+            <a:r>
+              <a:rPr lang="en-US" dirty="0" err="1">
+                <a:solidFill>
+                  <a:srgbClr val="000000"/>
+                </a:solidFill>
+                <a:highlight>
+                  <a:srgbClr val="FFFFFF"/>
+                </a:highlight>
+                <a:latin typeface="Consolas" panose="020B0609020204030204" pitchFamily="49" charset="0"/>
+              </a:rPr>
+              <a:t>qual.TwitterData</a:t>
             </a:r>
             <a:r>
               <a:rPr lang="en-US" dirty="0">
                 <a:solidFill>
-                  <a:srgbClr val="2B91AF"/>
-                </a:solidFill>
-                <a:highlight>
-                  <a:srgbClr val="FFFFFF"/>
-                </a:highlight>
-                <a:latin typeface="Consolas" panose="020B0609020204030204" pitchFamily="49" charset="0"/>
-              </a:rPr>
-              <a:t>ClientWithQualification</a:t>
+                  <a:srgbClr val="000000"/>
+                </a:solidFill>
+                <a:highlight>
+                  <a:srgbClr val="FFFFFF"/>
+                </a:highlight>
+                <a:latin typeface="Consolas" panose="020B0609020204030204" pitchFamily="49" charset="0"/>
+              </a:rPr>
+              <a:t> = </a:t>
+            </a:r>
+            <a:r>
+              <a:rPr lang="en-US" dirty="0" err="1">
+                <a:solidFill>
+                  <a:srgbClr val="000000"/>
+                </a:solidFill>
+                <a:highlight>
+                  <a:srgbClr val="FFFFFF"/>
+                </a:highlight>
+                <a:latin typeface="Consolas" panose="020B0609020204030204" pitchFamily="49" charset="0"/>
+              </a:rPr>
+              <a:t>GetTwitterData</a:t>
             </a:r>
             <a:r>
               <a:rPr lang="en-US" dirty="0">
@@ -15852,7 +14974,7 @@
                 </a:highlight>
                 <a:latin typeface="Consolas" panose="020B0609020204030204" pitchFamily="49" charset="0"/>
               </a:rPr>
-              <a:t>cq.Qualification</a:t>
+              <a:t>qual.ClosingMetrics</a:t>
             </a:r>
             <a:r>
               <a:rPr lang="en-US" dirty="0">
@@ -15876,7 +14998,7 @@
                 </a:highlight>
                 <a:latin typeface="Consolas" panose="020B0609020204030204" pitchFamily="49" charset="0"/>
               </a:rPr>
-              <a:t>QualifyNewClient</a:t>
+              <a:t>GetClientClosingBIData</a:t>
             </a:r>
             <a:r>
               <a:rPr lang="en-US" dirty="0">
@@ -15888,670 +15010,8 @@
                 </a:highlight>
                 <a:latin typeface="Consolas" panose="020B0609020204030204" pitchFamily="49" charset="0"/>
               </a:rPr>
-              <a:t>(c); </a:t>
-            </a:r>
-            <a:r>
-              <a:rPr lang="en-US" dirty="0">
-                <a:solidFill>
-                  <a:srgbClr val="008000"/>
-                </a:solidFill>
-                <a:highlight>
-                  <a:srgbClr val="FFFFFF"/>
-                </a:highlight>
-                <a:latin typeface="Consolas" panose="020B0609020204030204" pitchFamily="49" charset="0"/>
-              </a:rPr>
-              <a:t>// multiple failures</a:t>
-            </a:r>
-            <a:endParaRPr lang="en-US" dirty="0">
-              <a:solidFill>
-                <a:srgbClr val="000000"/>
-              </a:solidFill>
-              <a:highlight>
-                <a:srgbClr val="FFFFFF"/>
-              </a:highlight>
-              <a:latin typeface="Consolas" panose="020B0609020204030204" pitchFamily="49" charset="0"/>
-            </a:endParaRPr>
-          </a:p>
-          <a:p>
-            <a:r>
-              <a:rPr lang="en-US" dirty="0">
-                <a:solidFill>
-                  <a:srgbClr val="000000"/>
-                </a:solidFill>
-                <a:highlight>
-                  <a:srgbClr val="FFFFFF"/>
-                </a:highlight>
-                <a:latin typeface="Consolas" panose="020B0609020204030204" pitchFamily="49" charset="0"/>
-              </a:rPr>
-              <a:t>    </a:t>
-            </a:r>
-            <a:r>
-              <a:rPr lang="en-US" dirty="0">
-                <a:solidFill>
-                  <a:srgbClr val="0000FF"/>
-                </a:solidFill>
-                <a:highlight>
-                  <a:srgbClr val="FFFFFF"/>
-                </a:highlight>
-                <a:latin typeface="Consolas" panose="020B0609020204030204" pitchFamily="49" charset="0"/>
-              </a:rPr>
-              <a:t>return</a:t>
-            </a:r>
-            <a:r>
-              <a:rPr lang="en-US" dirty="0">
-                <a:solidFill>
-                  <a:srgbClr val="000000"/>
-                </a:solidFill>
-                <a:highlight>
-                  <a:srgbClr val="FFFFFF"/>
-                </a:highlight>
-                <a:latin typeface="Consolas" panose="020B0609020204030204" pitchFamily="49" charset="0"/>
-              </a:rPr>
-              <a:t> </a:t>
-            </a:r>
-            <a:r>
-              <a:rPr lang="en-US" dirty="0" err="1">
-                <a:solidFill>
-                  <a:srgbClr val="000000"/>
-                </a:solidFill>
-                <a:highlight>
-                  <a:srgbClr val="FFFFFF"/>
-                </a:highlight>
-                <a:latin typeface="Consolas" panose="020B0609020204030204" pitchFamily="49" charset="0"/>
-              </a:rPr>
-              <a:t>cq</a:t>
-            </a:r>
-            <a:r>
-              <a:rPr lang="en-US" dirty="0">
-                <a:solidFill>
-                  <a:srgbClr val="000000"/>
-                </a:solidFill>
-                <a:highlight>
-                  <a:srgbClr val="FFFFFF"/>
-                </a:highlight>
-                <a:latin typeface="Consolas" panose="020B0609020204030204" pitchFamily="49" charset="0"/>
-              </a:rPr>
-              <a:t>;</a:t>
-            </a:r>
-          </a:p>
-          <a:p>
-            <a:r>
-              <a:rPr lang="en-US" dirty="0">
-                <a:solidFill>
-                  <a:srgbClr val="000000"/>
-                </a:solidFill>
-                <a:highlight>
-                  <a:srgbClr val="FFFFFF"/>
-                </a:highlight>
-                <a:latin typeface="Consolas" panose="020B0609020204030204" pitchFamily="49" charset="0"/>
-              </a:rPr>
-              <a:t>}</a:t>
-            </a:r>
-          </a:p>
-          <a:p>
-            <a:endParaRPr lang="en-US" dirty="0">
-              <a:solidFill>
-                <a:srgbClr val="000000"/>
-              </a:solidFill>
-              <a:highlight>
-                <a:srgbClr val="FFFFFF"/>
-              </a:highlight>
-              <a:latin typeface="Consolas" panose="020B0609020204030204" pitchFamily="49" charset="0"/>
-            </a:endParaRPr>
-          </a:p>
-          <a:p>
-            <a:r>
-              <a:rPr lang="en-US" dirty="0">
-                <a:solidFill>
-                  <a:srgbClr val="0000FF"/>
-                </a:solidFill>
-                <a:highlight>
-                  <a:srgbClr val="FFFFFF"/>
-                </a:highlight>
-                <a:latin typeface="Consolas" panose="020B0609020204030204" pitchFamily="49" charset="0"/>
-              </a:rPr>
-              <a:t>private</a:t>
-            </a:r>
-            <a:r>
-              <a:rPr lang="en-US" dirty="0">
-                <a:solidFill>
-                  <a:srgbClr val="000000"/>
-                </a:solidFill>
-                <a:highlight>
-                  <a:srgbClr val="FFFFFF"/>
-                </a:highlight>
-                <a:latin typeface="Consolas" panose="020B0609020204030204" pitchFamily="49" charset="0"/>
-              </a:rPr>
-              <a:t> </a:t>
-            </a:r>
-            <a:r>
-              <a:rPr lang="en-US" dirty="0" err="1">
-                <a:solidFill>
-                  <a:srgbClr val="2B91AF"/>
-                </a:solidFill>
-                <a:highlight>
-                  <a:srgbClr val="FFFFFF"/>
-                </a:highlight>
-                <a:latin typeface="Consolas" panose="020B0609020204030204" pitchFamily="49" charset="0"/>
-              </a:rPr>
-              <a:t>ClientQualification</a:t>
-            </a:r>
-            <a:r>
-              <a:rPr lang="en-US" dirty="0">
-                <a:solidFill>
-                  <a:srgbClr val="000000"/>
-                </a:solidFill>
-                <a:highlight>
-                  <a:srgbClr val="FFFFFF"/>
-                </a:highlight>
-                <a:latin typeface="Consolas" panose="020B0609020204030204" pitchFamily="49" charset="0"/>
-              </a:rPr>
-              <a:t> </a:t>
-            </a:r>
-            <a:r>
-              <a:rPr lang="en-US" dirty="0" err="1">
-                <a:solidFill>
-                  <a:srgbClr val="000000"/>
-                </a:solidFill>
-                <a:highlight>
-                  <a:srgbClr val="FFFFFF"/>
-                </a:highlight>
-                <a:latin typeface="Consolas" panose="020B0609020204030204" pitchFamily="49" charset="0"/>
-              </a:rPr>
-              <a:t>QualifyNewClient</a:t>
-            </a:r>
-            <a:r>
-              <a:rPr lang="en-US" dirty="0">
-                <a:solidFill>
-                  <a:srgbClr val="000000"/>
-                </a:solidFill>
-                <a:highlight>
-                  <a:srgbClr val="FFFFFF"/>
-                </a:highlight>
-                <a:latin typeface="Consolas" panose="020B0609020204030204" pitchFamily="49" charset="0"/>
-              </a:rPr>
-              <a:t>(</a:t>
-            </a:r>
-            <a:r>
-              <a:rPr lang="en-US" dirty="0">
-                <a:solidFill>
-                  <a:srgbClr val="2B91AF"/>
-                </a:solidFill>
-                <a:highlight>
-                  <a:srgbClr val="FFFFFF"/>
-                </a:highlight>
-                <a:latin typeface="Consolas" panose="020B0609020204030204" pitchFamily="49" charset="0"/>
-              </a:rPr>
-              <a:t>Client</a:t>
-            </a:r>
-            <a:r>
-              <a:rPr lang="en-US" dirty="0">
-                <a:solidFill>
-                  <a:srgbClr val="000000"/>
-                </a:solidFill>
-                <a:highlight>
-                  <a:srgbClr val="FFFFFF"/>
-                </a:highlight>
-                <a:latin typeface="Consolas" panose="020B0609020204030204" pitchFamily="49" charset="0"/>
-              </a:rPr>
-              <a:t> c)</a:t>
-            </a:r>
-          </a:p>
-          <a:p>
-            <a:r>
-              <a:rPr lang="en-US" dirty="0">
-                <a:solidFill>
-                  <a:srgbClr val="000000"/>
-                </a:solidFill>
-                <a:highlight>
-                  <a:srgbClr val="FFFFFF"/>
-                </a:highlight>
-                <a:latin typeface="Consolas" panose="020B0609020204030204" pitchFamily="49" charset="0"/>
-              </a:rPr>
-              <a:t>{</a:t>
-            </a:r>
-          </a:p>
-          <a:p>
-            <a:r>
-              <a:rPr lang="en-US" dirty="0">
-                <a:solidFill>
-                  <a:srgbClr val="000000"/>
-                </a:solidFill>
-                <a:highlight>
-                  <a:srgbClr val="FFFFFF"/>
-                </a:highlight>
-                <a:latin typeface="Consolas" panose="020B0609020204030204" pitchFamily="49" charset="0"/>
-              </a:rPr>
-              <a:t>    </a:t>
-            </a:r>
-            <a:r>
-              <a:rPr lang="en-US" dirty="0" err="1">
-                <a:solidFill>
-                  <a:srgbClr val="0000FF"/>
-                </a:solidFill>
-                <a:highlight>
-                  <a:srgbClr val="FFFFFF"/>
-                </a:highlight>
-                <a:latin typeface="Consolas" panose="020B0609020204030204" pitchFamily="49" charset="0"/>
-              </a:rPr>
-              <a:t>var</a:t>
-            </a:r>
-            <a:r>
-              <a:rPr lang="en-US" dirty="0">
-                <a:solidFill>
-                  <a:srgbClr val="000000"/>
-                </a:solidFill>
-                <a:highlight>
-                  <a:srgbClr val="FFFFFF"/>
-                </a:highlight>
-                <a:latin typeface="Consolas" panose="020B0609020204030204" pitchFamily="49" charset="0"/>
-              </a:rPr>
-              <a:t> </a:t>
-            </a:r>
-            <a:r>
-              <a:rPr lang="en-US" dirty="0" err="1">
-                <a:solidFill>
-                  <a:srgbClr val="000000"/>
-                </a:solidFill>
-                <a:highlight>
-                  <a:srgbClr val="FFFFFF"/>
-                </a:highlight>
-                <a:latin typeface="Consolas" panose="020B0609020204030204" pitchFamily="49" charset="0"/>
-              </a:rPr>
-              <a:t>qual</a:t>
-            </a:r>
-            <a:r>
-              <a:rPr lang="en-US" dirty="0">
-                <a:solidFill>
-                  <a:srgbClr val="000000"/>
-                </a:solidFill>
-                <a:highlight>
-                  <a:srgbClr val="FFFFFF"/>
-                </a:highlight>
-                <a:latin typeface="Consolas" panose="020B0609020204030204" pitchFamily="49" charset="0"/>
-              </a:rPr>
-              <a:t> = </a:t>
-            </a:r>
-            <a:r>
-              <a:rPr lang="en-US" dirty="0">
-                <a:solidFill>
-                  <a:srgbClr val="0000FF"/>
-                </a:solidFill>
-                <a:highlight>
-                  <a:srgbClr val="FFFFFF"/>
-                </a:highlight>
-                <a:latin typeface="Consolas" panose="020B0609020204030204" pitchFamily="49" charset="0"/>
-              </a:rPr>
-              <a:t>new</a:t>
-            </a:r>
-            <a:r>
-              <a:rPr lang="en-US" dirty="0">
-                <a:solidFill>
-                  <a:srgbClr val="000000"/>
-                </a:solidFill>
-                <a:highlight>
-                  <a:srgbClr val="FFFFFF"/>
-                </a:highlight>
-                <a:latin typeface="Consolas" panose="020B0609020204030204" pitchFamily="49" charset="0"/>
-              </a:rPr>
-              <a:t> </a:t>
-            </a:r>
-            <a:r>
-              <a:rPr lang="en-US" dirty="0" err="1">
-                <a:solidFill>
-                  <a:srgbClr val="2B91AF"/>
-                </a:solidFill>
-                <a:highlight>
-                  <a:srgbClr val="FFFFFF"/>
-                </a:highlight>
-                <a:latin typeface="Consolas" panose="020B0609020204030204" pitchFamily="49" charset="0"/>
-              </a:rPr>
-              <a:t>ClientQualification</a:t>
-            </a:r>
-            <a:r>
-              <a:rPr lang="en-US" dirty="0">
-                <a:solidFill>
-                  <a:srgbClr val="000000"/>
-                </a:solidFill>
-                <a:highlight>
-                  <a:srgbClr val="FFFFFF"/>
-                </a:highlight>
-                <a:latin typeface="Consolas" panose="020B0609020204030204" pitchFamily="49" charset="0"/>
-              </a:rPr>
-              <a:t>();</a:t>
-            </a:r>
-          </a:p>
-          <a:p>
-            <a:r>
-              <a:rPr lang="en-US" dirty="0">
-                <a:solidFill>
-                  <a:srgbClr val="000000"/>
-                </a:solidFill>
-                <a:highlight>
-                  <a:srgbClr val="FFFFFF"/>
-                </a:highlight>
-                <a:latin typeface="Consolas" panose="020B0609020204030204" pitchFamily="49" charset="0"/>
-              </a:rPr>
-              <a:t>    </a:t>
-            </a:r>
-            <a:r>
-              <a:rPr lang="en-US" dirty="0" err="1">
-                <a:solidFill>
-                  <a:srgbClr val="000000"/>
-                </a:solidFill>
-                <a:highlight>
-                  <a:srgbClr val="FFFFFF"/>
-                </a:highlight>
-                <a:latin typeface="Consolas" panose="020B0609020204030204" pitchFamily="49" charset="0"/>
-              </a:rPr>
-              <a:t>qual.Weather</a:t>
-            </a:r>
-            <a:r>
-              <a:rPr lang="en-US" dirty="0">
-                <a:solidFill>
-                  <a:srgbClr val="000000"/>
-                </a:solidFill>
-                <a:highlight>
-                  <a:srgbClr val="FFFFFF"/>
-                </a:highlight>
-                <a:latin typeface="Consolas" panose="020B0609020204030204" pitchFamily="49" charset="0"/>
-              </a:rPr>
-              <a:t> = </a:t>
-            </a:r>
-            <a:r>
-              <a:rPr lang="en-US" dirty="0" err="1">
-                <a:solidFill>
-                  <a:srgbClr val="000000"/>
-                </a:solidFill>
-                <a:highlight>
-                  <a:srgbClr val="FFFFFF"/>
-                </a:highlight>
-                <a:latin typeface="Consolas" panose="020B0609020204030204" pitchFamily="49" charset="0"/>
-              </a:rPr>
-              <a:t>GetWeather</a:t>
-            </a:r>
-            <a:r>
-              <a:rPr lang="en-US" dirty="0">
-                <a:solidFill>
-                  <a:srgbClr val="000000"/>
-                </a:solidFill>
-                <a:highlight>
-                  <a:srgbClr val="FFFFFF"/>
-                </a:highlight>
-                <a:latin typeface="Consolas" panose="020B0609020204030204" pitchFamily="49" charset="0"/>
-              </a:rPr>
-              <a:t>(c); </a:t>
-            </a:r>
-            <a:r>
-              <a:rPr lang="en-US" dirty="0">
-                <a:solidFill>
-                  <a:srgbClr val="008000"/>
-                </a:solidFill>
-                <a:highlight>
-                  <a:srgbClr val="FFFFFF"/>
-                </a:highlight>
-                <a:latin typeface="Consolas" panose="020B0609020204030204" pitchFamily="49" charset="0"/>
-              </a:rPr>
-              <a:t>//failure</a:t>
-            </a:r>
-            <a:endParaRPr lang="en-US" dirty="0">
-              <a:solidFill>
-                <a:srgbClr val="000000"/>
-              </a:solidFill>
-              <a:highlight>
-                <a:srgbClr val="FFFFFF"/>
-              </a:highlight>
-              <a:latin typeface="Consolas" panose="020B0609020204030204" pitchFamily="49" charset="0"/>
-            </a:endParaRPr>
-          </a:p>
-          <a:p>
-            <a:r>
-              <a:rPr lang="en-US" dirty="0">
-                <a:solidFill>
-                  <a:srgbClr val="000000"/>
-                </a:solidFill>
-                <a:highlight>
-                  <a:srgbClr val="FFFFFF"/>
-                </a:highlight>
-                <a:latin typeface="Consolas" panose="020B0609020204030204" pitchFamily="49" charset="0"/>
-              </a:rPr>
-              <a:t>    </a:t>
-            </a:r>
-            <a:r>
-              <a:rPr lang="en-US" dirty="0" err="1">
-                <a:solidFill>
-                  <a:srgbClr val="000000"/>
-                </a:solidFill>
-                <a:highlight>
-                  <a:srgbClr val="FFFFFF"/>
-                </a:highlight>
-                <a:latin typeface="Consolas" panose="020B0609020204030204" pitchFamily="49" charset="0"/>
-              </a:rPr>
-              <a:t>qual.FacebookData</a:t>
-            </a:r>
-            <a:r>
-              <a:rPr lang="en-US" dirty="0">
-                <a:solidFill>
-                  <a:srgbClr val="000000"/>
-                </a:solidFill>
-                <a:highlight>
-                  <a:srgbClr val="FFFFFF"/>
-                </a:highlight>
-                <a:latin typeface="Consolas" panose="020B0609020204030204" pitchFamily="49" charset="0"/>
-              </a:rPr>
-              <a:t> = </a:t>
-            </a:r>
-            <a:r>
-              <a:rPr lang="en-US" dirty="0" err="1">
-                <a:solidFill>
-                  <a:srgbClr val="000000"/>
-                </a:solidFill>
-                <a:highlight>
-                  <a:srgbClr val="FFFFFF"/>
-                </a:highlight>
-                <a:latin typeface="Consolas" panose="020B0609020204030204" pitchFamily="49" charset="0"/>
-              </a:rPr>
-              <a:t>GetFaceBookData</a:t>
-            </a:r>
-            <a:r>
-              <a:rPr lang="en-US" dirty="0">
-                <a:solidFill>
-                  <a:srgbClr val="000000"/>
-                </a:solidFill>
-                <a:highlight>
-                  <a:srgbClr val="FFFFFF"/>
-                </a:highlight>
-                <a:latin typeface="Consolas" panose="020B0609020204030204" pitchFamily="49" charset="0"/>
-              </a:rPr>
-              <a:t>(c); </a:t>
-            </a:r>
-            <a:r>
-              <a:rPr lang="en-US" dirty="0">
-                <a:solidFill>
-                  <a:srgbClr val="008000"/>
-                </a:solidFill>
-                <a:highlight>
-                  <a:srgbClr val="FFFFFF"/>
-                </a:highlight>
-                <a:latin typeface="Consolas" panose="020B0609020204030204" pitchFamily="49" charset="0"/>
-              </a:rPr>
-              <a:t>//failure</a:t>
-            </a:r>
-            <a:endParaRPr lang="en-US" dirty="0">
-              <a:solidFill>
-                <a:srgbClr val="000000"/>
-              </a:solidFill>
-              <a:highlight>
-                <a:srgbClr val="FFFFFF"/>
-              </a:highlight>
-              <a:latin typeface="Consolas" panose="020B0609020204030204" pitchFamily="49" charset="0"/>
-            </a:endParaRPr>
-          </a:p>
-          <a:p>
-            <a:r>
-              <a:rPr lang="en-US" dirty="0">
-                <a:solidFill>
-                  <a:srgbClr val="000000"/>
-                </a:solidFill>
-                <a:highlight>
-                  <a:srgbClr val="FFFFFF"/>
-                </a:highlight>
-                <a:latin typeface="Consolas" panose="020B0609020204030204" pitchFamily="49" charset="0"/>
-              </a:rPr>
-              <a:t>    </a:t>
-            </a:r>
-            <a:r>
-              <a:rPr lang="en-US" dirty="0" err="1">
-                <a:solidFill>
-                  <a:srgbClr val="000000"/>
-                </a:solidFill>
-                <a:highlight>
-                  <a:srgbClr val="FFFFFF"/>
-                </a:highlight>
-                <a:latin typeface="Consolas" panose="020B0609020204030204" pitchFamily="49" charset="0"/>
-              </a:rPr>
-              <a:t>qual.TwitterData</a:t>
-            </a:r>
-            <a:r>
-              <a:rPr lang="en-US" dirty="0">
-                <a:solidFill>
-                  <a:srgbClr val="000000"/>
-                </a:solidFill>
-                <a:highlight>
-                  <a:srgbClr val="FFFFFF"/>
-                </a:highlight>
-                <a:latin typeface="Consolas" panose="020B0609020204030204" pitchFamily="49" charset="0"/>
-              </a:rPr>
-              <a:t> = </a:t>
-            </a:r>
-            <a:r>
-              <a:rPr lang="en-US" dirty="0" err="1">
-                <a:solidFill>
-                  <a:srgbClr val="000000"/>
-                </a:solidFill>
-                <a:highlight>
-                  <a:srgbClr val="FFFFFF"/>
-                </a:highlight>
-                <a:latin typeface="Consolas" panose="020B0609020204030204" pitchFamily="49" charset="0"/>
-              </a:rPr>
-              <a:t>GetTwitterData</a:t>
-            </a:r>
-            <a:r>
-              <a:rPr lang="en-US" dirty="0">
-                <a:solidFill>
-                  <a:srgbClr val="000000"/>
-                </a:solidFill>
-                <a:highlight>
-                  <a:srgbClr val="FFFFFF"/>
-                </a:highlight>
-                <a:latin typeface="Consolas" panose="020B0609020204030204" pitchFamily="49" charset="0"/>
-              </a:rPr>
-              <a:t>(c); </a:t>
-            </a:r>
-            <a:r>
-              <a:rPr lang="en-US" dirty="0">
-                <a:solidFill>
-                  <a:srgbClr val="008000"/>
-                </a:solidFill>
-                <a:highlight>
-                  <a:srgbClr val="FFFFFF"/>
-                </a:highlight>
-                <a:latin typeface="Consolas" panose="020B0609020204030204" pitchFamily="49" charset="0"/>
-              </a:rPr>
-              <a:t>//failure</a:t>
-            </a:r>
-            <a:endParaRPr lang="en-US" dirty="0">
-              <a:solidFill>
-                <a:srgbClr val="000000"/>
-              </a:solidFill>
-              <a:highlight>
-                <a:srgbClr val="FFFFFF"/>
-              </a:highlight>
-              <a:latin typeface="Consolas" panose="020B0609020204030204" pitchFamily="49" charset="0"/>
-            </a:endParaRPr>
-          </a:p>
-          <a:p>
-            <a:r>
-              <a:rPr lang="en-US" dirty="0">
-                <a:solidFill>
-                  <a:srgbClr val="000000"/>
-                </a:solidFill>
-                <a:highlight>
-                  <a:srgbClr val="FFFFFF"/>
-                </a:highlight>
-                <a:latin typeface="Consolas" panose="020B0609020204030204" pitchFamily="49" charset="0"/>
-              </a:rPr>
-              <a:t>    </a:t>
-            </a:r>
-            <a:r>
-              <a:rPr lang="en-US" dirty="0" err="1">
-                <a:solidFill>
-                  <a:srgbClr val="000000"/>
-                </a:solidFill>
-                <a:highlight>
-                  <a:srgbClr val="FFFFFF"/>
-                </a:highlight>
-                <a:latin typeface="Consolas" panose="020B0609020204030204" pitchFamily="49" charset="0"/>
-              </a:rPr>
-              <a:t>qual.ClosingMetrics</a:t>
-            </a:r>
-            <a:r>
-              <a:rPr lang="en-US" dirty="0">
-                <a:solidFill>
-                  <a:srgbClr val="000000"/>
-                </a:solidFill>
-                <a:highlight>
-                  <a:srgbClr val="FFFFFF"/>
-                </a:highlight>
-                <a:latin typeface="Consolas" panose="020B0609020204030204" pitchFamily="49" charset="0"/>
-              </a:rPr>
-              <a:t> = </a:t>
-            </a:r>
-            <a:r>
-              <a:rPr lang="en-US" dirty="0" err="1">
-                <a:solidFill>
-                  <a:srgbClr val="000000"/>
-                </a:solidFill>
-                <a:highlight>
-                  <a:srgbClr val="FFFFFF"/>
-                </a:highlight>
-                <a:latin typeface="Consolas" panose="020B0609020204030204" pitchFamily="49" charset="0"/>
-              </a:rPr>
-              <a:t>GetClientClosingBIData</a:t>
-            </a:r>
-            <a:r>
-              <a:rPr lang="en-US" dirty="0">
-                <a:solidFill>
-                  <a:srgbClr val="000000"/>
-                </a:solidFill>
-                <a:highlight>
-                  <a:srgbClr val="FFFFFF"/>
-                </a:highlight>
-                <a:latin typeface="Consolas" panose="020B0609020204030204" pitchFamily="49" charset="0"/>
-              </a:rPr>
-              <a:t>(c); </a:t>
-            </a:r>
-            <a:r>
-              <a:rPr lang="en-US" dirty="0">
-                <a:solidFill>
-                  <a:srgbClr val="008000"/>
-                </a:solidFill>
-                <a:highlight>
-                  <a:srgbClr val="FFFFFF"/>
-                </a:highlight>
-                <a:latin typeface="Consolas" panose="020B0609020204030204" pitchFamily="49" charset="0"/>
-              </a:rPr>
-              <a:t>//failure</a:t>
-            </a:r>
-            <a:endParaRPr lang="en-US" dirty="0">
-              <a:solidFill>
-                <a:srgbClr val="000000"/>
-              </a:solidFill>
-              <a:highlight>
-                <a:srgbClr val="FFFFFF"/>
-              </a:highlight>
-              <a:latin typeface="Consolas" panose="020B0609020204030204" pitchFamily="49" charset="0"/>
-            </a:endParaRPr>
+              <a:t>(c);</a:t>
+            </a:r>
           </a:p>
           <a:p>
             <a:r>
@@ -16635,7 +15095,7 @@
     </p:spTree>
     <p:extLst>
       <p:ext uri="{BB962C8B-B14F-4D97-AF65-F5344CB8AC3E}">
-        <p14:creationId xmlns:p14="http://schemas.microsoft.com/office/powerpoint/2010/main" val="901158484"/>
+        <p14:creationId xmlns:p14="http://schemas.microsoft.com/office/powerpoint/2010/main" val="1118437811"/>
       </p:ext>
     </p:extLst>
   </p:cSld>
@@ -16671,63 +15131,1161 @@
       </p:grpSpPr>
       <p:sp>
         <p:nvSpPr>
-          <p:cNvPr id="2" name="Title 1"/>
-          <p:cNvSpPr>
-            <a:spLocks noGrp="1"/>
-          </p:cNvSpPr>
-          <p:nvPr>
-            <p:ph type="title"/>
-          </p:nvPr>
-        </p:nvSpPr>
-        <p:spPr/>
-        <p:txBody>
-          <a:bodyPr/>
+          <p:cNvPr id="2" name="Rectangle 1"/>
+          <p:cNvSpPr/>
+          <p:nvPr/>
+        </p:nvSpPr>
+        <p:spPr>
+          <a:xfrm>
+            <a:off x="339366" y="691909"/>
+            <a:ext cx="8583105" cy="5355312"/>
+          </a:xfrm>
+          <a:prstGeom prst="rect">
+            <a:avLst/>
+          </a:prstGeom>
+        </p:spPr>
+        <p:txBody>
+          <a:bodyPr wrap="square">
+            <a:spAutoFit/>
+          </a:bodyPr>
           <a:lstStyle/>
           <a:p>
             <a:r>
-              <a:rPr lang="en-US" dirty="0" smtClean="0"/>
-              <a:t>Problems</a:t>
-            </a:r>
-            <a:endParaRPr lang="en-US" dirty="0"/>
-          </a:p>
-        </p:txBody>
-      </p:sp>
-      <p:sp>
-        <p:nvSpPr>
-          <p:cNvPr id="3" name="Content Placeholder 2"/>
-          <p:cNvSpPr>
-            <a:spLocks noGrp="1"/>
-          </p:cNvSpPr>
-          <p:nvPr>
-            <p:ph idx="1"/>
-          </p:nvPr>
-        </p:nvSpPr>
-        <p:spPr/>
-        <p:txBody>
-          <a:bodyPr/>
-          <a:lstStyle/>
-          <a:p>
-            <a:r>
-              <a:rPr lang="en-US" dirty="0" smtClean="0"/>
-              <a:t>Failure is inevitable</a:t>
-            </a:r>
-          </a:p>
-          <a:p>
-            <a:r>
-              <a:rPr lang="en-US" dirty="0" smtClean="0"/>
-              <a:t>Crossing boundaries</a:t>
-            </a:r>
-          </a:p>
-          <a:p>
-            <a:r>
-              <a:rPr lang="en-US" dirty="0" smtClean="0"/>
-              <a:t>Http isn’t a transactional protocol</a:t>
-            </a:r>
-          </a:p>
-          <a:p>
-            <a:r>
-              <a:rPr lang="en-US" dirty="0" smtClean="0"/>
-              <a:t>Recovery</a:t>
+              <a:rPr lang="en-US" dirty="0">
+                <a:solidFill>
+                  <a:srgbClr val="0000FF"/>
+                </a:solidFill>
+                <a:highlight>
+                  <a:srgbClr val="FFFFFF"/>
+                </a:highlight>
+                <a:latin typeface="Consolas" panose="020B0609020204030204" pitchFamily="49" charset="0"/>
+              </a:rPr>
+              <a:t>public</a:t>
+            </a:r>
+            <a:r>
+              <a:rPr lang="en-US" dirty="0">
+                <a:solidFill>
+                  <a:srgbClr val="000000"/>
+                </a:solidFill>
+                <a:highlight>
+                  <a:srgbClr val="FFFFFF"/>
+                </a:highlight>
+                <a:latin typeface="Consolas" panose="020B0609020204030204" pitchFamily="49" charset="0"/>
+              </a:rPr>
+              <a:t> </a:t>
+            </a:r>
+            <a:r>
+              <a:rPr lang="en-US" dirty="0">
+                <a:solidFill>
+                  <a:srgbClr val="2B91AF"/>
+                </a:solidFill>
+                <a:highlight>
+                  <a:srgbClr val="FFFFFF"/>
+                </a:highlight>
+                <a:latin typeface="Consolas" panose="020B0609020204030204" pitchFamily="49" charset="0"/>
+              </a:rPr>
+              <a:t>ClientWithQualification</a:t>
+            </a:r>
+            <a:r>
+              <a:rPr lang="en-US" dirty="0">
+                <a:solidFill>
+                  <a:srgbClr val="000000"/>
+                </a:solidFill>
+                <a:highlight>
+                  <a:srgbClr val="FFFFFF"/>
+                </a:highlight>
+                <a:latin typeface="Consolas" panose="020B0609020204030204" pitchFamily="49" charset="0"/>
+              </a:rPr>
+              <a:t> SaveClient(</a:t>
+            </a:r>
+            <a:r>
+              <a:rPr lang="en-US" dirty="0">
+                <a:solidFill>
+                  <a:srgbClr val="2B91AF"/>
+                </a:solidFill>
+                <a:highlight>
+                  <a:srgbClr val="FFFFFF"/>
+                </a:highlight>
+                <a:latin typeface="Consolas" panose="020B0609020204030204" pitchFamily="49" charset="0"/>
+              </a:rPr>
+              <a:t>Client</a:t>
+            </a:r>
+            <a:r>
+              <a:rPr lang="en-US" dirty="0">
+                <a:solidFill>
+                  <a:srgbClr val="000000"/>
+                </a:solidFill>
+                <a:highlight>
+                  <a:srgbClr val="FFFFFF"/>
+                </a:highlight>
+                <a:latin typeface="Consolas" panose="020B0609020204030204" pitchFamily="49" charset="0"/>
+              </a:rPr>
+              <a:t> c)</a:t>
+            </a:r>
+          </a:p>
+          <a:p>
+            <a:r>
+              <a:rPr lang="en-US" dirty="0">
+                <a:solidFill>
+                  <a:srgbClr val="000000"/>
+                </a:solidFill>
+                <a:highlight>
+                  <a:srgbClr val="FFFFFF"/>
+                </a:highlight>
+                <a:latin typeface="Consolas" panose="020B0609020204030204" pitchFamily="49" charset="0"/>
+              </a:rPr>
+              <a:t>{</a:t>
+            </a:r>
+          </a:p>
+          <a:p>
+            <a:r>
+              <a:rPr lang="en-US" dirty="0">
+                <a:solidFill>
+                  <a:srgbClr val="000000"/>
+                </a:solidFill>
+                <a:highlight>
+                  <a:srgbClr val="FFFFFF"/>
+                </a:highlight>
+                <a:latin typeface="Consolas" panose="020B0609020204030204" pitchFamily="49" charset="0"/>
+              </a:rPr>
+              <a:t>    SaveToDatabase(c); </a:t>
+            </a:r>
+            <a:r>
+              <a:rPr lang="en-US" dirty="0">
+                <a:solidFill>
+                  <a:srgbClr val="008000"/>
+                </a:solidFill>
+                <a:highlight>
+                  <a:srgbClr val="FFFFFF"/>
+                </a:highlight>
+                <a:latin typeface="Consolas" panose="020B0609020204030204" pitchFamily="49" charset="0"/>
+              </a:rPr>
+              <a:t>//failure</a:t>
+            </a:r>
+            <a:endParaRPr lang="en-US" dirty="0">
+              <a:solidFill>
+                <a:srgbClr val="000000"/>
+              </a:solidFill>
+              <a:highlight>
+                <a:srgbClr val="FFFFFF"/>
+              </a:highlight>
+              <a:latin typeface="Consolas" panose="020B0609020204030204" pitchFamily="49" charset="0"/>
+            </a:endParaRPr>
+          </a:p>
+          <a:p>
+            <a:r>
+              <a:rPr lang="en-US" dirty="0">
+                <a:solidFill>
+                  <a:srgbClr val="000000"/>
+                </a:solidFill>
+                <a:highlight>
+                  <a:srgbClr val="FFFFFF"/>
+                </a:highlight>
+                <a:latin typeface="Consolas" panose="020B0609020204030204" pitchFamily="49" charset="0"/>
+              </a:rPr>
+              <a:t>    </a:t>
+            </a:r>
+            <a:r>
+              <a:rPr lang="en-US" dirty="0" err="1" smtClean="0">
+                <a:solidFill>
+                  <a:srgbClr val="000000"/>
+                </a:solidFill>
+                <a:highlight>
+                  <a:srgbClr val="FFFFFF"/>
+                </a:highlight>
+                <a:latin typeface="Consolas" panose="020B0609020204030204" pitchFamily="49" charset="0"/>
+              </a:rPr>
+              <a:t>NotifyVendorForMailing</a:t>
+            </a:r>
+            <a:r>
+              <a:rPr lang="en-US" dirty="0" smtClean="0">
+                <a:solidFill>
+                  <a:srgbClr val="000000"/>
+                </a:solidFill>
+                <a:highlight>
+                  <a:srgbClr val="FFFFFF"/>
+                </a:highlight>
+                <a:latin typeface="Consolas" panose="020B0609020204030204" pitchFamily="49" charset="0"/>
+              </a:rPr>
+              <a:t>(c</a:t>
+            </a:r>
+            <a:r>
+              <a:rPr lang="en-US" dirty="0">
+                <a:solidFill>
+                  <a:srgbClr val="000000"/>
+                </a:solidFill>
+                <a:highlight>
+                  <a:srgbClr val="FFFFFF"/>
+                </a:highlight>
+                <a:latin typeface="Consolas" panose="020B0609020204030204" pitchFamily="49" charset="0"/>
+              </a:rPr>
+              <a:t>); </a:t>
+            </a:r>
+            <a:r>
+              <a:rPr lang="en-US" dirty="0">
+                <a:solidFill>
+                  <a:srgbClr val="008000"/>
+                </a:solidFill>
+                <a:highlight>
+                  <a:srgbClr val="FFFFFF"/>
+                </a:highlight>
+                <a:latin typeface="Consolas" panose="020B0609020204030204" pitchFamily="49" charset="0"/>
+              </a:rPr>
+              <a:t>//failure</a:t>
+            </a:r>
+            <a:endParaRPr lang="en-US" dirty="0">
+              <a:solidFill>
+                <a:srgbClr val="000000"/>
+              </a:solidFill>
+              <a:highlight>
+                <a:srgbClr val="FFFFFF"/>
+              </a:highlight>
+              <a:latin typeface="Consolas" panose="020B0609020204030204" pitchFamily="49" charset="0"/>
+            </a:endParaRPr>
+          </a:p>
+          <a:p>
+            <a:r>
+              <a:rPr lang="en-US" dirty="0">
+                <a:solidFill>
+                  <a:srgbClr val="000000"/>
+                </a:solidFill>
+                <a:highlight>
+                  <a:srgbClr val="FFFFFF"/>
+                </a:highlight>
+                <a:latin typeface="Consolas" panose="020B0609020204030204" pitchFamily="49" charset="0"/>
+              </a:rPr>
+              <a:t>    SendWelcomeEmail(c); </a:t>
+            </a:r>
+            <a:r>
+              <a:rPr lang="en-US" dirty="0">
+                <a:solidFill>
+                  <a:srgbClr val="008000"/>
+                </a:solidFill>
+                <a:highlight>
+                  <a:srgbClr val="FFFFFF"/>
+                </a:highlight>
+                <a:latin typeface="Consolas" panose="020B0609020204030204" pitchFamily="49" charset="0"/>
+              </a:rPr>
+              <a:t>//failure</a:t>
+            </a:r>
+            <a:endParaRPr lang="en-US" dirty="0">
+              <a:solidFill>
+                <a:srgbClr val="000000"/>
+              </a:solidFill>
+              <a:highlight>
+                <a:srgbClr val="FFFFFF"/>
+              </a:highlight>
+              <a:latin typeface="Consolas" panose="020B0609020204030204" pitchFamily="49" charset="0"/>
+            </a:endParaRPr>
+          </a:p>
+          <a:p>
+            <a:r>
+              <a:rPr lang="en-US" dirty="0">
+                <a:solidFill>
+                  <a:srgbClr val="000000"/>
+                </a:solidFill>
+                <a:highlight>
+                  <a:srgbClr val="FFFFFF"/>
+                </a:highlight>
+                <a:latin typeface="Consolas" panose="020B0609020204030204" pitchFamily="49" charset="0"/>
+              </a:rPr>
+              <a:t>    </a:t>
+            </a:r>
+            <a:r>
+              <a:rPr lang="en-US" dirty="0" err="1">
+                <a:solidFill>
+                  <a:srgbClr val="0000FF"/>
+                </a:solidFill>
+                <a:highlight>
+                  <a:srgbClr val="FFFFFF"/>
+                </a:highlight>
+                <a:latin typeface="Consolas" panose="020B0609020204030204" pitchFamily="49" charset="0"/>
+              </a:rPr>
+              <a:t>var</a:t>
+            </a:r>
+            <a:r>
+              <a:rPr lang="en-US" dirty="0">
+                <a:solidFill>
+                  <a:srgbClr val="000000"/>
+                </a:solidFill>
+                <a:highlight>
+                  <a:srgbClr val="FFFFFF"/>
+                </a:highlight>
+                <a:latin typeface="Consolas" panose="020B0609020204030204" pitchFamily="49" charset="0"/>
+              </a:rPr>
+              <a:t> </a:t>
+            </a:r>
+            <a:r>
+              <a:rPr lang="en-US" dirty="0" err="1">
+                <a:solidFill>
+                  <a:srgbClr val="000000"/>
+                </a:solidFill>
+                <a:highlight>
+                  <a:srgbClr val="FFFFFF"/>
+                </a:highlight>
+                <a:latin typeface="Consolas" panose="020B0609020204030204" pitchFamily="49" charset="0"/>
+              </a:rPr>
+              <a:t>cq</a:t>
+            </a:r>
+            <a:r>
+              <a:rPr lang="en-US" dirty="0">
+                <a:solidFill>
+                  <a:srgbClr val="000000"/>
+                </a:solidFill>
+                <a:highlight>
+                  <a:srgbClr val="FFFFFF"/>
+                </a:highlight>
+                <a:latin typeface="Consolas" panose="020B0609020204030204" pitchFamily="49" charset="0"/>
+              </a:rPr>
+              <a:t> = </a:t>
+            </a:r>
+            <a:r>
+              <a:rPr lang="en-US" dirty="0">
+                <a:solidFill>
+                  <a:srgbClr val="0000FF"/>
+                </a:solidFill>
+                <a:highlight>
+                  <a:srgbClr val="FFFFFF"/>
+                </a:highlight>
+                <a:latin typeface="Consolas" panose="020B0609020204030204" pitchFamily="49" charset="0"/>
+              </a:rPr>
+              <a:t>new</a:t>
+            </a:r>
+            <a:r>
+              <a:rPr lang="en-US" dirty="0">
+                <a:solidFill>
+                  <a:srgbClr val="000000"/>
+                </a:solidFill>
+                <a:highlight>
+                  <a:srgbClr val="FFFFFF"/>
+                </a:highlight>
+                <a:latin typeface="Consolas" panose="020B0609020204030204" pitchFamily="49" charset="0"/>
+              </a:rPr>
+              <a:t> </a:t>
+            </a:r>
+            <a:r>
+              <a:rPr lang="en-US" dirty="0">
+                <a:solidFill>
+                  <a:srgbClr val="2B91AF"/>
+                </a:solidFill>
+                <a:highlight>
+                  <a:srgbClr val="FFFFFF"/>
+                </a:highlight>
+                <a:latin typeface="Consolas" panose="020B0609020204030204" pitchFamily="49" charset="0"/>
+              </a:rPr>
+              <a:t>ClientWithQualification</a:t>
+            </a:r>
+            <a:r>
+              <a:rPr lang="en-US" dirty="0">
+                <a:solidFill>
+                  <a:srgbClr val="000000"/>
+                </a:solidFill>
+                <a:highlight>
+                  <a:srgbClr val="FFFFFF"/>
+                </a:highlight>
+                <a:latin typeface="Consolas" panose="020B0609020204030204" pitchFamily="49" charset="0"/>
+              </a:rPr>
+              <a:t>(c);</a:t>
+            </a:r>
+          </a:p>
+          <a:p>
+            <a:r>
+              <a:rPr lang="en-US" dirty="0">
+                <a:solidFill>
+                  <a:srgbClr val="000000"/>
+                </a:solidFill>
+                <a:highlight>
+                  <a:srgbClr val="FFFFFF"/>
+                </a:highlight>
+                <a:latin typeface="Consolas" panose="020B0609020204030204" pitchFamily="49" charset="0"/>
+              </a:rPr>
+              <a:t>    </a:t>
+            </a:r>
+            <a:r>
+              <a:rPr lang="en-US" dirty="0" err="1">
+                <a:solidFill>
+                  <a:srgbClr val="000000"/>
+                </a:solidFill>
+                <a:highlight>
+                  <a:srgbClr val="FFFFFF"/>
+                </a:highlight>
+                <a:latin typeface="Consolas" panose="020B0609020204030204" pitchFamily="49" charset="0"/>
+              </a:rPr>
+              <a:t>cq.Qualification</a:t>
+            </a:r>
+            <a:r>
+              <a:rPr lang="en-US" dirty="0">
+                <a:solidFill>
+                  <a:srgbClr val="000000"/>
+                </a:solidFill>
+                <a:highlight>
+                  <a:srgbClr val="FFFFFF"/>
+                </a:highlight>
+                <a:latin typeface="Consolas" panose="020B0609020204030204" pitchFamily="49" charset="0"/>
+              </a:rPr>
+              <a:t> = </a:t>
+            </a:r>
+            <a:r>
+              <a:rPr lang="en-US" dirty="0" err="1">
+                <a:solidFill>
+                  <a:srgbClr val="000000"/>
+                </a:solidFill>
+                <a:highlight>
+                  <a:srgbClr val="FFFFFF"/>
+                </a:highlight>
+                <a:latin typeface="Consolas" panose="020B0609020204030204" pitchFamily="49" charset="0"/>
+              </a:rPr>
+              <a:t>QualifyNewClient</a:t>
+            </a:r>
+            <a:r>
+              <a:rPr lang="en-US" dirty="0">
+                <a:solidFill>
+                  <a:srgbClr val="000000"/>
+                </a:solidFill>
+                <a:highlight>
+                  <a:srgbClr val="FFFFFF"/>
+                </a:highlight>
+                <a:latin typeface="Consolas" panose="020B0609020204030204" pitchFamily="49" charset="0"/>
+              </a:rPr>
+              <a:t>(c); </a:t>
+            </a:r>
+            <a:r>
+              <a:rPr lang="en-US" dirty="0">
+                <a:solidFill>
+                  <a:srgbClr val="008000"/>
+                </a:solidFill>
+                <a:highlight>
+                  <a:srgbClr val="FFFFFF"/>
+                </a:highlight>
+                <a:latin typeface="Consolas" panose="020B0609020204030204" pitchFamily="49" charset="0"/>
+              </a:rPr>
+              <a:t>// multiple failures</a:t>
+            </a:r>
+            <a:endParaRPr lang="en-US" dirty="0">
+              <a:solidFill>
+                <a:srgbClr val="000000"/>
+              </a:solidFill>
+              <a:highlight>
+                <a:srgbClr val="FFFFFF"/>
+              </a:highlight>
+              <a:latin typeface="Consolas" panose="020B0609020204030204" pitchFamily="49" charset="0"/>
+            </a:endParaRPr>
+          </a:p>
+          <a:p>
+            <a:r>
+              <a:rPr lang="en-US" dirty="0">
+                <a:solidFill>
+                  <a:srgbClr val="000000"/>
+                </a:solidFill>
+                <a:highlight>
+                  <a:srgbClr val="FFFFFF"/>
+                </a:highlight>
+                <a:latin typeface="Consolas" panose="020B0609020204030204" pitchFamily="49" charset="0"/>
+              </a:rPr>
+              <a:t>    </a:t>
+            </a:r>
+            <a:r>
+              <a:rPr lang="en-US" dirty="0">
+                <a:solidFill>
+                  <a:srgbClr val="0000FF"/>
+                </a:solidFill>
+                <a:highlight>
+                  <a:srgbClr val="FFFFFF"/>
+                </a:highlight>
+                <a:latin typeface="Consolas" panose="020B0609020204030204" pitchFamily="49" charset="0"/>
+              </a:rPr>
+              <a:t>return</a:t>
+            </a:r>
+            <a:r>
+              <a:rPr lang="en-US" dirty="0">
+                <a:solidFill>
+                  <a:srgbClr val="000000"/>
+                </a:solidFill>
+                <a:highlight>
+                  <a:srgbClr val="FFFFFF"/>
+                </a:highlight>
+                <a:latin typeface="Consolas" panose="020B0609020204030204" pitchFamily="49" charset="0"/>
+              </a:rPr>
+              <a:t> </a:t>
+            </a:r>
+            <a:r>
+              <a:rPr lang="en-US" dirty="0" err="1">
+                <a:solidFill>
+                  <a:srgbClr val="000000"/>
+                </a:solidFill>
+                <a:highlight>
+                  <a:srgbClr val="FFFFFF"/>
+                </a:highlight>
+                <a:latin typeface="Consolas" panose="020B0609020204030204" pitchFamily="49" charset="0"/>
+              </a:rPr>
+              <a:t>cq</a:t>
+            </a:r>
+            <a:r>
+              <a:rPr lang="en-US" dirty="0">
+                <a:solidFill>
+                  <a:srgbClr val="000000"/>
+                </a:solidFill>
+                <a:highlight>
+                  <a:srgbClr val="FFFFFF"/>
+                </a:highlight>
+                <a:latin typeface="Consolas" panose="020B0609020204030204" pitchFamily="49" charset="0"/>
+              </a:rPr>
+              <a:t>;</a:t>
+            </a:r>
+          </a:p>
+          <a:p>
+            <a:r>
+              <a:rPr lang="en-US" dirty="0">
+                <a:solidFill>
+                  <a:srgbClr val="000000"/>
+                </a:solidFill>
+                <a:highlight>
+                  <a:srgbClr val="FFFFFF"/>
+                </a:highlight>
+                <a:latin typeface="Consolas" panose="020B0609020204030204" pitchFamily="49" charset="0"/>
+              </a:rPr>
+              <a:t>}</a:t>
+            </a:r>
+          </a:p>
+          <a:p>
+            <a:endParaRPr lang="en-US" dirty="0">
+              <a:solidFill>
+                <a:srgbClr val="000000"/>
+              </a:solidFill>
+              <a:highlight>
+                <a:srgbClr val="FFFFFF"/>
+              </a:highlight>
+              <a:latin typeface="Consolas" panose="020B0609020204030204" pitchFamily="49" charset="0"/>
+            </a:endParaRPr>
+          </a:p>
+          <a:p>
+            <a:r>
+              <a:rPr lang="en-US" dirty="0">
+                <a:solidFill>
+                  <a:srgbClr val="0000FF"/>
+                </a:solidFill>
+                <a:highlight>
+                  <a:srgbClr val="FFFFFF"/>
+                </a:highlight>
+                <a:latin typeface="Consolas" panose="020B0609020204030204" pitchFamily="49" charset="0"/>
+              </a:rPr>
+              <a:t>private</a:t>
+            </a:r>
+            <a:r>
+              <a:rPr lang="en-US" dirty="0">
+                <a:solidFill>
+                  <a:srgbClr val="000000"/>
+                </a:solidFill>
+                <a:highlight>
+                  <a:srgbClr val="FFFFFF"/>
+                </a:highlight>
+                <a:latin typeface="Consolas" panose="020B0609020204030204" pitchFamily="49" charset="0"/>
+              </a:rPr>
+              <a:t> </a:t>
+            </a:r>
+            <a:r>
+              <a:rPr lang="en-US" dirty="0" err="1">
+                <a:solidFill>
+                  <a:srgbClr val="2B91AF"/>
+                </a:solidFill>
+                <a:highlight>
+                  <a:srgbClr val="FFFFFF"/>
+                </a:highlight>
+                <a:latin typeface="Consolas" panose="020B0609020204030204" pitchFamily="49" charset="0"/>
+              </a:rPr>
+              <a:t>ClientQualification</a:t>
+            </a:r>
+            <a:r>
+              <a:rPr lang="en-US" dirty="0">
+                <a:solidFill>
+                  <a:srgbClr val="000000"/>
+                </a:solidFill>
+                <a:highlight>
+                  <a:srgbClr val="FFFFFF"/>
+                </a:highlight>
+                <a:latin typeface="Consolas" panose="020B0609020204030204" pitchFamily="49" charset="0"/>
+              </a:rPr>
+              <a:t> </a:t>
+            </a:r>
+            <a:r>
+              <a:rPr lang="en-US" dirty="0" err="1">
+                <a:solidFill>
+                  <a:srgbClr val="000000"/>
+                </a:solidFill>
+                <a:highlight>
+                  <a:srgbClr val="FFFFFF"/>
+                </a:highlight>
+                <a:latin typeface="Consolas" panose="020B0609020204030204" pitchFamily="49" charset="0"/>
+              </a:rPr>
+              <a:t>QualifyNewClient</a:t>
+            </a:r>
+            <a:r>
+              <a:rPr lang="en-US" dirty="0">
+                <a:solidFill>
+                  <a:srgbClr val="000000"/>
+                </a:solidFill>
+                <a:highlight>
+                  <a:srgbClr val="FFFFFF"/>
+                </a:highlight>
+                <a:latin typeface="Consolas" panose="020B0609020204030204" pitchFamily="49" charset="0"/>
+              </a:rPr>
+              <a:t>(</a:t>
+            </a:r>
+            <a:r>
+              <a:rPr lang="en-US" dirty="0">
+                <a:solidFill>
+                  <a:srgbClr val="2B91AF"/>
+                </a:solidFill>
+                <a:highlight>
+                  <a:srgbClr val="FFFFFF"/>
+                </a:highlight>
+                <a:latin typeface="Consolas" panose="020B0609020204030204" pitchFamily="49" charset="0"/>
+              </a:rPr>
+              <a:t>Client</a:t>
+            </a:r>
+            <a:r>
+              <a:rPr lang="en-US" dirty="0">
+                <a:solidFill>
+                  <a:srgbClr val="000000"/>
+                </a:solidFill>
+                <a:highlight>
+                  <a:srgbClr val="FFFFFF"/>
+                </a:highlight>
+                <a:latin typeface="Consolas" panose="020B0609020204030204" pitchFamily="49" charset="0"/>
+              </a:rPr>
+              <a:t> c)</a:t>
+            </a:r>
+          </a:p>
+          <a:p>
+            <a:r>
+              <a:rPr lang="en-US" dirty="0">
+                <a:solidFill>
+                  <a:srgbClr val="000000"/>
+                </a:solidFill>
+                <a:highlight>
+                  <a:srgbClr val="FFFFFF"/>
+                </a:highlight>
+                <a:latin typeface="Consolas" panose="020B0609020204030204" pitchFamily="49" charset="0"/>
+              </a:rPr>
+              <a:t>{</a:t>
+            </a:r>
+          </a:p>
+          <a:p>
+            <a:r>
+              <a:rPr lang="en-US" dirty="0">
+                <a:solidFill>
+                  <a:srgbClr val="000000"/>
+                </a:solidFill>
+                <a:highlight>
+                  <a:srgbClr val="FFFFFF"/>
+                </a:highlight>
+                <a:latin typeface="Consolas" panose="020B0609020204030204" pitchFamily="49" charset="0"/>
+              </a:rPr>
+              <a:t>    </a:t>
+            </a:r>
+            <a:r>
+              <a:rPr lang="en-US" dirty="0" err="1">
+                <a:solidFill>
+                  <a:srgbClr val="0000FF"/>
+                </a:solidFill>
+                <a:highlight>
+                  <a:srgbClr val="FFFFFF"/>
+                </a:highlight>
+                <a:latin typeface="Consolas" panose="020B0609020204030204" pitchFamily="49" charset="0"/>
+              </a:rPr>
+              <a:t>var</a:t>
+            </a:r>
+            <a:r>
+              <a:rPr lang="en-US" dirty="0">
+                <a:solidFill>
+                  <a:srgbClr val="000000"/>
+                </a:solidFill>
+                <a:highlight>
+                  <a:srgbClr val="FFFFFF"/>
+                </a:highlight>
+                <a:latin typeface="Consolas" panose="020B0609020204030204" pitchFamily="49" charset="0"/>
+              </a:rPr>
+              <a:t> </a:t>
+            </a:r>
+            <a:r>
+              <a:rPr lang="en-US" dirty="0" err="1">
+                <a:solidFill>
+                  <a:srgbClr val="000000"/>
+                </a:solidFill>
+                <a:highlight>
+                  <a:srgbClr val="FFFFFF"/>
+                </a:highlight>
+                <a:latin typeface="Consolas" panose="020B0609020204030204" pitchFamily="49" charset="0"/>
+              </a:rPr>
+              <a:t>qual</a:t>
+            </a:r>
+            <a:r>
+              <a:rPr lang="en-US" dirty="0">
+                <a:solidFill>
+                  <a:srgbClr val="000000"/>
+                </a:solidFill>
+                <a:highlight>
+                  <a:srgbClr val="FFFFFF"/>
+                </a:highlight>
+                <a:latin typeface="Consolas" panose="020B0609020204030204" pitchFamily="49" charset="0"/>
+              </a:rPr>
+              <a:t> = </a:t>
+            </a:r>
+            <a:r>
+              <a:rPr lang="en-US" dirty="0">
+                <a:solidFill>
+                  <a:srgbClr val="0000FF"/>
+                </a:solidFill>
+                <a:highlight>
+                  <a:srgbClr val="FFFFFF"/>
+                </a:highlight>
+                <a:latin typeface="Consolas" panose="020B0609020204030204" pitchFamily="49" charset="0"/>
+              </a:rPr>
+              <a:t>new</a:t>
+            </a:r>
+            <a:r>
+              <a:rPr lang="en-US" dirty="0">
+                <a:solidFill>
+                  <a:srgbClr val="000000"/>
+                </a:solidFill>
+                <a:highlight>
+                  <a:srgbClr val="FFFFFF"/>
+                </a:highlight>
+                <a:latin typeface="Consolas" panose="020B0609020204030204" pitchFamily="49" charset="0"/>
+              </a:rPr>
+              <a:t> </a:t>
+            </a:r>
+            <a:r>
+              <a:rPr lang="en-US" dirty="0" err="1">
+                <a:solidFill>
+                  <a:srgbClr val="2B91AF"/>
+                </a:solidFill>
+                <a:highlight>
+                  <a:srgbClr val="FFFFFF"/>
+                </a:highlight>
+                <a:latin typeface="Consolas" panose="020B0609020204030204" pitchFamily="49" charset="0"/>
+              </a:rPr>
+              <a:t>ClientQualification</a:t>
+            </a:r>
+            <a:r>
+              <a:rPr lang="en-US" dirty="0">
+                <a:solidFill>
+                  <a:srgbClr val="000000"/>
+                </a:solidFill>
+                <a:highlight>
+                  <a:srgbClr val="FFFFFF"/>
+                </a:highlight>
+                <a:latin typeface="Consolas" panose="020B0609020204030204" pitchFamily="49" charset="0"/>
+              </a:rPr>
+              <a:t>();</a:t>
+            </a:r>
+          </a:p>
+          <a:p>
+            <a:r>
+              <a:rPr lang="en-US" dirty="0">
+                <a:solidFill>
+                  <a:srgbClr val="000000"/>
+                </a:solidFill>
+                <a:highlight>
+                  <a:srgbClr val="FFFFFF"/>
+                </a:highlight>
+                <a:latin typeface="Consolas" panose="020B0609020204030204" pitchFamily="49" charset="0"/>
+              </a:rPr>
+              <a:t>    </a:t>
+            </a:r>
+            <a:r>
+              <a:rPr lang="en-US" dirty="0" err="1">
+                <a:solidFill>
+                  <a:srgbClr val="000000"/>
+                </a:solidFill>
+                <a:highlight>
+                  <a:srgbClr val="FFFFFF"/>
+                </a:highlight>
+                <a:latin typeface="Consolas" panose="020B0609020204030204" pitchFamily="49" charset="0"/>
+              </a:rPr>
+              <a:t>qual.Weather</a:t>
+            </a:r>
+            <a:r>
+              <a:rPr lang="en-US" dirty="0">
+                <a:solidFill>
+                  <a:srgbClr val="000000"/>
+                </a:solidFill>
+                <a:highlight>
+                  <a:srgbClr val="FFFFFF"/>
+                </a:highlight>
+                <a:latin typeface="Consolas" panose="020B0609020204030204" pitchFamily="49" charset="0"/>
+              </a:rPr>
+              <a:t> = </a:t>
+            </a:r>
+            <a:r>
+              <a:rPr lang="en-US" dirty="0" err="1">
+                <a:solidFill>
+                  <a:srgbClr val="000000"/>
+                </a:solidFill>
+                <a:highlight>
+                  <a:srgbClr val="FFFFFF"/>
+                </a:highlight>
+                <a:latin typeface="Consolas" panose="020B0609020204030204" pitchFamily="49" charset="0"/>
+              </a:rPr>
+              <a:t>GetWeather</a:t>
+            </a:r>
+            <a:r>
+              <a:rPr lang="en-US" dirty="0">
+                <a:solidFill>
+                  <a:srgbClr val="000000"/>
+                </a:solidFill>
+                <a:highlight>
+                  <a:srgbClr val="FFFFFF"/>
+                </a:highlight>
+                <a:latin typeface="Consolas" panose="020B0609020204030204" pitchFamily="49" charset="0"/>
+              </a:rPr>
+              <a:t>(c); </a:t>
+            </a:r>
+            <a:r>
+              <a:rPr lang="en-US" dirty="0">
+                <a:solidFill>
+                  <a:srgbClr val="008000"/>
+                </a:solidFill>
+                <a:highlight>
+                  <a:srgbClr val="FFFFFF"/>
+                </a:highlight>
+                <a:latin typeface="Consolas" panose="020B0609020204030204" pitchFamily="49" charset="0"/>
+              </a:rPr>
+              <a:t>//failure</a:t>
+            </a:r>
+            <a:endParaRPr lang="en-US" dirty="0">
+              <a:solidFill>
+                <a:srgbClr val="000000"/>
+              </a:solidFill>
+              <a:highlight>
+                <a:srgbClr val="FFFFFF"/>
+              </a:highlight>
+              <a:latin typeface="Consolas" panose="020B0609020204030204" pitchFamily="49" charset="0"/>
+            </a:endParaRPr>
+          </a:p>
+          <a:p>
+            <a:r>
+              <a:rPr lang="en-US" dirty="0">
+                <a:solidFill>
+                  <a:srgbClr val="000000"/>
+                </a:solidFill>
+                <a:highlight>
+                  <a:srgbClr val="FFFFFF"/>
+                </a:highlight>
+                <a:latin typeface="Consolas" panose="020B0609020204030204" pitchFamily="49" charset="0"/>
+              </a:rPr>
+              <a:t>    </a:t>
+            </a:r>
+            <a:r>
+              <a:rPr lang="en-US" dirty="0" err="1">
+                <a:solidFill>
+                  <a:srgbClr val="000000"/>
+                </a:solidFill>
+                <a:highlight>
+                  <a:srgbClr val="FFFFFF"/>
+                </a:highlight>
+                <a:latin typeface="Consolas" panose="020B0609020204030204" pitchFamily="49" charset="0"/>
+              </a:rPr>
+              <a:t>qual.FacebookData</a:t>
+            </a:r>
+            <a:r>
+              <a:rPr lang="en-US" dirty="0">
+                <a:solidFill>
+                  <a:srgbClr val="000000"/>
+                </a:solidFill>
+                <a:highlight>
+                  <a:srgbClr val="FFFFFF"/>
+                </a:highlight>
+                <a:latin typeface="Consolas" panose="020B0609020204030204" pitchFamily="49" charset="0"/>
+              </a:rPr>
+              <a:t> = </a:t>
+            </a:r>
+            <a:r>
+              <a:rPr lang="en-US" dirty="0" err="1">
+                <a:solidFill>
+                  <a:srgbClr val="000000"/>
+                </a:solidFill>
+                <a:highlight>
+                  <a:srgbClr val="FFFFFF"/>
+                </a:highlight>
+                <a:latin typeface="Consolas" panose="020B0609020204030204" pitchFamily="49" charset="0"/>
+              </a:rPr>
+              <a:t>GetFaceBookData</a:t>
+            </a:r>
+            <a:r>
+              <a:rPr lang="en-US" dirty="0">
+                <a:solidFill>
+                  <a:srgbClr val="000000"/>
+                </a:solidFill>
+                <a:highlight>
+                  <a:srgbClr val="FFFFFF"/>
+                </a:highlight>
+                <a:latin typeface="Consolas" panose="020B0609020204030204" pitchFamily="49" charset="0"/>
+              </a:rPr>
+              <a:t>(c); </a:t>
+            </a:r>
+            <a:r>
+              <a:rPr lang="en-US" dirty="0">
+                <a:solidFill>
+                  <a:srgbClr val="008000"/>
+                </a:solidFill>
+                <a:highlight>
+                  <a:srgbClr val="FFFFFF"/>
+                </a:highlight>
+                <a:latin typeface="Consolas" panose="020B0609020204030204" pitchFamily="49" charset="0"/>
+              </a:rPr>
+              <a:t>//failure</a:t>
+            </a:r>
+            <a:endParaRPr lang="en-US" dirty="0">
+              <a:solidFill>
+                <a:srgbClr val="000000"/>
+              </a:solidFill>
+              <a:highlight>
+                <a:srgbClr val="FFFFFF"/>
+              </a:highlight>
+              <a:latin typeface="Consolas" panose="020B0609020204030204" pitchFamily="49" charset="0"/>
+            </a:endParaRPr>
+          </a:p>
+          <a:p>
+            <a:r>
+              <a:rPr lang="en-US" dirty="0">
+                <a:solidFill>
+                  <a:srgbClr val="000000"/>
+                </a:solidFill>
+                <a:highlight>
+                  <a:srgbClr val="FFFFFF"/>
+                </a:highlight>
+                <a:latin typeface="Consolas" panose="020B0609020204030204" pitchFamily="49" charset="0"/>
+              </a:rPr>
+              <a:t>    </a:t>
+            </a:r>
+            <a:r>
+              <a:rPr lang="en-US" dirty="0" err="1">
+                <a:solidFill>
+                  <a:srgbClr val="000000"/>
+                </a:solidFill>
+                <a:highlight>
+                  <a:srgbClr val="FFFFFF"/>
+                </a:highlight>
+                <a:latin typeface="Consolas" panose="020B0609020204030204" pitchFamily="49" charset="0"/>
+              </a:rPr>
+              <a:t>qual.TwitterData</a:t>
+            </a:r>
+            <a:r>
+              <a:rPr lang="en-US" dirty="0">
+                <a:solidFill>
+                  <a:srgbClr val="000000"/>
+                </a:solidFill>
+                <a:highlight>
+                  <a:srgbClr val="FFFFFF"/>
+                </a:highlight>
+                <a:latin typeface="Consolas" panose="020B0609020204030204" pitchFamily="49" charset="0"/>
+              </a:rPr>
+              <a:t> = </a:t>
+            </a:r>
+            <a:r>
+              <a:rPr lang="en-US" dirty="0" err="1">
+                <a:solidFill>
+                  <a:srgbClr val="000000"/>
+                </a:solidFill>
+                <a:highlight>
+                  <a:srgbClr val="FFFFFF"/>
+                </a:highlight>
+                <a:latin typeface="Consolas" panose="020B0609020204030204" pitchFamily="49" charset="0"/>
+              </a:rPr>
+              <a:t>GetTwitterData</a:t>
+            </a:r>
+            <a:r>
+              <a:rPr lang="en-US" dirty="0">
+                <a:solidFill>
+                  <a:srgbClr val="000000"/>
+                </a:solidFill>
+                <a:highlight>
+                  <a:srgbClr val="FFFFFF"/>
+                </a:highlight>
+                <a:latin typeface="Consolas" panose="020B0609020204030204" pitchFamily="49" charset="0"/>
+              </a:rPr>
+              <a:t>(c); </a:t>
+            </a:r>
+            <a:r>
+              <a:rPr lang="en-US" dirty="0">
+                <a:solidFill>
+                  <a:srgbClr val="008000"/>
+                </a:solidFill>
+                <a:highlight>
+                  <a:srgbClr val="FFFFFF"/>
+                </a:highlight>
+                <a:latin typeface="Consolas" panose="020B0609020204030204" pitchFamily="49" charset="0"/>
+              </a:rPr>
+              <a:t>//failure</a:t>
+            </a:r>
+            <a:endParaRPr lang="en-US" dirty="0">
+              <a:solidFill>
+                <a:srgbClr val="000000"/>
+              </a:solidFill>
+              <a:highlight>
+                <a:srgbClr val="FFFFFF"/>
+              </a:highlight>
+              <a:latin typeface="Consolas" panose="020B0609020204030204" pitchFamily="49" charset="0"/>
+            </a:endParaRPr>
+          </a:p>
+          <a:p>
+            <a:r>
+              <a:rPr lang="en-US" dirty="0">
+                <a:solidFill>
+                  <a:srgbClr val="000000"/>
+                </a:solidFill>
+                <a:highlight>
+                  <a:srgbClr val="FFFFFF"/>
+                </a:highlight>
+                <a:latin typeface="Consolas" panose="020B0609020204030204" pitchFamily="49" charset="0"/>
+              </a:rPr>
+              <a:t>    </a:t>
+            </a:r>
+            <a:r>
+              <a:rPr lang="en-US" dirty="0" err="1">
+                <a:solidFill>
+                  <a:srgbClr val="000000"/>
+                </a:solidFill>
+                <a:highlight>
+                  <a:srgbClr val="FFFFFF"/>
+                </a:highlight>
+                <a:latin typeface="Consolas" panose="020B0609020204030204" pitchFamily="49" charset="0"/>
+              </a:rPr>
+              <a:t>qual.ClosingMetrics</a:t>
+            </a:r>
+            <a:r>
+              <a:rPr lang="en-US" dirty="0">
+                <a:solidFill>
+                  <a:srgbClr val="000000"/>
+                </a:solidFill>
+                <a:highlight>
+                  <a:srgbClr val="FFFFFF"/>
+                </a:highlight>
+                <a:latin typeface="Consolas" panose="020B0609020204030204" pitchFamily="49" charset="0"/>
+              </a:rPr>
+              <a:t> = </a:t>
+            </a:r>
+            <a:r>
+              <a:rPr lang="en-US" dirty="0" err="1">
+                <a:solidFill>
+                  <a:srgbClr val="000000"/>
+                </a:solidFill>
+                <a:highlight>
+                  <a:srgbClr val="FFFFFF"/>
+                </a:highlight>
+                <a:latin typeface="Consolas" panose="020B0609020204030204" pitchFamily="49" charset="0"/>
+              </a:rPr>
+              <a:t>GetClientClosingBIData</a:t>
+            </a:r>
+            <a:r>
+              <a:rPr lang="en-US" dirty="0">
+                <a:solidFill>
+                  <a:srgbClr val="000000"/>
+                </a:solidFill>
+                <a:highlight>
+                  <a:srgbClr val="FFFFFF"/>
+                </a:highlight>
+                <a:latin typeface="Consolas" panose="020B0609020204030204" pitchFamily="49" charset="0"/>
+              </a:rPr>
+              <a:t>(c); </a:t>
+            </a:r>
+            <a:r>
+              <a:rPr lang="en-US" dirty="0">
+                <a:solidFill>
+                  <a:srgbClr val="008000"/>
+                </a:solidFill>
+                <a:highlight>
+                  <a:srgbClr val="FFFFFF"/>
+                </a:highlight>
+                <a:latin typeface="Consolas" panose="020B0609020204030204" pitchFamily="49" charset="0"/>
+              </a:rPr>
+              <a:t>//failure</a:t>
+            </a:r>
+            <a:endParaRPr lang="en-US" dirty="0">
+              <a:solidFill>
+                <a:srgbClr val="000000"/>
+              </a:solidFill>
+              <a:highlight>
+                <a:srgbClr val="FFFFFF"/>
+              </a:highlight>
+              <a:latin typeface="Consolas" panose="020B0609020204030204" pitchFamily="49" charset="0"/>
+            </a:endParaRPr>
+          </a:p>
+          <a:p>
+            <a:r>
+              <a:rPr lang="en-US" dirty="0">
+                <a:solidFill>
+                  <a:srgbClr val="000000"/>
+                </a:solidFill>
+                <a:highlight>
+                  <a:srgbClr val="FFFFFF"/>
+                </a:highlight>
+                <a:latin typeface="Consolas" panose="020B0609020204030204" pitchFamily="49" charset="0"/>
+              </a:rPr>
+              <a:t>    </a:t>
+            </a:r>
+            <a:r>
+              <a:rPr lang="en-US" dirty="0">
+                <a:solidFill>
+                  <a:srgbClr val="0000FF"/>
+                </a:solidFill>
+                <a:highlight>
+                  <a:srgbClr val="FFFFFF"/>
+                </a:highlight>
+                <a:latin typeface="Consolas" panose="020B0609020204030204" pitchFamily="49" charset="0"/>
+              </a:rPr>
+              <a:t>return</a:t>
+            </a:r>
+            <a:r>
+              <a:rPr lang="en-US" dirty="0">
+                <a:solidFill>
+                  <a:srgbClr val="000000"/>
+                </a:solidFill>
+                <a:highlight>
+                  <a:srgbClr val="FFFFFF"/>
+                </a:highlight>
+                <a:latin typeface="Consolas" panose="020B0609020204030204" pitchFamily="49" charset="0"/>
+              </a:rPr>
+              <a:t> </a:t>
+            </a:r>
+            <a:r>
+              <a:rPr lang="en-US" dirty="0" err="1">
+                <a:solidFill>
+                  <a:srgbClr val="000000"/>
+                </a:solidFill>
+                <a:highlight>
+                  <a:srgbClr val="FFFFFF"/>
+                </a:highlight>
+                <a:latin typeface="Consolas" panose="020B0609020204030204" pitchFamily="49" charset="0"/>
+              </a:rPr>
+              <a:t>qual</a:t>
+            </a:r>
+            <a:r>
+              <a:rPr lang="en-US" dirty="0">
+                <a:solidFill>
+                  <a:srgbClr val="000000"/>
+                </a:solidFill>
+                <a:highlight>
+                  <a:srgbClr val="FFFFFF"/>
+                </a:highlight>
+                <a:latin typeface="Consolas" panose="020B0609020204030204" pitchFamily="49" charset="0"/>
+              </a:rPr>
+              <a:t>;</a:t>
+            </a:r>
+          </a:p>
+          <a:p>
+            <a:r>
+              <a:rPr lang="en-US" dirty="0">
+                <a:solidFill>
+                  <a:srgbClr val="000000"/>
+                </a:solidFill>
+                <a:highlight>
+                  <a:srgbClr val="FFFFFF"/>
+                </a:highlight>
+                <a:latin typeface="Consolas" panose="020B0609020204030204" pitchFamily="49" charset="0"/>
+              </a:rPr>
+              <a:t>}</a:t>
             </a:r>
             <a:endParaRPr lang="en-US" dirty="0"/>
           </a:p>
@@ -16736,7 +16294,7 @@
     </p:spTree>
     <p:extLst>
       <p:ext uri="{BB962C8B-B14F-4D97-AF65-F5344CB8AC3E}">
-        <p14:creationId xmlns:p14="http://schemas.microsoft.com/office/powerpoint/2010/main" val="2267114169"/>
+        <p14:creationId xmlns:p14="http://schemas.microsoft.com/office/powerpoint/2010/main" val="901158484"/>
       </p:ext>
     </p:extLst>
   </p:cSld>
@@ -16772,676 +16330,7 @@
       </p:grpSpPr>
       <p:sp>
         <p:nvSpPr>
-          <p:cNvPr id="2" name="Rectangle 1"/>
-          <p:cNvSpPr/>
-          <p:nvPr/>
-        </p:nvSpPr>
-        <p:spPr>
-          <a:xfrm>
-            <a:off x="890587" y="2346395"/>
-            <a:ext cx="7362825" cy="3970318"/>
-          </a:xfrm>
-          <a:prstGeom prst="rect">
-            <a:avLst/>
-          </a:prstGeom>
-        </p:spPr>
-        <p:txBody>
-          <a:bodyPr wrap="square">
-            <a:spAutoFit/>
-          </a:bodyPr>
-          <a:lstStyle/>
-          <a:p>
-            <a:r>
-              <a:rPr lang="en-US" dirty="0" smtClean="0">
-                <a:solidFill>
-                  <a:srgbClr val="0000FF"/>
-                </a:solidFill>
-                <a:highlight>
-                  <a:srgbClr val="FFFFFF"/>
-                </a:highlight>
-                <a:latin typeface="Consolas" panose="020B0609020204030204" pitchFamily="49" charset="0"/>
-              </a:rPr>
-              <a:t>[Transaction]</a:t>
-            </a:r>
-          </a:p>
-          <a:p>
-            <a:r>
-              <a:rPr lang="en-US" dirty="0" smtClean="0">
-                <a:solidFill>
-                  <a:srgbClr val="0000FF"/>
-                </a:solidFill>
-                <a:highlight>
-                  <a:srgbClr val="FFFFFF"/>
-                </a:highlight>
-                <a:latin typeface="Consolas" panose="020B0609020204030204" pitchFamily="49" charset="0"/>
-              </a:rPr>
-              <a:t>public</a:t>
-            </a:r>
-            <a:r>
-              <a:rPr lang="en-US" dirty="0" smtClean="0">
-                <a:solidFill>
-                  <a:srgbClr val="000000"/>
-                </a:solidFill>
-                <a:highlight>
-                  <a:srgbClr val="FFFFFF"/>
-                </a:highlight>
-                <a:latin typeface="Consolas" panose="020B0609020204030204" pitchFamily="49" charset="0"/>
-              </a:rPr>
-              <a:t> </a:t>
-            </a:r>
-            <a:r>
-              <a:rPr lang="en-US" dirty="0">
-                <a:solidFill>
-                  <a:srgbClr val="0000FF"/>
-                </a:solidFill>
-                <a:highlight>
-                  <a:srgbClr val="FFFFFF"/>
-                </a:highlight>
-                <a:latin typeface="Consolas" panose="020B0609020204030204" pitchFamily="49" charset="0"/>
-              </a:rPr>
-              <a:t>object</a:t>
-            </a:r>
-            <a:r>
-              <a:rPr lang="en-US" dirty="0">
-                <a:solidFill>
-                  <a:srgbClr val="000000"/>
-                </a:solidFill>
-                <a:highlight>
-                  <a:srgbClr val="FFFFFF"/>
-                </a:highlight>
-                <a:latin typeface="Consolas" panose="020B0609020204030204" pitchFamily="49" charset="0"/>
-              </a:rPr>
-              <a:t> Post(</a:t>
-            </a:r>
-            <a:r>
-              <a:rPr lang="en-US" dirty="0">
-                <a:solidFill>
-                  <a:srgbClr val="2B91AF"/>
-                </a:solidFill>
-                <a:highlight>
-                  <a:srgbClr val="FFFFFF"/>
-                </a:highlight>
-                <a:latin typeface="Consolas" panose="020B0609020204030204" pitchFamily="49" charset="0"/>
-              </a:rPr>
-              <a:t>Client</a:t>
-            </a:r>
-            <a:r>
-              <a:rPr lang="en-US" dirty="0">
-                <a:solidFill>
-                  <a:srgbClr val="000000"/>
-                </a:solidFill>
-                <a:highlight>
-                  <a:srgbClr val="FFFFFF"/>
-                </a:highlight>
-                <a:latin typeface="Consolas" panose="020B0609020204030204" pitchFamily="49" charset="0"/>
-              </a:rPr>
-              <a:t> client)</a:t>
-            </a:r>
-          </a:p>
-          <a:p>
-            <a:r>
-              <a:rPr lang="en-US" dirty="0">
-                <a:solidFill>
-                  <a:srgbClr val="000000"/>
-                </a:solidFill>
-                <a:highlight>
-                  <a:srgbClr val="FFFFFF"/>
-                </a:highlight>
-                <a:latin typeface="Consolas" panose="020B0609020204030204" pitchFamily="49" charset="0"/>
-              </a:rPr>
-              <a:t>{</a:t>
-            </a:r>
-          </a:p>
-          <a:p>
-            <a:r>
-              <a:rPr lang="en-US" dirty="0">
-                <a:solidFill>
-                  <a:srgbClr val="000000"/>
-                </a:solidFill>
-                <a:highlight>
-                  <a:srgbClr val="FFFFFF"/>
-                </a:highlight>
-                <a:latin typeface="Consolas" panose="020B0609020204030204" pitchFamily="49" charset="0"/>
-              </a:rPr>
-              <a:t>    ((</a:t>
-            </a:r>
-            <a:r>
-              <a:rPr lang="en-US" dirty="0" err="1">
-                <a:solidFill>
-                  <a:srgbClr val="2B91AF"/>
-                </a:solidFill>
-                <a:highlight>
-                  <a:srgbClr val="FFFFFF"/>
-                </a:highlight>
-                <a:latin typeface="Consolas" panose="020B0609020204030204" pitchFamily="49" charset="0"/>
-              </a:rPr>
-              <a:t>DbSet</a:t>
-            </a:r>
-            <a:r>
-              <a:rPr lang="en-US" dirty="0">
-                <a:solidFill>
-                  <a:srgbClr val="000000"/>
-                </a:solidFill>
-                <a:highlight>
-                  <a:srgbClr val="FFFFFF"/>
-                </a:highlight>
-                <a:latin typeface="Consolas" panose="020B0609020204030204" pitchFamily="49" charset="0"/>
-              </a:rPr>
-              <a:t>&lt;</a:t>
-            </a:r>
-            <a:r>
-              <a:rPr lang="en-US" dirty="0">
-                <a:solidFill>
-                  <a:srgbClr val="2B91AF"/>
-                </a:solidFill>
-                <a:highlight>
-                  <a:srgbClr val="FFFFFF"/>
-                </a:highlight>
-                <a:latin typeface="Consolas" panose="020B0609020204030204" pitchFamily="49" charset="0"/>
-              </a:rPr>
-              <a:t>Client</a:t>
-            </a:r>
-            <a:r>
-              <a:rPr lang="en-US" dirty="0">
-                <a:solidFill>
-                  <a:srgbClr val="000000"/>
-                </a:solidFill>
-                <a:highlight>
-                  <a:srgbClr val="FFFFFF"/>
-                </a:highlight>
-                <a:latin typeface="Consolas" panose="020B0609020204030204" pitchFamily="49" charset="0"/>
-              </a:rPr>
-              <a:t>&gt;)_</a:t>
-            </a:r>
-            <a:r>
-              <a:rPr lang="en-US" dirty="0" err="1">
-                <a:solidFill>
-                  <a:srgbClr val="000000"/>
-                </a:solidFill>
-                <a:highlight>
-                  <a:srgbClr val="FFFFFF"/>
-                </a:highlight>
-                <a:latin typeface="Consolas" panose="020B0609020204030204" pitchFamily="49" charset="0"/>
-              </a:rPr>
-              <a:t>db.Clients</a:t>
-            </a:r>
-            <a:r>
-              <a:rPr lang="en-US" dirty="0">
-                <a:solidFill>
-                  <a:srgbClr val="000000"/>
-                </a:solidFill>
-                <a:highlight>
-                  <a:srgbClr val="FFFFFF"/>
-                </a:highlight>
-                <a:latin typeface="Consolas" panose="020B0609020204030204" pitchFamily="49" charset="0"/>
-              </a:rPr>
-              <a:t>).Add(client);</a:t>
-            </a:r>
-          </a:p>
-          <a:p>
-            <a:r>
-              <a:rPr lang="en-US" dirty="0">
-                <a:solidFill>
-                  <a:srgbClr val="000000"/>
-                </a:solidFill>
-                <a:highlight>
-                  <a:srgbClr val="FFFFFF"/>
-                </a:highlight>
-                <a:latin typeface="Consolas" panose="020B0609020204030204" pitchFamily="49" charset="0"/>
-              </a:rPr>
-              <a:t>    ((</a:t>
-            </a:r>
-            <a:r>
-              <a:rPr lang="en-US" dirty="0" err="1">
-                <a:solidFill>
-                  <a:srgbClr val="2B91AF"/>
-                </a:solidFill>
-                <a:highlight>
-                  <a:srgbClr val="FFFFFF"/>
-                </a:highlight>
-                <a:latin typeface="Consolas" panose="020B0609020204030204" pitchFamily="49" charset="0"/>
-              </a:rPr>
-              <a:t>DbContext</a:t>
-            </a:r>
-            <a:r>
-              <a:rPr lang="en-US" dirty="0">
-                <a:solidFill>
-                  <a:srgbClr val="000000"/>
-                </a:solidFill>
-                <a:highlight>
-                  <a:srgbClr val="FFFFFF"/>
-                </a:highlight>
-                <a:latin typeface="Consolas" panose="020B0609020204030204" pitchFamily="49" charset="0"/>
-              </a:rPr>
-              <a:t>)_</a:t>
-            </a:r>
-            <a:r>
-              <a:rPr lang="en-US" dirty="0" err="1">
-                <a:solidFill>
-                  <a:srgbClr val="000000"/>
-                </a:solidFill>
-                <a:highlight>
-                  <a:srgbClr val="FFFFFF"/>
-                </a:highlight>
-                <a:latin typeface="Consolas" panose="020B0609020204030204" pitchFamily="49" charset="0"/>
-              </a:rPr>
-              <a:t>db</a:t>
-            </a:r>
-            <a:r>
-              <a:rPr lang="en-US" dirty="0">
-                <a:solidFill>
-                  <a:srgbClr val="000000"/>
-                </a:solidFill>
-                <a:highlight>
-                  <a:srgbClr val="FFFFFF"/>
-                </a:highlight>
-                <a:latin typeface="Consolas" panose="020B0609020204030204" pitchFamily="49" charset="0"/>
-              </a:rPr>
-              <a:t>).</a:t>
-            </a:r>
-            <a:r>
-              <a:rPr lang="en-US" dirty="0" err="1">
-                <a:solidFill>
-                  <a:srgbClr val="000000"/>
-                </a:solidFill>
-                <a:highlight>
-                  <a:srgbClr val="FFFFFF"/>
-                </a:highlight>
-                <a:latin typeface="Consolas" panose="020B0609020204030204" pitchFamily="49" charset="0"/>
-              </a:rPr>
-              <a:t>SaveChanges</a:t>
-            </a:r>
-            <a:r>
-              <a:rPr lang="en-US" dirty="0">
-                <a:solidFill>
-                  <a:srgbClr val="000000"/>
-                </a:solidFill>
-                <a:highlight>
-                  <a:srgbClr val="FFFFFF"/>
-                </a:highlight>
-                <a:latin typeface="Consolas" panose="020B0609020204030204" pitchFamily="49" charset="0"/>
-              </a:rPr>
-              <a:t>();</a:t>
-            </a:r>
-          </a:p>
-          <a:p>
-            <a:endParaRPr lang="en-US" dirty="0">
-              <a:solidFill>
-                <a:srgbClr val="000000"/>
-              </a:solidFill>
-              <a:highlight>
-                <a:srgbClr val="FFFFFF"/>
-              </a:highlight>
-              <a:latin typeface="Consolas" panose="020B0609020204030204" pitchFamily="49" charset="0"/>
-            </a:endParaRPr>
-          </a:p>
-          <a:p>
-            <a:r>
-              <a:rPr lang="en-US" dirty="0">
-                <a:solidFill>
-                  <a:srgbClr val="000000"/>
-                </a:solidFill>
-                <a:highlight>
-                  <a:srgbClr val="FFFFFF"/>
-                </a:highlight>
-                <a:latin typeface="Consolas" panose="020B0609020204030204" pitchFamily="49" charset="0"/>
-              </a:rPr>
-              <a:t>    </a:t>
-            </a:r>
-            <a:r>
-              <a:rPr lang="en-US" dirty="0" err="1">
-                <a:solidFill>
-                  <a:srgbClr val="0000FF"/>
-                </a:solidFill>
-                <a:highlight>
-                  <a:srgbClr val="FFFFFF"/>
-                </a:highlight>
-                <a:latin typeface="Consolas" panose="020B0609020204030204" pitchFamily="49" charset="0"/>
-              </a:rPr>
-              <a:t>var</a:t>
-            </a:r>
-            <a:r>
-              <a:rPr lang="en-US" dirty="0">
-                <a:solidFill>
-                  <a:srgbClr val="000000"/>
-                </a:solidFill>
-                <a:highlight>
-                  <a:srgbClr val="FFFFFF"/>
-                </a:highlight>
-                <a:latin typeface="Consolas" panose="020B0609020204030204" pitchFamily="49" charset="0"/>
-              </a:rPr>
-              <a:t> </a:t>
-            </a:r>
-            <a:r>
-              <a:rPr lang="en-US" dirty="0" smtClean="0">
-                <a:solidFill>
-                  <a:srgbClr val="000000"/>
-                </a:solidFill>
-                <a:highlight>
-                  <a:srgbClr val="FFFFFF"/>
-                </a:highlight>
-                <a:latin typeface="Consolas" panose="020B0609020204030204" pitchFamily="49" charset="0"/>
-              </a:rPr>
-              <a:t>event = </a:t>
-            </a:r>
-            <a:r>
-              <a:rPr lang="en-US" dirty="0" err="1">
-                <a:solidFill>
-                  <a:srgbClr val="2B91AF"/>
-                </a:solidFill>
-                <a:highlight>
-                  <a:srgbClr val="FFFFFF"/>
-                </a:highlight>
-                <a:latin typeface="Consolas" panose="020B0609020204030204" pitchFamily="49" charset="0"/>
-              </a:rPr>
-              <a:t>Mapper</a:t>
-            </a:r>
-            <a:r>
-              <a:rPr lang="en-US" dirty="0" err="1">
-                <a:solidFill>
-                  <a:srgbClr val="000000"/>
-                </a:solidFill>
-                <a:highlight>
-                  <a:srgbClr val="FFFFFF"/>
-                </a:highlight>
-                <a:latin typeface="Consolas" panose="020B0609020204030204" pitchFamily="49" charset="0"/>
-              </a:rPr>
-              <a:t>.Map</a:t>
-            </a:r>
-            <a:r>
-              <a:rPr lang="en-US" dirty="0">
-                <a:solidFill>
-                  <a:srgbClr val="000000"/>
-                </a:solidFill>
-                <a:highlight>
-                  <a:srgbClr val="FFFFFF"/>
-                </a:highlight>
-                <a:latin typeface="Consolas" panose="020B0609020204030204" pitchFamily="49" charset="0"/>
-              </a:rPr>
-              <a:t>&lt;</a:t>
-            </a:r>
-            <a:r>
-              <a:rPr lang="en-US" dirty="0" err="1">
-                <a:solidFill>
-                  <a:srgbClr val="2B91AF"/>
-                </a:solidFill>
-                <a:highlight>
-                  <a:srgbClr val="FFFFFF"/>
-                </a:highlight>
-                <a:latin typeface="Consolas" panose="020B0609020204030204" pitchFamily="49" charset="0"/>
-              </a:rPr>
-              <a:t>ClientCreatedEvent</a:t>
-            </a:r>
-            <a:r>
-              <a:rPr lang="en-US" dirty="0">
-                <a:solidFill>
-                  <a:srgbClr val="000000"/>
-                </a:solidFill>
-                <a:highlight>
-                  <a:srgbClr val="FFFFFF"/>
-                </a:highlight>
-                <a:latin typeface="Consolas" panose="020B0609020204030204" pitchFamily="49" charset="0"/>
-              </a:rPr>
-              <a:t>&gt;(client);</a:t>
-            </a:r>
-          </a:p>
-          <a:p>
-            <a:r>
-              <a:rPr lang="en-US" dirty="0">
-                <a:solidFill>
-                  <a:srgbClr val="000000"/>
-                </a:solidFill>
-                <a:highlight>
-                  <a:srgbClr val="FFFFFF"/>
-                </a:highlight>
-                <a:latin typeface="Consolas" panose="020B0609020204030204" pitchFamily="49" charset="0"/>
-              </a:rPr>
-              <a:t>    </a:t>
-            </a:r>
-            <a:r>
-              <a:rPr lang="en-US" dirty="0" err="1" smtClean="0">
-                <a:solidFill>
-                  <a:srgbClr val="2B91AF"/>
-                </a:solidFill>
-                <a:highlight>
-                  <a:srgbClr val="FFFFFF"/>
-                </a:highlight>
-                <a:latin typeface="Consolas" panose="020B0609020204030204" pitchFamily="49" charset="0"/>
-              </a:rPr>
-              <a:t>Task</a:t>
-            </a:r>
-            <a:r>
-              <a:rPr lang="en-US" dirty="0" err="1" smtClean="0">
-                <a:solidFill>
-                  <a:srgbClr val="000000"/>
-                </a:solidFill>
-                <a:highlight>
-                  <a:srgbClr val="FFFFFF"/>
-                </a:highlight>
-                <a:latin typeface="Consolas" panose="020B0609020204030204" pitchFamily="49" charset="0"/>
-              </a:rPr>
-              <a:t>.Run</a:t>
-            </a:r>
-            <a:r>
-              <a:rPr lang="en-US" dirty="0" smtClean="0">
-                <a:solidFill>
-                  <a:srgbClr val="000000"/>
-                </a:solidFill>
-                <a:highlight>
-                  <a:srgbClr val="FFFFFF"/>
-                </a:highlight>
-                <a:latin typeface="Consolas" panose="020B0609020204030204" pitchFamily="49" charset="0"/>
-              </a:rPr>
-              <a:t>(() </a:t>
-            </a:r>
-            <a:r>
-              <a:rPr lang="en-US" dirty="0">
-                <a:solidFill>
-                  <a:srgbClr val="000000"/>
-                </a:solidFill>
-                <a:highlight>
-                  <a:srgbClr val="FFFFFF"/>
-                </a:highlight>
-                <a:latin typeface="Consolas" panose="020B0609020204030204" pitchFamily="49" charset="0"/>
-              </a:rPr>
-              <a:t>=&gt;</a:t>
-            </a:r>
-          </a:p>
-          <a:p>
-            <a:r>
-              <a:rPr lang="en-US" dirty="0">
-                <a:solidFill>
-                  <a:srgbClr val="000000"/>
-                </a:solidFill>
-                <a:highlight>
-                  <a:srgbClr val="FFFFFF"/>
-                </a:highlight>
-                <a:latin typeface="Consolas" panose="020B0609020204030204" pitchFamily="49" charset="0"/>
-              </a:rPr>
-              <a:t>            {</a:t>
-            </a:r>
-          </a:p>
-          <a:p>
-            <a:r>
-              <a:rPr lang="en-US" dirty="0">
-                <a:solidFill>
-                  <a:srgbClr val="000000"/>
-                </a:solidFill>
-                <a:highlight>
-                  <a:srgbClr val="FFFFFF"/>
-                </a:highlight>
-                <a:latin typeface="Consolas" panose="020B0609020204030204" pitchFamily="49" charset="0"/>
-              </a:rPr>
-              <a:t>                _</a:t>
-            </a:r>
-            <a:r>
-              <a:rPr lang="en-US" dirty="0" err="1">
-                <a:solidFill>
-                  <a:srgbClr val="000000"/>
-                </a:solidFill>
-                <a:highlight>
-                  <a:srgbClr val="FFFFFF"/>
-                </a:highlight>
-                <a:latin typeface="Consolas" panose="020B0609020204030204" pitchFamily="49" charset="0"/>
-              </a:rPr>
-              <a:t>sender.Send</a:t>
-            </a:r>
-            <a:r>
-              <a:rPr lang="en-US" dirty="0">
-                <a:solidFill>
-                  <a:srgbClr val="000000"/>
-                </a:solidFill>
-                <a:highlight>
-                  <a:srgbClr val="FFFFFF"/>
-                </a:highlight>
-                <a:latin typeface="Consolas" panose="020B0609020204030204" pitchFamily="49" charset="0"/>
-              </a:rPr>
-              <a:t>&lt;</a:t>
-            </a:r>
-            <a:r>
-              <a:rPr lang="en-US" dirty="0" err="1">
-                <a:solidFill>
-                  <a:srgbClr val="2B91AF"/>
-                </a:solidFill>
-                <a:highlight>
-                  <a:srgbClr val="FFFFFF"/>
-                </a:highlight>
-                <a:latin typeface="Consolas" panose="020B0609020204030204" pitchFamily="49" charset="0"/>
-              </a:rPr>
-              <a:t>ClientCreatedEvent</a:t>
-            </a:r>
-            <a:r>
-              <a:rPr lang="en-US" dirty="0" smtClean="0">
-                <a:solidFill>
-                  <a:srgbClr val="000000"/>
-                </a:solidFill>
-                <a:highlight>
-                  <a:srgbClr val="FFFFFF"/>
-                </a:highlight>
-                <a:latin typeface="Consolas" panose="020B0609020204030204" pitchFamily="49" charset="0"/>
-              </a:rPr>
-              <a:t>&gt;(event);</a:t>
-            </a:r>
-            <a:endParaRPr lang="en-US" dirty="0">
-              <a:solidFill>
-                <a:srgbClr val="000000"/>
-              </a:solidFill>
-              <a:highlight>
-                <a:srgbClr val="FFFFFF"/>
-              </a:highlight>
-              <a:latin typeface="Consolas" panose="020B0609020204030204" pitchFamily="49" charset="0"/>
-            </a:endParaRPr>
-          </a:p>
-          <a:p>
-            <a:r>
-              <a:rPr lang="en-US" dirty="0">
-                <a:solidFill>
-                  <a:srgbClr val="000000"/>
-                </a:solidFill>
-                <a:highlight>
-                  <a:srgbClr val="FFFFFF"/>
-                </a:highlight>
-                <a:latin typeface="Consolas" panose="020B0609020204030204" pitchFamily="49" charset="0"/>
-              </a:rPr>
-              <a:t>            }</a:t>
-            </a:r>
-          </a:p>
-          <a:p>
-            <a:r>
-              <a:rPr lang="en-US" dirty="0">
-                <a:solidFill>
-                  <a:srgbClr val="000000"/>
-                </a:solidFill>
-                <a:highlight>
-                  <a:srgbClr val="FFFFFF"/>
-                </a:highlight>
-                <a:latin typeface="Consolas" panose="020B0609020204030204" pitchFamily="49" charset="0"/>
-              </a:rPr>
-              <a:t>        );</a:t>
-            </a:r>
-          </a:p>
-          <a:p>
-            <a:r>
-              <a:rPr lang="en-US" dirty="0">
-                <a:solidFill>
-                  <a:srgbClr val="000000"/>
-                </a:solidFill>
-                <a:highlight>
-                  <a:srgbClr val="FFFFFF"/>
-                </a:highlight>
-                <a:latin typeface="Consolas" panose="020B0609020204030204" pitchFamily="49" charset="0"/>
-              </a:rPr>
-              <a:t>    </a:t>
-            </a:r>
-            <a:r>
-              <a:rPr lang="en-US" dirty="0">
-                <a:solidFill>
-                  <a:srgbClr val="0000FF"/>
-                </a:solidFill>
-                <a:highlight>
-                  <a:srgbClr val="FFFFFF"/>
-                </a:highlight>
-                <a:latin typeface="Consolas" panose="020B0609020204030204" pitchFamily="49" charset="0"/>
-              </a:rPr>
-              <a:t>return</a:t>
-            </a:r>
-            <a:r>
-              <a:rPr lang="en-US" dirty="0">
-                <a:solidFill>
-                  <a:srgbClr val="000000"/>
-                </a:solidFill>
-                <a:highlight>
-                  <a:srgbClr val="FFFFFF"/>
-                </a:highlight>
-                <a:latin typeface="Consolas" panose="020B0609020204030204" pitchFamily="49" charset="0"/>
-              </a:rPr>
-              <a:t> </a:t>
-            </a:r>
-            <a:r>
-              <a:rPr lang="en-US" dirty="0" err="1">
-                <a:solidFill>
-                  <a:srgbClr val="000000"/>
-                </a:solidFill>
-                <a:highlight>
-                  <a:srgbClr val="FFFFFF"/>
-                </a:highlight>
-                <a:latin typeface="Consolas" panose="020B0609020204030204" pitchFamily="49" charset="0"/>
-              </a:rPr>
-              <a:t>client.Id</a:t>
-            </a:r>
-            <a:r>
-              <a:rPr lang="en-US" dirty="0">
-                <a:solidFill>
-                  <a:srgbClr val="000000"/>
-                </a:solidFill>
-                <a:highlight>
-                  <a:srgbClr val="FFFFFF"/>
-                </a:highlight>
-                <a:latin typeface="Consolas" panose="020B0609020204030204" pitchFamily="49" charset="0"/>
-              </a:rPr>
-              <a:t>;</a:t>
-            </a:r>
-          </a:p>
-          <a:p>
-            <a:r>
-              <a:rPr lang="en-US" dirty="0">
-                <a:solidFill>
-                  <a:srgbClr val="000000"/>
-                </a:solidFill>
-                <a:highlight>
-                  <a:srgbClr val="FFFFFF"/>
-                </a:highlight>
-                <a:latin typeface="Consolas" panose="020B0609020204030204" pitchFamily="49" charset="0"/>
-              </a:rPr>
-              <a:t>}</a:t>
-            </a:r>
-            <a:endParaRPr lang="en-US" dirty="0"/>
-          </a:p>
-        </p:txBody>
-      </p:sp>
-      <p:sp>
-        <p:nvSpPr>
-          <p:cNvPr id="3" name="Title 2"/>
+          <p:cNvPr id="2" name="Title 1"/>
           <p:cNvSpPr>
             <a:spLocks noGrp="1"/>
           </p:cNvSpPr>
@@ -17456,7 +16345,48 @@
           <a:p>
             <a:r>
               <a:rPr lang="en-US" dirty="0" smtClean="0"/>
-              <a:t>Using Our Queue with Request/Reply</a:t>
+              <a:t>Problems</a:t>
+            </a:r>
+            <a:endParaRPr lang="en-US" dirty="0"/>
+          </a:p>
+        </p:txBody>
+      </p:sp>
+      <p:sp>
+        <p:nvSpPr>
+          <p:cNvPr id="3" name="Content Placeholder 2"/>
+          <p:cNvSpPr>
+            <a:spLocks noGrp="1"/>
+          </p:cNvSpPr>
+          <p:nvPr>
+            <p:ph idx="1"/>
+          </p:nvPr>
+        </p:nvSpPr>
+        <p:spPr/>
+        <p:txBody>
+          <a:bodyPr/>
+          <a:lstStyle/>
+          <a:p>
+            <a:r>
+              <a:rPr lang="en-US" dirty="0" smtClean="0"/>
+              <a:t>Failure is inevitable</a:t>
+            </a:r>
+          </a:p>
+          <a:p>
+            <a:r>
+              <a:rPr lang="en-US" dirty="0" smtClean="0"/>
+              <a:t>Crossing boundaries</a:t>
+            </a:r>
+          </a:p>
+          <a:p>
+            <a:r>
+              <a:rPr lang="en-US" dirty="0" smtClean="0"/>
+              <a:t>Http isn’t a transactional protocol</a:t>
+            </a:r>
+          </a:p>
+          <a:p>
+            <a:r>
+              <a:rPr lang="en-US" dirty="0" smtClean="0"/>
+              <a:t>Recovery</a:t>
             </a:r>
             <a:endParaRPr lang="en-US" dirty="0"/>
           </a:p>
@@ -17465,7 +16395,7 @@
     </p:spTree>
     <p:extLst>
       <p:ext uri="{BB962C8B-B14F-4D97-AF65-F5344CB8AC3E}">
-        <p14:creationId xmlns:p14="http://schemas.microsoft.com/office/powerpoint/2010/main" val="3057597310"/>
+        <p14:creationId xmlns:p14="http://schemas.microsoft.com/office/powerpoint/2010/main" val="2267114169"/>
       </p:ext>
     </p:extLst>
   </p:cSld>
@@ -17508,7 +16438,7 @@
         <p:spPr>
           <a:xfrm>
             <a:off x="890587" y="2346395"/>
-            <a:ext cx="7362825" cy="3139321"/>
+            <a:ext cx="7362825" cy="3970318"/>
           </a:xfrm>
           <a:prstGeom prst="rect">
             <a:avLst/>
@@ -17623,7 +16553,7 @@
           </a:p>
           <a:p>
             <a:r>
-              <a:rPr lang="en-US" dirty="0" smtClean="0">
+              <a:rPr lang="en-US" dirty="0">
                 <a:solidFill>
                   <a:srgbClr val="000000"/>
                 </a:solidFill>
@@ -17632,19 +16562,19 @@
                 </a:highlight>
                 <a:latin typeface="Consolas" panose="020B0609020204030204" pitchFamily="49" charset="0"/>
               </a:rPr>
-              <a:t>    </a:t>
+              <a:t>    ((</a:t>
             </a:r>
             <a:r>
               <a:rPr lang="en-US" dirty="0" err="1">
                 <a:solidFill>
-                  <a:srgbClr val="0000FF"/>
-                </a:solidFill>
-                <a:highlight>
-                  <a:srgbClr val="FFFFFF"/>
-                </a:highlight>
-                <a:latin typeface="Consolas" panose="020B0609020204030204" pitchFamily="49" charset="0"/>
-              </a:rPr>
-              <a:t>var</a:t>
+                  <a:srgbClr val="2B91AF"/>
+                </a:solidFill>
+                <a:highlight>
+                  <a:srgbClr val="FFFFFF"/>
+                </a:highlight>
+                <a:latin typeface="Consolas" panose="020B0609020204030204" pitchFamily="49" charset="0"/>
+              </a:rPr>
+              <a:t>DbSet</a:t>
             </a:r>
             <a:r>
               <a:rPr lang="en-US" dirty="0">
@@ -17656,10 +16586,22 @@
                 </a:highlight>
                 <a:latin typeface="Consolas" panose="020B0609020204030204" pitchFamily="49" charset="0"/>
               </a:rPr>
-              <a:t> </a:t>
-            </a:r>
-            <a:r>
-              <a:rPr lang="en-US" dirty="0" err="1" smtClean="0">
+              <a:t>&lt;</a:t>
+            </a:r>
+            <a:r>
+              <a:rPr lang="en-US" dirty="0">
+                <a:solidFill>
+                  <a:srgbClr val="2B91AF"/>
+                </a:solidFill>
+                <a:highlight>
+                  <a:srgbClr val="FFFFFF"/>
+                </a:highlight>
+                <a:latin typeface="Consolas" panose="020B0609020204030204" pitchFamily="49" charset="0"/>
+              </a:rPr>
+              <a:t>Client</a:t>
+            </a:r>
+            <a:r>
+              <a:rPr lang="en-US" dirty="0">
                 <a:solidFill>
                   <a:srgbClr val="000000"/>
                 </a:solidFill>
@@ -17668,10 +16610,10 @@
                 </a:highlight>
                 <a:latin typeface="Consolas" panose="020B0609020204030204" pitchFamily="49" charset="0"/>
               </a:rPr>
-              <a:t>cmd</a:t>
-            </a:r>
-            <a:r>
-              <a:rPr lang="en-US" dirty="0" smtClean="0">
+              <a:t>&gt;)_</a:t>
+            </a:r>
+            <a:r>
+              <a:rPr lang="en-US" dirty="0" err="1">
                 <a:solidFill>
                   <a:srgbClr val="000000"/>
                 </a:solidFill>
@@ -17680,10 +16622,36 @@
                 </a:highlight>
                 <a:latin typeface="Consolas" panose="020B0609020204030204" pitchFamily="49" charset="0"/>
               </a:rPr>
-              <a:t> = </a:t>
-            </a:r>
-            <a:r>
-              <a:rPr lang="en-US" dirty="0" err="1" smtClean="0">
+              <a:t>db.Clients</a:t>
+            </a:r>
+            <a:r>
+              <a:rPr lang="en-US" dirty="0">
+                <a:solidFill>
+                  <a:srgbClr val="000000"/>
+                </a:solidFill>
+                <a:highlight>
+                  <a:srgbClr val="FFFFFF"/>
+                </a:highlight>
+                <a:latin typeface="Consolas" panose="020B0609020204030204" pitchFamily="49" charset="0"/>
+              </a:rPr>
+              <a:t>).Add(client);</a:t>
+            </a:r>
+          </a:p>
+          <a:p>
+            <a:r>
+              <a:rPr lang="en-US" dirty="0">
+                <a:solidFill>
+                  <a:srgbClr val="000000"/>
+                </a:solidFill>
+                <a:highlight>
+                  <a:srgbClr val="FFFFFF"/>
+                </a:highlight>
+                <a:latin typeface="Consolas" panose="020B0609020204030204" pitchFamily="49" charset="0"/>
+              </a:rPr>
+              <a:t>    ((</a:t>
+            </a:r>
+            <a:r>
+              <a:rPr lang="en-US" dirty="0" err="1">
                 <a:solidFill>
                   <a:srgbClr val="2B91AF"/>
                 </a:solidFill>
@@ -17692,10 +16660,10 @@
                 </a:highlight>
                 <a:latin typeface="Consolas" panose="020B0609020204030204" pitchFamily="49" charset="0"/>
               </a:rPr>
-              <a:t>Mapper</a:t>
-            </a:r>
-            <a:r>
-              <a:rPr lang="en-US" dirty="0" err="1" smtClean="0">
+              <a:t>DbContext</a:t>
+            </a:r>
+            <a:r>
+              <a:rPr lang="en-US" dirty="0">
                 <a:solidFill>
                   <a:srgbClr val="000000"/>
                 </a:solidFill>
@@ -17704,10 +16672,10 @@
                 </a:highlight>
                 <a:latin typeface="Consolas" panose="020B0609020204030204" pitchFamily="49" charset="0"/>
               </a:rPr>
-              <a:t>.Map</a:t>
-            </a:r>
-            <a:r>
-              <a:rPr lang="en-US" dirty="0" smtClean="0">
+              <a:t>)_</a:t>
+            </a:r>
+            <a:r>
+              <a:rPr lang="en-US" dirty="0" err="1">
                 <a:solidFill>
                   <a:srgbClr val="000000"/>
                 </a:solidFill>
@@ -17716,22 +16684,10 @@
                 </a:highlight>
                 <a:latin typeface="Consolas" panose="020B0609020204030204" pitchFamily="49" charset="0"/>
               </a:rPr>
-              <a:t>&lt;</a:t>
-            </a:r>
-            <a:r>
-              <a:rPr lang="en-US" dirty="0" err="1" smtClean="0">
-                <a:solidFill>
-                  <a:srgbClr val="2B91AF"/>
-                </a:solidFill>
-                <a:highlight>
-                  <a:srgbClr val="FFFFFF"/>
-                </a:highlight>
-                <a:latin typeface="Consolas" panose="020B0609020204030204" pitchFamily="49" charset="0"/>
-              </a:rPr>
-              <a:t>CreateClientCommand</a:t>
-            </a:r>
-            <a:r>
-              <a:rPr lang="en-US" dirty="0" smtClean="0">
+              <a:t>db</a:t>
+            </a:r>
+            <a:r>
+              <a:rPr lang="en-US" dirty="0">
                 <a:solidFill>
                   <a:srgbClr val="000000"/>
                 </a:solidFill>
@@ -17740,7 +16696,19 @@
                 </a:highlight>
                 <a:latin typeface="Consolas" panose="020B0609020204030204" pitchFamily="49" charset="0"/>
               </a:rPr>
-              <a:t>&gt;(</a:t>
+              <a:t>).</a:t>
+            </a:r>
+            <a:r>
+              <a:rPr lang="en-US" dirty="0" err="1">
+                <a:solidFill>
+                  <a:srgbClr val="000000"/>
+                </a:solidFill>
+                <a:highlight>
+                  <a:srgbClr val="FFFFFF"/>
+                </a:highlight>
+                <a:latin typeface="Consolas" panose="020B0609020204030204" pitchFamily="49" charset="0"/>
+              </a:rPr>
+              <a:t>SaveChanges</a:t>
             </a:r>
             <a:r>
               <a:rPr lang="en-US" dirty="0">
@@ -17752,182 +16720,10 @@
                 </a:highlight>
                 <a:latin typeface="Consolas" panose="020B0609020204030204" pitchFamily="49" charset="0"/>
               </a:rPr>
-              <a:t>client);</a:t>
-            </a:r>
-          </a:p>
-          <a:p>
-            <a:r>
-              <a:rPr lang="en-US" dirty="0">
-                <a:solidFill>
-                  <a:srgbClr val="000000"/>
-                </a:solidFill>
-                <a:highlight>
-                  <a:srgbClr val="FFFFFF"/>
-                </a:highlight>
-                <a:latin typeface="Consolas" panose="020B0609020204030204" pitchFamily="49" charset="0"/>
-              </a:rPr>
-              <a:t>    </a:t>
-            </a:r>
-            <a:r>
-              <a:rPr lang="en-US" dirty="0" err="1" smtClean="0">
-                <a:solidFill>
-                  <a:srgbClr val="2B91AF"/>
-                </a:solidFill>
-                <a:highlight>
-                  <a:srgbClr val="FFFFFF"/>
-                </a:highlight>
-                <a:latin typeface="Consolas" panose="020B0609020204030204" pitchFamily="49" charset="0"/>
-              </a:rPr>
-              <a:t>Task</a:t>
-            </a:r>
-            <a:r>
-              <a:rPr lang="en-US" dirty="0" err="1" smtClean="0">
-                <a:solidFill>
-                  <a:srgbClr val="000000"/>
-                </a:solidFill>
-                <a:highlight>
-                  <a:srgbClr val="FFFFFF"/>
-                </a:highlight>
-                <a:latin typeface="Consolas" panose="020B0609020204030204" pitchFamily="49" charset="0"/>
-              </a:rPr>
-              <a:t>.Ru</a:t>
-            </a:r>
-            <a:r>
-              <a:rPr lang="en-US" dirty="0" err="1">
-                <a:solidFill>
-                  <a:srgbClr val="000000"/>
-                </a:solidFill>
-                <a:highlight>
-                  <a:srgbClr val="FFFFFF"/>
-                </a:highlight>
-                <a:latin typeface="Consolas" panose="020B0609020204030204" pitchFamily="49" charset="0"/>
-              </a:rPr>
-              <a:t>n</a:t>
-            </a:r>
-            <a:r>
-              <a:rPr lang="en-US" dirty="0" smtClean="0">
-                <a:solidFill>
-                  <a:srgbClr val="000000"/>
-                </a:solidFill>
-                <a:highlight>
-                  <a:srgbClr val="FFFFFF"/>
-                </a:highlight>
-                <a:latin typeface="Consolas" panose="020B0609020204030204" pitchFamily="49" charset="0"/>
-              </a:rPr>
-              <a:t>(() </a:t>
-            </a:r>
-            <a:r>
-              <a:rPr lang="en-US" dirty="0">
-                <a:solidFill>
-                  <a:srgbClr val="000000"/>
-                </a:solidFill>
-                <a:highlight>
-                  <a:srgbClr val="FFFFFF"/>
-                </a:highlight>
-                <a:latin typeface="Consolas" panose="020B0609020204030204" pitchFamily="49" charset="0"/>
-              </a:rPr>
-              <a:t>=&gt;</a:t>
-            </a:r>
-          </a:p>
-          <a:p>
-            <a:r>
-              <a:rPr lang="en-US" dirty="0">
-                <a:solidFill>
-                  <a:srgbClr val="000000"/>
-                </a:solidFill>
-                <a:highlight>
-                  <a:srgbClr val="FFFFFF"/>
-                </a:highlight>
-                <a:latin typeface="Consolas" panose="020B0609020204030204" pitchFamily="49" charset="0"/>
-              </a:rPr>
-              <a:t>            {</a:t>
-            </a:r>
-          </a:p>
-          <a:p>
-            <a:r>
-              <a:rPr lang="en-US" dirty="0">
-                <a:solidFill>
-                  <a:srgbClr val="000000"/>
-                </a:solidFill>
-                <a:highlight>
-                  <a:srgbClr val="FFFFFF"/>
-                </a:highlight>
-                <a:latin typeface="Consolas" panose="020B0609020204030204" pitchFamily="49" charset="0"/>
-              </a:rPr>
-              <a:t>                _</a:t>
-            </a:r>
-            <a:r>
-              <a:rPr lang="en-US" dirty="0" err="1" smtClean="0">
-                <a:solidFill>
-                  <a:srgbClr val="000000"/>
-                </a:solidFill>
-                <a:highlight>
-                  <a:srgbClr val="FFFFFF"/>
-                </a:highlight>
-                <a:latin typeface="Consolas" panose="020B0609020204030204" pitchFamily="49" charset="0"/>
-              </a:rPr>
-              <a:t>sender.Send</a:t>
-            </a:r>
-            <a:r>
-              <a:rPr lang="en-US" dirty="0" smtClean="0">
-                <a:solidFill>
-                  <a:srgbClr val="000000"/>
-                </a:solidFill>
-                <a:highlight>
-                  <a:srgbClr val="FFFFFF"/>
-                </a:highlight>
-                <a:latin typeface="Consolas" panose="020B0609020204030204" pitchFamily="49" charset="0"/>
-              </a:rPr>
-              <a:t>&lt;</a:t>
-            </a:r>
-            <a:r>
-              <a:rPr lang="en-US" dirty="0" err="1" smtClean="0">
-                <a:solidFill>
-                  <a:srgbClr val="2B91AF"/>
-                </a:solidFill>
-                <a:highlight>
-                  <a:srgbClr val="FFFFFF"/>
-                </a:highlight>
-                <a:latin typeface="Consolas" panose="020B0609020204030204" pitchFamily="49" charset="0"/>
-              </a:rPr>
-              <a:t>CreateClientCommand</a:t>
-            </a:r>
-            <a:r>
-              <a:rPr lang="en-US" dirty="0" smtClean="0">
-                <a:solidFill>
-                  <a:srgbClr val="000000"/>
-                </a:solidFill>
-                <a:highlight>
-                  <a:srgbClr val="FFFFFF"/>
-                </a:highlight>
-                <a:latin typeface="Consolas" panose="020B0609020204030204" pitchFamily="49" charset="0"/>
-              </a:rPr>
-              <a:t>&gt;(</a:t>
-            </a:r>
-            <a:r>
-              <a:rPr lang="en-US" dirty="0" err="1" smtClean="0">
-                <a:solidFill>
-                  <a:srgbClr val="000000"/>
-                </a:solidFill>
-                <a:highlight>
-                  <a:srgbClr val="FFFFFF"/>
-                </a:highlight>
-                <a:latin typeface="Consolas" panose="020B0609020204030204" pitchFamily="49" charset="0"/>
-              </a:rPr>
-              <a:t>cmd</a:t>
-            </a:r>
-            <a:r>
-              <a:rPr lang="en-US" dirty="0" smtClean="0">
-                <a:solidFill>
-                  <a:srgbClr val="000000"/>
-                </a:solidFill>
-                <a:highlight>
-                  <a:srgbClr val="FFFFFF"/>
-                </a:highlight>
-                <a:latin typeface="Consolas" panose="020B0609020204030204" pitchFamily="49" charset="0"/>
-              </a:rPr>
-              <a:t>);</a:t>
-            </a:r>
+              <a:t>();</a:t>
+            </a:r>
+          </a:p>
+          <a:p>
             <a:endParaRPr lang="en-US" dirty="0">
               <a:solidFill>
                 <a:srgbClr val="000000"/>
@@ -17949,6 +16745,263 @@
                 </a:highlight>
                 <a:latin typeface="Consolas" panose="020B0609020204030204" pitchFamily="49" charset="0"/>
               </a:rPr>
+              <a:t>    </a:t>
+            </a:r>
+            <a:r>
+              <a:rPr lang="en-US" dirty="0" err="1">
+                <a:solidFill>
+                  <a:srgbClr val="0000FF"/>
+                </a:solidFill>
+                <a:highlight>
+                  <a:srgbClr val="FFFFFF"/>
+                </a:highlight>
+                <a:latin typeface="Consolas" panose="020B0609020204030204" pitchFamily="49" charset="0"/>
+              </a:rPr>
+              <a:t>var</a:t>
+            </a:r>
+            <a:r>
+              <a:rPr lang="en-US" dirty="0">
+                <a:solidFill>
+                  <a:srgbClr val="000000"/>
+                </a:solidFill>
+                <a:highlight>
+                  <a:srgbClr val="FFFFFF"/>
+                </a:highlight>
+                <a:latin typeface="Consolas" panose="020B0609020204030204" pitchFamily="49" charset="0"/>
+              </a:rPr>
+              <a:t> </a:t>
+            </a:r>
+            <a:r>
+              <a:rPr lang="en-US" dirty="0" smtClean="0">
+                <a:solidFill>
+                  <a:srgbClr val="000000"/>
+                </a:solidFill>
+                <a:highlight>
+                  <a:srgbClr val="FFFFFF"/>
+                </a:highlight>
+                <a:latin typeface="Consolas" panose="020B0609020204030204" pitchFamily="49" charset="0"/>
+              </a:rPr>
+              <a:t>event = </a:t>
+            </a:r>
+            <a:r>
+              <a:rPr lang="en-US" dirty="0" err="1">
+                <a:solidFill>
+                  <a:srgbClr val="2B91AF"/>
+                </a:solidFill>
+                <a:highlight>
+                  <a:srgbClr val="FFFFFF"/>
+                </a:highlight>
+                <a:latin typeface="Consolas" panose="020B0609020204030204" pitchFamily="49" charset="0"/>
+              </a:rPr>
+              <a:t>Mapper</a:t>
+            </a:r>
+            <a:r>
+              <a:rPr lang="en-US" dirty="0" err="1">
+                <a:solidFill>
+                  <a:srgbClr val="000000"/>
+                </a:solidFill>
+                <a:highlight>
+                  <a:srgbClr val="FFFFFF"/>
+                </a:highlight>
+                <a:latin typeface="Consolas" panose="020B0609020204030204" pitchFamily="49" charset="0"/>
+              </a:rPr>
+              <a:t>.Map</a:t>
+            </a:r>
+            <a:r>
+              <a:rPr lang="en-US" dirty="0">
+                <a:solidFill>
+                  <a:srgbClr val="000000"/>
+                </a:solidFill>
+                <a:highlight>
+                  <a:srgbClr val="FFFFFF"/>
+                </a:highlight>
+                <a:latin typeface="Consolas" panose="020B0609020204030204" pitchFamily="49" charset="0"/>
+              </a:rPr>
+              <a:t>&lt;</a:t>
+            </a:r>
+            <a:r>
+              <a:rPr lang="en-US" dirty="0" err="1">
+                <a:solidFill>
+                  <a:srgbClr val="2B91AF"/>
+                </a:solidFill>
+                <a:highlight>
+                  <a:srgbClr val="FFFFFF"/>
+                </a:highlight>
+                <a:latin typeface="Consolas" panose="020B0609020204030204" pitchFamily="49" charset="0"/>
+              </a:rPr>
+              <a:t>ClientCreatedEvent</a:t>
+            </a:r>
+            <a:r>
+              <a:rPr lang="en-US" dirty="0">
+                <a:solidFill>
+                  <a:srgbClr val="000000"/>
+                </a:solidFill>
+                <a:highlight>
+                  <a:srgbClr val="FFFFFF"/>
+                </a:highlight>
+                <a:latin typeface="Consolas" panose="020B0609020204030204" pitchFamily="49" charset="0"/>
+              </a:rPr>
+              <a:t>&gt;(client);</a:t>
+            </a:r>
+          </a:p>
+          <a:p>
+            <a:r>
+              <a:rPr lang="en-US" dirty="0">
+                <a:solidFill>
+                  <a:srgbClr val="000000"/>
+                </a:solidFill>
+                <a:highlight>
+                  <a:srgbClr val="FFFFFF"/>
+                </a:highlight>
+                <a:latin typeface="Consolas" panose="020B0609020204030204" pitchFamily="49" charset="0"/>
+              </a:rPr>
+              <a:t>    </a:t>
+            </a:r>
+            <a:r>
+              <a:rPr lang="en-US" dirty="0" err="1" smtClean="0">
+                <a:solidFill>
+                  <a:srgbClr val="2B91AF"/>
+                </a:solidFill>
+                <a:highlight>
+                  <a:srgbClr val="FFFFFF"/>
+                </a:highlight>
+                <a:latin typeface="Consolas" panose="020B0609020204030204" pitchFamily="49" charset="0"/>
+              </a:rPr>
+              <a:t>Task</a:t>
+            </a:r>
+            <a:r>
+              <a:rPr lang="en-US" dirty="0" err="1" smtClean="0">
+                <a:solidFill>
+                  <a:srgbClr val="000000"/>
+                </a:solidFill>
+                <a:highlight>
+                  <a:srgbClr val="FFFFFF"/>
+                </a:highlight>
+                <a:latin typeface="Consolas" panose="020B0609020204030204" pitchFamily="49" charset="0"/>
+              </a:rPr>
+              <a:t>.Run</a:t>
+            </a:r>
+            <a:r>
+              <a:rPr lang="en-US" dirty="0" smtClean="0">
+                <a:solidFill>
+                  <a:srgbClr val="000000"/>
+                </a:solidFill>
+                <a:highlight>
+                  <a:srgbClr val="FFFFFF"/>
+                </a:highlight>
+                <a:latin typeface="Consolas" panose="020B0609020204030204" pitchFamily="49" charset="0"/>
+              </a:rPr>
+              <a:t>(() </a:t>
+            </a:r>
+            <a:r>
+              <a:rPr lang="en-US" dirty="0">
+                <a:solidFill>
+                  <a:srgbClr val="000000"/>
+                </a:solidFill>
+                <a:highlight>
+                  <a:srgbClr val="FFFFFF"/>
+                </a:highlight>
+                <a:latin typeface="Consolas" panose="020B0609020204030204" pitchFamily="49" charset="0"/>
+              </a:rPr>
+              <a:t>=&gt;</a:t>
+            </a:r>
+          </a:p>
+          <a:p>
+            <a:r>
+              <a:rPr lang="en-US" dirty="0">
+                <a:solidFill>
+                  <a:srgbClr val="000000"/>
+                </a:solidFill>
+                <a:highlight>
+                  <a:srgbClr val="FFFFFF"/>
+                </a:highlight>
+                <a:latin typeface="Consolas" panose="020B0609020204030204" pitchFamily="49" charset="0"/>
+              </a:rPr>
+              <a:t>            {</a:t>
+            </a:r>
+          </a:p>
+          <a:p>
+            <a:r>
+              <a:rPr lang="en-US" dirty="0">
+                <a:solidFill>
+                  <a:srgbClr val="000000"/>
+                </a:solidFill>
+                <a:highlight>
+                  <a:srgbClr val="FFFFFF"/>
+                </a:highlight>
+                <a:latin typeface="Consolas" panose="020B0609020204030204" pitchFamily="49" charset="0"/>
+              </a:rPr>
+              <a:t>                _</a:t>
+            </a:r>
+            <a:r>
+              <a:rPr lang="en-US" dirty="0" err="1">
+                <a:solidFill>
+                  <a:srgbClr val="000000"/>
+                </a:solidFill>
+                <a:highlight>
+                  <a:srgbClr val="FFFFFF"/>
+                </a:highlight>
+                <a:latin typeface="Consolas" panose="020B0609020204030204" pitchFamily="49" charset="0"/>
+              </a:rPr>
+              <a:t>sender.Send</a:t>
+            </a:r>
+            <a:r>
+              <a:rPr lang="en-US" dirty="0">
+                <a:solidFill>
+                  <a:srgbClr val="000000"/>
+                </a:solidFill>
+                <a:highlight>
+                  <a:srgbClr val="FFFFFF"/>
+                </a:highlight>
+                <a:latin typeface="Consolas" panose="020B0609020204030204" pitchFamily="49" charset="0"/>
+              </a:rPr>
+              <a:t>&lt;</a:t>
+            </a:r>
+            <a:r>
+              <a:rPr lang="en-US" dirty="0" err="1">
+                <a:solidFill>
+                  <a:srgbClr val="2B91AF"/>
+                </a:solidFill>
+                <a:highlight>
+                  <a:srgbClr val="FFFFFF"/>
+                </a:highlight>
+                <a:latin typeface="Consolas" panose="020B0609020204030204" pitchFamily="49" charset="0"/>
+              </a:rPr>
+              <a:t>ClientCreatedEvent</a:t>
+            </a:r>
+            <a:r>
+              <a:rPr lang="en-US" dirty="0" smtClean="0">
+                <a:solidFill>
+                  <a:srgbClr val="000000"/>
+                </a:solidFill>
+                <a:highlight>
+                  <a:srgbClr val="FFFFFF"/>
+                </a:highlight>
+                <a:latin typeface="Consolas" panose="020B0609020204030204" pitchFamily="49" charset="0"/>
+              </a:rPr>
+              <a:t>&gt;(event);</a:t>
+            </a:r>
+            <a:endParaRPr lang="en-US" dirty="0">
+              <a:solidFill>
+                <a:srgbClr val="000000"/>
+              </a:solidFill>
+              <a:highlight>
+                <a:srgbClr val="FFFFFF"/>
+              </a:highlight>
+              <a:latin typeface="Consolas" panose="020B0609020204030204" pitchFamily="49" charset="0"/>
+            </a:endParaRPr>
+          </a:p>
+          <a:p>
+            <a:r>
+              <a:rPr lang="en-US" dirty="0">
+                <a:solidFill>
+                  <a:srgbClr val="000000"/>
+                </a:solidFill>
+                <a:highlight>
+                  <a:srgbClr val="FFFFFF"/>
+                </a:highlight>
+                <a:latin typeface="Consolas" panose="020B0609020204030204" pitchFamily="49" charset="0"/>
+              </a:rPr>
               <a:t>            }</a:t>
             </a:r>
           </a:p>
@@ -18004,7 +17057,7 @@
               <a:t> </a:t>
             </a:r>
             <a:r>
-              <a:rPr lang="en-US" dirty="0" err="1" smtClean="0">
+              <a:rPr lang="en-US" dirty="0" err="1">
                 <a:solidFill>
                   <a:srgbClr val="000000"/>
                 </a:solidFill>
@@ -18013,7 +17066,7 @@
                 </a:highlight>
                 <a:latin typeface="Consolas" panose="020B0609020204030204" pitchFamily="49" charset="0"/>
               </a:rPr>
-              <a:t>client.RequestId</a:t>
+              <a:t>client.Id</a:t>
             </a:r>
             <a:r>
               <a:rPr lang="en-US" dirty="0">
@@ -18062,11 +17115,7 @@
           <a:p>
             <a:r>
               <a:rPr lang="en-US" dirty="0" smtClean="0"/>
-              <a:t>Using Our Queue </a:t>
-            </a:r>
-            <a:r>
-              <a:rPr lang="en-US" dirty="0" err="1" smtClean="0"/>
-              <a:t>Async</a:t>
+              <a:t>Using Our Queue with Request/Reply</a:t>
             </a:r>
             <a:endParaRPr lang="en-US" dirty="0"/>
           </a:p>
@@ -18075,7 +17124,7 @@
     </p:spTree>
     <p:extLst>
       <p:ext uri="{BB962C8B-B14F-4D97-AF65-F5344CB8AC3E}">
-        <p14:creationId xmlns:p14="http://schemas.microsoft.com/office/powerpoint/2010/main" val="94636160"/>
+        <p14:creationId xmlns:p14="http://schemas.microsoft.com/office/powerpoint/2010/main" val="3057597310"/>
       </p:ext>
     </p:extLst>
   </p:cSld>
@@ -18111,7 +17160,553 @@
       </p:grpSpPr>
       <p:sp>
         <p:nvSpPr>
-          <p:cNvPr id="2" name="Title 1"/>
+          <p:cNvPr id="2" name="Rectangle 1"/>
+          <p:cNvSpPr/>
+          <p:nvPr/>
+        </p:nvSpPr>
+        <p:spPr>
+          <a:xfrm>
+            <a:off x="890587" y="2346395"/>
+            <a:ext cx="7362825" cy="3139321"/>
+          </a:xfrm>
+          <a:prstGeom prst="rect">
+            <a:avLst/>
+          </a:prstGeom>
+        </p:spPr>
+        <p:txBody>
+          <a:bodyPr wrap="square">
+            <a:spAutoFit/>
+          </a:bodyPr>
+          <a:lstStyle/>
+          <a:p>
+            <a:r>
+              <a:rPr lang="en-US" dirty="0" smtClean="0">
+                <a:solidFill>
+                  <a:srgbClr val="0000FF"/>
+                </a:solidFill>
+                <a:highlight>
+                  <a:srgbClr val="FFFFFF"/>
+                </a:highlight>
+                <a:latin typeface="Consolas" panose="020B0609020204030204" pitchFamily="49" charset="0"/>
+              </a:rPr>
+              <a:t>[Transaction]</a:t>
+            </a:r>
+          </a:p>
+          <a:p>
+            <a:r>
+              <a:rPr lang="en-US" dirty="0" smtClean="0">
+                <a:solidFill>
+                  <a:srgbClr val="0000FF"/>
+                </a:solidFill>
+                <a:highlight>
+                  <a:srgbClr val="FFFFFF"/>
+                </a:highlight>
+                <a:latin typeface="Consolas" panose="020B0609020204030204" pitchFamily="49" charset="0"/>
+              </a:rPr>
+              <a:t>public</a:t>
+            </a:r>
+            <a:r>
+              <a:rPr lang="en-US" dirty="0" smtClean="0">
+                <a:solidFill>
+                  <a:srgbClr val="000000"/>
+                </a:solidFill>
+                <a:highlight>
+                  <a:srgbClr val="FFFFFF"/>
+                </a:highlight>
+                <a:latin typeface="Consolas" panose="020B0609020204030204" pitchFamily="49" charset="0"/>
+              </a:rPr>
+              <a:t> </a:t>
+            </a:r>
+            <a:r>
+              <a:rPr lang="en-US" dirty="0">
+                <a:solidFill>
+                  <a:srgbClr val="0000FF"/>
+                </a:solidFill>
+                <a:highlight>
+                  <a:srgbClr val="FFFFFF"/>
+                </a:highlight>
+                <a:latin typeface="Consolas" panose="020B0609020204030204" pitchFamily="49" charset="0"/>
+              </a:rPr>
+              <a:t>object</a:t>
+            </a:r>
+            <a:r>
+              <a:rPr lang="en-US" dirty="0">
+                <a:solidFill>
+                  <a:srgbClr val="000000"/>
+                </a:solidFill>
+                <a:highlight>
+                  <a:srgbClr val="FFFFFF"/>
+                </a:highlight>
+                <a:latin typeface="Consolas" panose="020B0609020204030204" pitchFamily="49" charset="0"/>
+              </a:rPr>
+              <a:t> Post(</a:t>
+            </a:r>
+            <a:r>
+              <a:rPr lang="en-US" dirty="0">
+                <a:solidFill>
+                  <a:srgbClr val="2B91AF"/>
+                </a:solidFill>
+                <a:highlight>
+                  <a:srgbClr val="FFFFFF"/>
+                </a:highlight>
+                <a:latin typeface="Consolas" panose="020B0609020204030204" pitchFamily="49" charset="0"/>
+              </a:rPr>
+              <a:t>Client</a:t>
+            </a:r>
+            <a:r>
+              <a:rPr lang="en-US" dirty="0">
+                <a:solidFill>
+                  <a:srgbClr val="000000"/>
+                </a:solidFill>
+                <a:highlight>
+                  <a:srgbClr val="FFFFFF"/>
+                </a:highlight>
+                <a:latin typeface="Consolas" panose="020B0609020204030204" pitchFamily="49" charset="0"/>
+              </a:rPr>
+              <a:t> client)</a:t>
+            </a:r>
+          </a:p>
+          <a:p>
+            <a:r>
+              <a:rPr lang="en-US" dirty="0">
+                <a:solidFill>
+                  <a:srgbClr val="000000"/>
+                </a:solidFill>
+                <a:highlight>
+                  <a:srgbClr val="FFFFFF"/>
+                </a:highlight>
+                <a:latin typeface="Consolas" panose="020B0609020204030204" pitchFamily="49" charset="0"/>
+              </a:rPr>
+              <a:t>{</a:t>
+            </a:r>
+          </a:p>
+          <a:p>
+            <a:r>
+              <a:rPr lang="en-US" dirty="0" smtClean="0">
+                <a:solidFill>
+                  <a:srgbClr val="000000"/>
+                </a:solidFill>
+                <a:highlight>
+                  <a:srgbClr val="FFFFFF"/>
+                </a:highlight>
+                <a:latin typeface="Consolas" panose="020B0609020204030204" pitchFamily="49" charset="0"/>
+              </a:rPr>
+              <a:t>    </a:t>
+            </a:r>
+            <a:r>
+              <a:rPr lang="en-US" dirty="0" err="1">
+                <a:solidFill>
+                  <a:srgbClr val="0000FF"/>
+                </a:solidFill>
+                <a:highlight>
+                  <a:srgbClr val="FFFFFF"/>
+                </a:highlight>
+                <a:latin typeface="Consolas" panose="020B0609020204030204" pitchFamily="49" charset="0"/>
+              </a:rPr>
+              <a:t>var</a:t>
+            </a:r>
+            <a:r>
+              <a:rPr lang="en-US" dirty="0">
+                <a:solidFill>
+                  <a:srgbClr val="000000"/>
+                </a:solidFill>
+                <a:highlight>
+                  <a:srgbClr val="FFFFFF"/>
+                </a:highlight>
+                <a:latin typeface="Consolas" panose="020B0609020204030204" pitchFamily="49" charset="0"/>
+              </a:rPr>
+              <a:t> </a:t>
+            </a:r>
+            <a:r>
+              <a:rPr lang="en-US" dirty="0" err="1" smtClean="0">
+                <a:solidFill>
+                  <a:srgbClr val="000000"/>
+                </a:solidFill>
+                <a:highlight>
+                  <a:srgbClr val="FFFFFF"/>
+                </a:highlight>
+                <a:latin typeface="Consolas" panose="020B0609020204030204" pitchFamily="49" charset="0"/>
+              </a:rPr>
+              <a:t>cmd</a:t>
+            </a:r>
+            <a:r>
+              <a:rPr lang="en-US" dirty="0" smtClean="0">
+                <a:solidFill>
+                  <a:srgbClr val="000000"/>
+                </a:solidFill>
+                <a:highlight>
+                  <a:srgbClr val="FFFFFF"/>
+                </a:highlight>
+                <a:latin typeface="Consolas" panose="020B0609020204030204" pitchFamily="49" charset="0"/>
+              </a:rPr>
+              <a:t> = </a:t>
+            </a:r>
+            <a:r>
+              <a:rPr lang="en-US" dirty="0" err="1" smtClean="0">
+                <a:solidFill>
+                  <a:srgbClr val="2B91AF"/>
+                </a:solidFill>
+                <a:highlight>
+                  <a:srgbClr val="FFFFFF"/>
+                </a:highlight>
+                <a:latin typeface="Consolas" panose="020B0609020204030204" pitchFamily="49" charset="0"/>
+              </a:rPr>
+              <a:t>Mapper</a:t>
+            </a:r>
+            <a:r>
+              <a:rPr lang="en-US" dirty="0" err="1" smtClean="0">
+                <a:solidFill>
+                  <a:srgbClr val="000000"/>
+                </a:solidFill>
+                <a:highlight>
+                  <a:srgbClr val="FFFFFF"/>
+                </a:highlight>
+                <a:latin typeface="Consolas" panose="020B0609020204030204" pitchFamily="49" charset="0"/>
+              </a:rPr>
+              <a:t>.Map</a:t>
+            </a:r>
+            <a:r>
+              <a:rPr lang="en-US" dirty="0" smtClean="0">
+                <a:solidFill>
+                  <a:srgbClr val="000000"/>
+                </a:solidFill>
+                <a:highlight>
+                  <a:srgbClr val="FFFFFF"/>
+                </a:highlight>
+                <a:latin typeface="Consolas" panose="020B0609020204030204" pitchFamily="49" charset="0"/>
+              </a:rPr>
+              <a:t>&lt;</a:t>
+            </a:r>
+            <a:r>
+              <a:rPr lang="en-US" dirty="0" err="1" smtClean="0">
+                <a:solidFill>
+                  <a:srgbClr val="2B91AF"/>
+                </a:solidFill>
+                <a:highlight>
+                  <a:srgbClr val="FFFFFF"/>
+                </a:highlight>
+                <a:latin typeface="Consolas" panose="020B0609020204030204" pitchFamily="49" charset="0"/>
+              </a:rPr>
+              <a:t>CreateClientCommand</a:t>
+            </a:r>
+            <a:r>
+              <a:rPr lang="en-US" dirty="0" smtClean="0">
+                <a:solidFill>
+                  <a:srgbClr val="000000"/>
+                </a:solidFill>
+                <a:highlight>
+                  <a:srgbClr val="FFFFFF"/>
+                </a:highlight>
+                <a:latin typeface="Consolas" panose="020B0609020204030204" pitchFamily="49" charset="0"/>
+              </a:rPr>
+              <a:t>&gt;(</a:t>
+            </a:r>
+            <a:r>
+              <a:rPr lang="en-US" dirty="0">
+                <a:solidFill>
+                  <a:srgbClr val="000000"/>
+                </a:solidFill>
+                <a:highlight>
+                  <a:srgbClr val="FFFFFF"/>
+                </a:highlight>
+                <a:latin typeface="Consolas" panose="020B0609020204030204" pitchFamily="49" charset="0"/>
+              </a:rPr>
+              <a:t>client);</a:t>
+            </a:r>
+          </a:p>
+          <a:p>
+            <a:r>
+              <a:rPr lang="en-US" dirty="0">
+                <a:solidFill>
+                  <a:srgbClr val="000000"/>
+                </a:solidFill>
+                <a:highlight>
+                  <a:srgbClr val="FFFFFF"/>
+                </a:highlight>
+                <a:latin typeface="Consolas" panose="020B0609020204030204" pitchFamily="49" charset="0"/>
+              </a:rPr>
+              <a:t>    </a:t>
+            </a:r>
+            <a:r>
+              <a:rPr lang="en-US" dirty="0" err="1" smtClean="0">
+                <a:solidFill>
+                  <a:srgbClr val="2B91AF"/>
+                </a:solidFill>
+                <a:highlight>
+                  <a:srgbClr val="FFFFFF"/>
+                </a:highlight>
+                <a:latin typeface="Consolas" panose="020B0609020204030204" pitchFamily="49" charset="0"/>
+              </a:rPr>
+              <a:t>Task</a:t>
+            </a:r>
+            <a:r>
+              <a:rPr lang="en-US" dirty="0" err="1" smtClean="0">
+                <a:solidFill>
+                  <a:srgbClr val="000000"/>
+                </a:solidFill>
+                <a:highlight>
+                  <a:srgbClr val="FFFFFF"/>
+                </a:highlight>
+                <a:latin typeface="Consolas" panose="020B0609020204030204" pitchFamily="49" charset="0"/>
+              </a:rPr>
+              <a:t>.Ru</a:t>
+            </a:r>
+            <a:r>
+              <a:rPr lang="en-US" dirty="0" err="1">
+                <a:solidFill>
+                  <a:srgbClr val="000000"/>
+                </a:solidFill>
+                <a:highlight>
+                  <a:srgbClr val="FFFFFF"/>
+                </a:highlight>
+                <a:latin typeface="Consolas" panose="020B0609020204030204" pitchFamily="49" charset="0"/>
+              </a:rPr>
+              <a:t>n</a:t>
+            </a:r>
+            <a:r>
+              <a:rPr lang="en-US" dirty="0" smtClean="0">
+                <a:solidFill>
+                  <a:srgbClr val="000000"/>
+                </a:solidFill>
+                <a:highlight>
+                  <a:srgbClr val="FFFFFF"/>
+                </a:highlight>
+                <a:latin typeface="Consolas" panose="020B0609020204030204" pitchFamily="49" charset="0"/>
+              </a:rPr>
+              <a:t>(() </a:t>
+            </a:r>
+            <a:r>
+              <a:rPr lang="en-US" dirty="0">
+                <a:solidFill>
+                  <a:srgbClr val="000000"/>
+                </a:solidFill>
+                <a:highlight>
+                  <a:srgbClr val="FFFFFF"/>
+                </a:highlight>
+                <a:latin typeface="Consolas" panose="020B0609020204030204" pitchFamily="49" charset="0"/>
+              </a:rPr>
+              <a:t>=&gt;</a:t>
+            </a:r>
+          </a:p>
+          <a:p>
+            <a:r>
+              <a:rPr lang="en-US" dirty="0">
+                <a:solidFill>
+                  <a:srgbClr val="000000"/>
+                </a:solidFill>
+                <a:highlight>
+                  <a:srgbClr val="FFFFFF"/>
+                </a:highlight>
+                <a:latin typeface="Consolas" panose="020B0609020204030204" pitchFamily="49" charset="0"/>
+              </a:rPr>
+              <a:t>            {</a:t>
+            </a:r>
+          </a:p>
+          <a:p>
+            <a:r>
+              <a:rPr lang="en-US" dirty="0">
+                <a:solidFill>
+                  <a:srgbClr val="000000"/>
+                </a:solidFill>
+                <a:highlight>
+                  <a:srgbClr val="FFFFFF"/>
+                </a:highlight>
+                <a:latin typeface="Consolas" panose="020B0609020204030204" pitchFamily="49" charset="0"/>
+              </a:rPr>
+              <a:t>                _</a:t>
+            </a:r>
+            <a:r>
+              <a:rPr lang="en-US" dirty="0" err="1" smtClean="0">
+                <a:solidFill>
+                  <a:srgbClr val="000000"/>
+                </a:solidFill>
+                <a:highlight>
+                  <a:srgbClr val="FFFFFF"/>
+                </a:highlight>
+                <a:latin typeface="Consolas" panose="020B0609020204030204" pitchFamily="49" charset="0"/>
+              </a:rPr>
+              <a:t>sender.Send</a:t>
+            </a:r>
+            <a:r>
+              <a:rPr lang="en-US" dirty="0" smtClean="0">
+                <a:solidFill>
+                  <a:srgbClr val="000000"/>
+                </a:solidFill>
+                <a:highlight>
+                  <a:srgbClr val="FFFFFF"/>
+                </a:highlight>
+                <a:latin typeface="Consolas" panose="020B0609020204030204" pitchFamily="49" charset="0"/>
+              </a:rPr>
+              <a:t>&lt;</a:t>
+            </a:r>
+            <a:r>
+              <a:rPr lang="en-US" dirty="0" err="1" smtClean="0">
+                <a:solidFill>
+                  <a:srgbClr val="2B91AF"/>
+                </a:solidFill>
+                <a:highlight>
+                  <a:srgbClr val="FFFFFF"/>
+                </a:highlight>
+                <a:latin typeface="Consolas" panose="020B0609020204030204" pitchFamily="49" charset="0"/>
+              </a:rPr>
+              <a:t>CreateClientCommand</a:t>
+            </a:r>
+            <a:r>
+              <a:rPr lang="en-US" dirty="0" smtClean="0">
+                <a:solidFill>
+                  <a:srgbClr val="000000"/>
+                </a:solidFill>
+                <a:highlight>
+                  <a:srgbClr val="FFFFFF"/>
+                </a:highlight>
+                <a:latin typeface="Consolas" panose="020B0609020204030204" pitchFamily="49" charset="0"/>
+              </a:rPr>
+              <a:t>&gt;(</a:t>
+            </a:r>
+            <a:r>
+              <a:rPr lang="en-US" dirty="0" err="1" smtClean="0">
+                <a:solidFill>
+                  <a:srgbClr val="000000"/>
+                </a:solidFill>
+                <a:highlight>
+                  <a:srgbClr val="FFFFFF"/>
+                </a:highlight>
+                <a:latin typeface="Consolas" panose="020B0609020204030204" pitchFamily="49" charset="0"/>
+              </a:rPr>
+              <a:t>cmd</a:t>
+            </a:r>
+            <a:r>
+              <a:rPr lang="en-US" dirty="0" smtClean="0">
+                <a:solidFill>
+                  <a:srgbClr val="000000"/>
+                </a:solidFill>
+                <a:highlight>
+                  <a:srgbClr val="FFFFFF"/>
+                </a:highlight>
+                <a:latin typeface="Consolas" panose="020B0609020204030204" pitchFamily="49" charset="0"/>
+              </a:rPr>
+              <a:t>);</a:t>
+            </a:r>
+            <a:endParaRPr lang="en-US" dirty="0">
+              <a:solidFill>
+                <a:srgbClr val="000000"/>
+              </a:solidFill>
+              <a:highlight>
+                <a:srgbClr val="FFFFFF"/>
+              </a:highlight>
+              <a:latin typeface="Consolas" panose="020B0609020204030204" pitchFamily="49" charset="0"/>
+            </a:endParaRPr>
+          </a:p>
+          <a:p>
+            <a:r>
+              <a:rPr lang="en-US" dirty="0">
+                <a:solidFill>
+                  <a:srgbClr val="000000"/>
+                </a:solidFill>
+                <a:highlight>
+                  <a:srgbClr val="FFFFFF"/>
+                </a:highlight>
+                <a:latin typeface="Consolas" panose="020B0609020204030204" pitchFamily="49" charset="0"/>
+              </a:rPr>
+              <a:t>            }</a:t>
+            </a:r>
+          </a:p>
+          <a:p>
+            <a:r>
+              <a:rPr lang="en-US" dirty="0">
+                <a:solidFill>
+                  <a:srgbClr val="000000"/>
+                </a:solidFill>
+                <a:highlight>
+                  <a:srgbClr val="FFFFFF"/>
+                </a:highlight>
+                <a:latin typeface="Consolas" panose="020B0609020204030204" pitchFamily="49" charset="0"/>
+              </a:rPr>
+              <a:t>        );</a:t>
+            </a:r>
+          </a:p>
+          <a:p>
+            <a:r>
+              <a:rPr lang="en-US" dirty="0">
+                <a:solidFill>
+                  <a:srgbClr val="000000"/>
+                </a:solidFill>
+                <a:highlight>
+                  <a:srgbClr val="FFFFFF"/>
+                </a:highlight>
+                <a:latin typeface="Consolas" panose="020B0609020204030204" pitchFamily="49" charset="0"/>
+              </a:rPr>
+              <a:t>    </a:t>
+            </a:r>
+            <a:r>
+              <a:rPr lang="en-US" dirty="0">
+                <a:solidFill>
+                  <a:srgbClr val="0000FF"/>
+                </a:solidFill>
+                <a:highlight>
+                  <a:srgbClr val="FFFFFF"/>
+                </a:highlight>
+                <a:latin typeface="Consolas" panose="020B0609020204030204" pitchFamily="49" charset="0"/>
+              </a:rPr>
+              <a:t>return</a:t>
+            </a:r>
+            <a:r>
+              <a:rPr lang="en-US" dirty="0">
+                <a:solidFill>
+                  <a:srgbClr val="000000"/>
+                </a:solidFill>
+                <a:highlight>
+                  <a:srgbClr val="FFFFFF"/>
+                </a:highlight>
+                <a:latin typeface="Consolas" panose="020B0609020204030204" pitchFamily="49" charset="0"/>
+              </a:rPr>
+              <a:t> </a:t>
+            </a:r>
+            <a:r>
+              <a:rPr lang="en-US" dirty="0" err="1" smtClean="0">
+                <a:solidFill>
+                  <a:srgbClr val="000000"/>
+                </a:solidFill>
+                <a:highlight>
+                  <a:srgbClr val="FFFFFF"/>
+                </a:highlight>
+                <a:latin typeface="Consolas" panose="020B0609020204030204" pitchFamily="49" charset="0"/>
+              </a:rPr>
+              <a:t>client.RequestId</a:t>
+            </a:r>
+            <a:r>
+              <a:rPr lang="en-US" dirty="0">
+                <a:solidFill>
+                  <a:srgbClr val="000000"/>
+                </a:solidFill>
+                <a:highlight>
+                  <a:srgbClr val="FFFFFF"/>
+                </a:highlight>
+                <a:latin typeface="Consolas" panose="020B0609020204030204" pitchFamily="49" charset="0"/>
+              </a:rPr>
+              <a:t>;</a:t>
+            </a:r>
+          </a:p>
+          <a:p>
+            <a:r>
+              <a:rPr lang="en-US" dirty="0">
+                <a:solidFill>
+                  <a:srgbClr val="000000"/>
+                </a:solidFill>
+                <a:highlight>
+                  <a:srgbClr val="FFFFFF"/>
+                </a:highlight>
+                <a:latin typeface="Consolas" panose="020B0609020204030204" pitchFamily="49" charset="0"/>
+              </a:rPr>
+              <a:t>}</a:t>
+            </a:r>
+            <a:endParaRPr lang="en-US" dirty="0"/>
+          </a:p>
+        </p:txBody>
+      </p:sp>
+      <p:sp>
+        <p:nvSpPr>
+          <p:cNvPr id="3" name="Title 2"/>
           <p:cNvSpPr>
             <a:spLocks noGrp="1"/>
           </p:cNvSpPr>
@@ -18126,30 +17721,11 @@
           <a:p>
             <a:r>
               <a:rPr lang="en-US" dirty="0" smtClean="0"/>
-              <a:t>Commands or Events</a:t>
-            </a:r>
-            <a:endParaRPr lang="en-US" dirty="0"/>
-          </a:p>
-        </p:txBody>
-      </p:sp>
-      <p:sp>
-        <p:nvSpPr>
-          <p:cNvPr id="3" name="Text Placeholder 2"/>
-          <p:cNvSpPr>
-            <a:spLocks noGrp="1"/>
-          </p:cNvSpPr>
-          <p:nvPr>
-            <p:ph type="body" idx="1"/>
-          </p:nvPr>
-        </p:nvSpPr>
-        <p:spPr/>
-        <p:txBody>
-          <a:bodyPr/>
-          <a:lstStyle/>
-          <a:p>
-            <a:r>
-              <a:rPr lang="en-US" dirty="0" smtClean="0"/>
-              <a:t>We only have to worry about two message types.</a:t>
+              <a:t>Using Our Queue </a:t>
+            </a:r>
+            <a:r>
+              <a:rPr lang="en-US" dirty="0" err="1" smtClean="0"/>
+              <a:t>Async</a:t>
             </a:r>
             <a:endParaRPr lang="en-US" dirty="0"/>
           </a:p>
@@ -18158,13 +17734,20 @@
     </p:spTree>
     <p:extLst>
       <p:ext uri="{BB962C8B-B14F-4D97-AF65-F5344CB8AC3E}">
-        <p14:creationId xmlns:p14="http://schemas.microsoft.com/office/powerpoint/2010/main" val="4030525821"/>
+        <p14:creationId xmlns:p14="http://schemas.microsoft.com/office/powerpoint/2010/main" val="94636160"/>
       </p:ext>
     </p:extLst>
   </p:cSld>
   <p:clrMapOvr>
     <a:masterClrMapping/>
   </p:clrMapOvr>
+  <p:timing>
+    <p:tnLst>
+      <p:par>
+        <p:cTn id="1" dur="indefinite" restart="never" nodeType="tmRoot"/>
+      </p:par>
+    </p:tnLst>
+  </p:timing>
 </p:sld>
 </file>
 
@@ -18570,7 +18153,7 @@
           <a:p>
             <a:r>
               <a:rPr lang="en-US" dirty="0" smtClean="0"/>
-              <a:t>Commands</a:t>
+              <a:t>Commands or Events</a:t>
             </a:r>
             <a:endParaRPr lang="en-US" dirty="0"/>
           </a:p>
@@ -18593,7 +18176,7 @@
           <a:p>
             <a:r>
               <a:rPr lang="en-US" dirty="0" smtClean="0"/>
-              <a:t>Messages that describe an action that is to be performed.</a:t>
+              <a:t>We only have to worry about two message types.</a:t>
             </a:r>
             <a:endParaRPr lang="en-US" dirty="0"/>
           </a:p>
@@ -18602,7 +18185,7 @@
     </p:spTree>
     <p:extLst>
       <p:ext uri="{BB962C8B-B14F-4D97-AF65-F5344CB8AC3E}">
-        <p14:creationId xmlns:p14="http://schemas.microsoft.com/office/powerpoint/2010/main" val="27380859"/>
+        <p14:creationId xmlns:p14="http://schemas.microsoft.com/office/powerpoint/2010/main" val="4030525821"/>
       </p:ext>
     </p:extLst>
   </p:cSld>
@@ -18654,12 +18237,12 @@
       </p:sp>
       <p:sp>
         <p:nvSpPr>
-          <p:cNvPr id="3" name="Content Placeholder 2"/>
+          <p:cNvPr id="3" name="Text Placeholder 2"/>
           <p:cNvSpPr>
             <a:spLocks noGrp="1"/>
           </p:cNvSpPr>
           <p:nvPr>
-            <p:ph idx="1"/>
+            <p:ph type="body" idx="1"/>
           </p:nvPr>
         </p:nvSpPr>
         <p:spPr/>
@@ -18669,99 +18252,16 @@
           <a:p>
             <a:r>
               <a:rPr lang="en-US" dirty="0" smtClean="0"/>
-              <a:t>&lt;</a:t>
-            </a:r>
-            <a:r>
-              <a:rPr lang="en-US" dirty="0" err="1" smtClean="0"/>
-              <a:t>CreateClientCommand</a:t>
-            </a:r>
-            <a:r>
-              <a:rPr lang="en-US" dirty="0" smtClean="0"/>
-              <a:t>&gt;</a:t>
-            </a:r>
-            <a:br>
-              <a:rPr lang="en-US" dirty="0" smtClean="0"/>
-            </a:br>
-            <a:r>
-              <a:rPr lang="en-US" dirty="0" smtClean="0"/>
-              <a:t>… client data elements …</a:t>
-            </a:r>
-            <a:br>
-              <a:rPr lang="en-US" dirty="0" smtClean="0"/>
-            </a:br>
-            <a:r>
-              <a:rPr lang="en-US" dirty="0" smtClean="0"/>
-              <a:t>&lt;/</a:t>
-            </a:r>
-            <a:r>
-              <a:rPr lang="en-US" dirty="0" err="1" smtClean="0"/>
-              <a:t>CreateClientCommand</a:t>
-            </a:r>
-            <a:r>
-              <a:rPr lang="en-US" dirty="0" smtClean="0"/>
-              <a:t>&gt;</a:t>
-            </a:r>
-            <a:br>
-              <a:rPr lang="en-US" dirty="0" smtClean="0"/>
-            </a:br>
-            <a:r>
-              <a:rPr lang="en-US" dirty="0" smtClean="0"/>
-              <a:t/>
-            </a:r>
-            <a:br>
-              <a:rPr lang="en-US" dirty="0" smtClean="0"/>
-            </a:br>
-            <a:r>
-              <a:rPr lang="en-US" dirty="0" smtClean="0"/>
-              <a:t/>
-            </a:r>
-            <a:br>
-              <a:rPr lang="en-US" dirty="0" smtClean="0"/>
-            </a:br>
-            <a:endParaRPr lang="en-US" dirty="0" smtClean="0"/>
-          </a:p>
-          <a:p>
-            <a:r>
-              <a:rPr lang="en-US" dirty="0" smtClean="0"/>
-              <a:t>&lt;</a:t>
-            </a:r>
-            <a:r>
-              <a:rPr lang="en-US" dirty="0" err="1" smtClean="0"/>
-              <a:t>QualifyClientCommand</a:t>
-            </a:r>
-            <a:r>
-              <a:rPr lang="en-US" dirty="0" smtClean="0"/>
-              <a:t>&gt;</a:t>
-            </a:r>
-            <a:br>
-              <a:rPr lang="en-US" dirty="0" smtClean="0"/>
-            </a:br>
-            <a:r>
-              <a:rPr lang="en-US" dirty="0" smtClean="0"/>
-              <a:t>… qualification data elements …</a:t>
-            </a:r>
-            <a:br>
-              <a:rPr lang="en-US" dirty="0" smtClean="0"/>
-            </a:br>
-            <a:r>
-              <a:rPr lang="en-US" dirty="0" smtClean="0"/>
-              <a:t>&lt;/</a:t>
-            </a:r>
-            <a:r>
-              <a:rPr lang="en-US" dirty="0" err="1" smtClean="0"/>
-              <a:t>QualifyClientCommand</a:t>
-            </a:r>
-            <a:r>
-              <a:rPr lang="en-US" dirty="0" smtClean="0"/>
-              <a:t>&gt;</a:t>
-            </a:r>
+              <a:t>Messages that describe an action that is to be performed.</a:t>
+            </a:r>
+            <a:endParaRPr lang="en-US" dirty="0"/>
           </a:p>
         </p:txBody>
       </p:sp>
     </p:spTree>
     <p:extLst>
       <p:ext uri="{BB962C8B-B14F-4D97-AF65-F5344CB8AC3E}">
-        <p14:creationId xmlns:p14="http://schemas.microsoft.com/office/powerpoint/2010/main" val="306947072"/>
+        <p14:creationId xmlns:p14="http://schemas.microsoft.com/office/powerpoint/2010/main" val="27380859"/>
       </p:ext>
     </p:extLst>
   </p:cSld>
@@ -18805,7 +18305,7 @@
           <a:p>
             <a:r>
               <a:rPr lang="en-US" dirty="0" smtClean="0"/>
-              <a:t>Events</a:t>
+              <a:t>Commands</a:t>
             </a:r>
             <a:endParaRPr lang="en-US" dirty="0"/>
           </a:p>
@@ -18813,12 +18313,12 @@
       </p:sp>
       <p:sp>
         <p:nvSpPr>
-          <p:cNvPr id="3" name="Text Placeholder 2"/>
+          <p:cNvPr id="3" name="Content Placeholder 2"/>
           <p:cNvSpPr>
             <a:spLocks noGrp="1"/>
           </p:cNvSpPr>
           <p:nvPr>
-            <p:ph type="body" idx="1"/>
+            <p:ph idx="1"/>
           </p:nvPr>
         </p:nvSpPr>
         <p:spPr/>
@@ -18828,16 +18328,99 @@
           <a:p>
             <a:r>
               <a:rPr lang="en-US" dirty="0" smtClean="0"/>
-              <a:t>Messages that describe an action that was performed.</a:t>
-            </a:r>
-            <a:endParaRPr lang="en-US" dirty="0"/>
+              <a:t>&lt;</a:t>
+            </a:r>
+            <a:r>
+              <a:rPr lang="en-US" dirty="0" err="1" smtClean="0"/>
+              <a:t>CreateClientCommand</a:t>
+            </a:r>
+            <a:r>
+              <a:rPr lang="en-US" dirty="0" smtClean="0"/>
+              <a:t>&gt;</a:t>
+            </a:r>
+            <a:br>
+              <a:rPr lang="en-US" dirty="0" smtClean="0"/>
+            </a:br>
+            <a:r>
+              <a:rPr lang="en-US" dirty="0" smtClean="0"/>
+              <a:t>… client data elements …</a:t>
+            </a:r>
+            <a:br>
+              <a:rPr lang="en-US" dirty="0" smtClean="0"/>
+            </a:br>
+            <a:r>
+              <a:rPr lang="en-US" dirty="0" smtClean="0"/>
+              <a:t>&lt;/</a:t>
+            </a:r>
+            <a:r>
+              <a:rPr lang="en-US" dirty="0" err="1" smtClean="0"/>
+              <a:t>CreateClientCommand</a:t>
+            </a:r>
+            <a:r>
+              <a:rPr lang="en-US" dirty="0" smtClean="0"/>
+              <a:t>&gt;</a:t>
+            </a:r>
+            <a:br>
+              <a:rPr lang="en-US" dirty="0" smtClean="0"/>
+            </a:br>
+            <a:r>
+              <a:rPr lang="en-US" dirty="0" smtClean="0"/>
+              <a:t/>
+            </a:r>
+            <a:br>
+              <a:rPr lang="en-US" dirty="0" smtClean="0"/>
+            </a:br>
+            <a:r>
+              <a:rPr lang="en-US" dirty="0" smtClean="0"/>
+              <a:t/>
+            </a:r>
+            <a:br>
+              <a:rPr lang="en-US" dirty="0" smtClean="0"/>
+            </a:br>
+            <a:endParaRPr lang="en-US" dirty="0" smtClean="0"/>
+          </a:p>
+          <a:p>
+            <a:r>
+              <a:rPr lang="en-US" dirty="0" smtClean="0"/>
+              <a:t>&lt;</a:t>
+            </a:r>
+            <a:r>
+              <a:rPr lang="en-US" dirty="0" err="1" smtClean="0"/>
+              <a:t>QualifyClientCommand</a:t>
+            </a:r>
+            <a:r>
+              <a:rPr lang="en-US" dirty="0" smtClean="0"/>
+              <a:t>&gt;</a:t>
+            </a:r>
+            <a:br>
+              <a:rPr lang="en-US" dirty="0" smtClean="0"/>
+            </a:br>
+            <a:r>
+              <a:rPr lang="en-US" dirty="0" smtClean="0"/>
+              <a:t>… qualification data elements …</a:t>
+            </a:r>
+            <a:br>
+              <a:rPr lang="en-US" dirty="0" smtClean="0"/>
+            </a:br>
+            <a:r>
+              <a:rPr lang="en-US" dirty="0" smtClean="0"/>
+              <a:t>&lt;/</a:t>
+            </a:r>
+            <a:r>
+              <a:rPr lang="en-US" dirty="0" err="1" smtClean="0"/>
+              <a:t>QualifyClientCommand</a:t>
+            </a:r>
+            <a:r>
+              <a:rPr lang="en-US" dirty="0" smtClean="0"/>
+              <a:t>&gt;</a:t>
+            </a:r>
           </a:p>
         </p:txBody>
       </p:sp>
     </p:spTree>
     <p:extLst>
       <p:ext uri="{BB962C8B-B14F-4D97-AF65-F5344CB8AC3E}">
-        <p14:creationId xmlns:p14="http://schemas.microsoft.com/office/powerpoint/2010/main" val="1583158161"/>
+        <p14:creationId xmlns:p14="http://schemas.microsoft.com/office/powerpoint/2010/main" val="306947072"/>
       </p:ext>
     </p:extLst>
   </p:cSld>
@@ -18889,6 +18472,82 @@
       </p:sp>
       <p:sp>
         <p:nvSpPr>
+          <p:cNvPr id="3" name="Text Placeholder 2"/>
+          <p:cNvSpPr>
+            <a:spLocks noGrp="1"/>
+          </p:cNvSpPr>
+          <p:nvPr>
+            <p:ph type="body" idx="1"/>
+          </p:nvPr>
+        </p:nvSpPr>
+        <p:spPr/>
+        <p:txBody>
+          <a:bodyPr/>
+          <a:lstStyle/>
+          <a:p>
+            <a:r>
+              <a:rPr lang="en-US" dirty="0" smtClean="0"/>
+              <a:t>Messages that describe an action that was performed.</a:t>
+            </a:r>
+            <a:endParaRPr lang="en-US" dirty="0"/>
+          </a:p>
+        </p:txBody>
+      </p:sp>
+    </p:spTree>
+    <p:extLst>
+      <p:ext uri="{BB962C8B-B14F-4D97-AF65-F5344CB8AC3E}">
+        <p14:creationId xmlns:p14="http://schemas.microsoft.com/office/powerpoint/2010/main" val="1583158161"/>
+      </p:ext>
+    </p:extLst>
+  </p:cSld>
+  <p:clrMapOvr>
+    <a:masterClrMapping/>
+  </p:clrMapOvr>
+</p:sld>
+</file>
+
+<file path=ppt/slides/slide44.xml><?xml version="1.0" encoding="utf-8"?>
+<p:sld xmlns:a="http://schemas.openxmlformats.org/drawingml/2006/main" xmlns:r="http://schemas.openxmlformats.org/officeDocument/2006/relationships" xmlns:p="http://schemas.openxmlformats.org/presentationml/2006/main">
+  <p:cSld>
+    <p:spTree>
+      <p:nvGrpSpPr>
+        <p:cNvPr id="1" name=""/>
+        <p:cNvGrpSpPr/>
+        <p:nvPr/>
+      </p:nvGrpSpPr>
+      <p:grpSpPr>
+        <a:xfrm>
+          <a:off x="0" y="0"/>
+          <a:ext cx="0" cy="0"/>
+          <a:chOff x="0" y="0"/>
+          <a:chExt cx="0" cy="0"/>
+        </a:xfrm>
+      </p:grpSpPr>
+      <p:sp>
+        <p:nvSpPr>
+          <p:cNvPr id="2" name="Title 1"/>
+          <p:cNvSpPr>
+            <a:spLocks noGrp="1"/>
+          </p:cNvSpPr>
+          <p:nvPr>
+            <p:ph type="title"/>
+          </p:nvPr>
+        </p:nvSpPr>
+        <p:spPr/>
+        <p:txBody>
+          <a:bodyPr/>
+          <a:lstStyle/>
+          <a:p>
+            <a:r>
+              <a:rPr lang="en-US" dirty="0" smtClean="0"/>
+              <a:t>Events</a:t>
+            </a:r>
+            <a:endParaRPr lang="en-US" dirty="0"/>
+          </a:p>
+        </p:txBody>
+      </p:sp>
+      <p:sp>
+        <p:nvSpPr>
           <p:cNvPr id="3" name="Content Placeholder 2"/>
           <p:cNvSpPr>
             <a:spLocks noGrp="1"/>
@@ -19014,7 +18673,7 @@
 </p:sld>
 </file>
 
-<file path=ppt/slides/slide44.xml><?xml version="1.0" encoding="utf-8"?>
+<file path=ppt/slides/slide45.xml><?xml version="1.0" encoding="utf-8"?>
 <p:sld xmlns:a="http://schemas.openxmlformats.org/drawingml/2006/main" xmlns:r="http://schemas.openxmlformats.org/officeDocument/2006/relationships" xmlns:p="http://schemas.openxmlformats.org/presentationml/2006/main">
   <p:cSld>
     <p:spTree>
@@ -19467,7 +19126,7 @@
 </p:sld>
 </file>
 
-<file path=ppt/slides/slide45.xml><?xml version="1.0" encoding="utf-8"?>
+<file path=ppt/slides/slide46.xml><?xml version="1.0" encoding="utf-8"?>
 <p:sld xmlns:a="http://schemas.openxmlformats.org/drawingml/2006/main" xmlns:r="http://schemas.openxmlformats.org/officeDocument/2006/relationships" xmlns:p="http://schemas.openxmlformats.org/presentationml/2006/main">
   <p:cSld>
     <p:spTree>
@@ -20012,7 +19671,7 @@
 </p:sld>
 </file>
 
-<file path=ppt/slides/slide46.xml><?xml version="1.0" encoding="utf-8"?>
+<file path=ppt/slides/slide47.xml><?xml version="1.0" encoding="utf-8"?>
 <p:sld xmlns:a="http://schemas.openxmlformats.org/drawingml/2006/main" xmlns:r="http://schemas.openxmlformats.org/officeDocument/2006/relationships" xmlns:p="http://schemas.openxmlformats.org/presentationml/2006/main">
   <p:cSld>
     <p:spTree>
@@ -20180,7 +19839,7 @@
 </p:sld>
 </file>
 
-<file path=ppt/slides/slide47.xml><?xml version="1.0" encoding="utf-8"?>
+<file path=ppt/slides/slide48.xml><?xml version="1.0" encoding="utf-8"?>
 <p:sld xmlns:a="http://schemas.openxmlformats.org/drawingml/2006/main" xmlns:r="http://schemas.openxmlformats.org/officeDocument/2006/relationships" xmlns:p="http://schemas.openxmlformats.org/presentationml/2006/main">
   <p:cSld>
     <p:spTree>
@@ -20258,7 +19917,7 @@
 </p:sld>
 </file>
 
-<file path=ppt/slides/slide48.xml><?xml version="1.0" encoding="utf-8"?>
+<file path=ppt/slides/slide49.xml><?xml version="1.0" encoding="utf-8"?>
 <p:sld xmlns:a="http://schemas.openxmlformats.org/drawingml/2006/main" xmlns:r="http://schemas.openxmlformats.org/officeDocument/2006/relationships" xmlns:p="http://schemas.openxmlformats.org/presentationml/2006/main">
   <p:cSld>
     <p:spTree>
@@ -21043,103 +20702,6 @@
     <p:extLst>
       <p:ext uri="{BB962C8B-B14F-4D97-AF65-F5344CB8AC3E}">
         <p14:creationId xmlns:p14="http://schemas.microsoft.com/office/powerpoint/2010/main" val="1347572577"/>
-      </p:ext>
-    </p:extLst>
-  </p:cSld>
-  <p:clrMapOvr>
-    <a:masterClrMapping/>
-  </p:clrMapOvr>
-  <p:timing>
-    <p:tnLst>
-      <p:par>
-        <p:cTn id="1" dur="indefinite" restart="never" nodeType="tmRoot"/>
-      </p:par>
-    </p:tnLst>
-  </p:timing>
-</p:sld>
-</file>
-
-<file path=ppt/slides/slide49.xml><?xml version="1.0" encoding="utf-8"?>
-<p:sld xmlns:a="http://schemas.openxmlformats.org/drawingml/2006/main" xmlns:r="http://schemas.openxmlformats.org/officeDocument/2006/relationships" xmlns:p="http://schemas.openxmlformats.org/presentationml/2006/main">
-  <p:cSld>
-    <p:spTree>
-      <p:nvGrpSpPr>
-        <p:cNvPr id="1" name=""/>
-        <p:cNvGrpSpPr/>
-        <p:nvPr/>
-      </p:nvGrpSpPr>
-      <p:grpSpPr>
-        <a:xfrm>
-          <a:off x="0" y="0"/>
-          <a:ext cx="0" cy="0"/>
-          <a:chOff x="0" y="0"/>
-          <a:chExt cx="0" cy="0"/>
-        </a:xfrm>
-      </p:grpSpPr>
-      <p:sp>
-        <p:nvSpPr>
-          <p:cNvPr id="2" name="Title 1"/>
-          <p:cNvSpPr>
-            <a:spLocks noGrp="1"/>
-          </p:cNvSpPr>
-          <p:nvPr>
-            <p:ph type="title"/>
-          </p:nvPr>
-        </p:nvSpPr>
-        <p:spPr/>
-        <p:txBody>
-          <a:bodyPr/>
-          <a:lstStyle/>
-          <a:p>
-            <a:r>
-              <a:rPr lang="en-US" dirty="0" smtClean="0"/>
-              <a:t>Demo</a:t>
-            </a:r>
-            <a:endParaRPr lang="en-US" dirty="0"/>
-          </a:p>
-        </p:txBody>
-      </p:sp>
-      <p:sp>
-        <p:nvSpPr>
-          <p:cNvPr id="3" name="Text Placeholder 2"/>
-          <p:cNvSpPr>
-            <a:spLocks noGrp="1"/>
-          </p:cNvSpPr>
-          <p:nvPr>
-            <p:ph type="body" idx="1"/>
-          </p:nvPr>
-        </p:nvSpPr>
-        <p:spPr/>
-        <p:txBody>
-          <a:bodyPr/>
-          <a:lstStyle/>
-          <a:p>
-            <a:r>
-              <a:rPr lang="en-US" dirty="0" err="1" smtClean="0"/>
-              <a:t>StartR</a:t>
-            </a:r>
-            <a:r>
-              <a:rPr lang="en-US" dirty="0" smtClean="0"/>
-              <a:t> – </a:t>
-            </a:r>
-            <a:r>
-              <a:rPr lang="en-US" dirty="0" smtClean="0">
-                <a:hlinkClick r:id="rId2"/>
-              </a:rPr>
-              <a:t>http://github.com/keithelder/StartR</a:t>
-            </a:r>
-            <a:r>
-              <a:rPr lang="en-US" dirty="0" smtClean="0"/>
-              <a:t> </a:t>
-            </a:r>
-            <a:endParaRPr lang="en-US" dirty="0"/>
-          </a:p>
-        </p:txBody>
-      </p:sp>
-    </p:spTree>
-    <p:extLst>
-      <p:ext uri="{BB962C8B-B14F-4D97-AF65-F5344CB8AC3E}">
-        <p14:creationId xmlns:p14="http://schemas.microsoft.com/office/powerpoint/2010/main" val="3138768058"/>
       </p:ext>
     </p:extLst>
   </p:cSld>
@@ -21265,6 +20827,103 @@
 </file>
 
 <file path=ppt/slides/slide50.xml><?xml version="1.0" encoding="utf-8"?>
+<p:sld xmlns:a="http://schemas.openxmlformats.org/drawingml/2006/main" xmlns:r="http://schemas.openxmlformats.org/officeDocument/2006/relationships" xmlns:p="http://schemas.openxmlformats.org/presentationml/2006/main">
+  <p:cSld>
+    <p:spTree>
+      <p:nvGrpSpPr>
+        <p:cNvPr id="1" name=""/>
+        <p:cNvGrpSpPr/>
+        <p:nvPr/>
+      </p:nvGrpSpPr>
+      <p:grpSpPr>
+        <a:xfrm>
+          <a:off x="0" y="0"/>
+          <a:ext cx="0" cy="0"/>
+          <a:chOff x="0" y="0"/>
+          <a:chExt cx="0" cy="0"/>
+        </a:xfrm>
+      </p:grpSpPr>
+      <p:sp>
+        <p:nvSpPr>
+          <p:cNvPr id="2" name="Title 1"/>
+          <p:cNvSpPr>
+            <a:spLocks noGrp="1"/>
+          </p:cNvSpPr>
+          <p:nvPr>
+            <p:ph type="title"/>
+          </p:nvPr>
+        </p:nvSpPr>
+        <p:spPr/>
+        <p:txBody>
+          <a:bodyPr/>
+          <a:lstStyle/>
+          <a:p>
+            <a:r>
+              <a:rPr lang="en-US" dirty="0" smtClean="0"/>
+              <a:t>Demo</a:t>
+            </a:r>
+            <a:endParaRPr lang="en-US" dirty="0"/>
+          </a:p>
+        </p:txBody>
+      </p:sp>
+      <p:sp>
+        <p:nvSpPr>
+          <p:cNvPr id="3" name="Text Placeholder 2"/>
+          <p:cNvSpPr>
+            <a:spLocks noGrp="1"/>
+          </p:cNvSpPr>
+          <p:nvPr>
+            <p:ph type="body" idx="1"/>
+          </p:nvPr>
+        </p:nvSpPr>
+        <p:spPr/>
+        <p:txBody>
+          <a:bodyPr/>
+          <a:lstStyle/>
+          <a:p>
+            <a:r>
+              <a:rPr lang="en-US" dirty="0" err="1" smtClean="0"/>
+              <a:t>StartR</a:t>
+            </a:r>
+            <a:r>
+              <a:rPr lang="en-US" dirty="0" smtClean="0"/>
+              <a:t> – </a:t>
+            </a:r>
+            <a:r>
+              <a:rPr lang="en-US" dirty="0" smtClean="0">
+                <a:hlinkClick r:id="rId2"/>
+              </a:rPr>
+              <a:t>http://github.com/keithelder/StartR</a:t>
+            </a:r>
+            <a:r>
+              <a:rPr lang="en-US" dirty="0" smtClean="0"/>
+              <a:t> </a:t>
+            </a:r>
+            <a:endParaRPr lang="en-US" dirty="0"/>
+          </a:p>
+        </p:txBody>
+      </p:sp>
+    </p:spTree>
+    <p:extLst>
+      <p:ext uri="{BB962C8B-B14F-4D97-AF65-F5344CB8AC3E}">
+        <p14:creationId xmlns:p14="http://schemas.microsoft.com/office/powerpoint/2010/main" val="3138768058"/>
+      </p:ext>
+    </p:extLst>
+  </p:cSld>
+  <p:clrMapOvr>
+    <a:masterClrMapping/>
+  </p:clrMapOvr>
+  <p:timing>
+    <p:tnLst>
+      <p:par>
+        <p:cTn id="1" dur="indefinite" restart="never" nodeType="tmRoot"/>
+      </p:par>
+    </p:tnLst>
+  </p:timing>
+</p:sld>
+</file>
+
+<file path=ppt/slides/slide51.xml><?xml version="1.0" encoding="utf-8"?>
 <p:sld xmlns:a="http://schemas.openxmlformats.org/drawingml/2006/main" xmlns:r="http://schemas.openxmlformats.org/officeDocument/2006/relationships" xmlns:p="http://schemas.openxmlformats.org/presentationml/2006/main">
   <p:cSld>
     <p:spTree>
